--- a/docs/Lectures/Week04/Week04_SimpleSQL.pptx
+++ b/docs/Lectures/Week04/Week04_SimpleSQL.pptx
@@ -5,10 +5,10 @@
     <p:sldMasterId id="2147483685" r:id="rId1"/>
   </p:sldMasterIdLst>
   <p:notesMasterIdLst>
-    <p:notesMasterId r:id="rId36"/>
+    <p:notesMasterId r:id="rId48"/>
   </p:notesMasterIdLst>
   <p:handoutMasterIdLst>
-    <p:handoutMasterId r:id="rId37"/>
+    <p:handoutMasterId r:id="rId49"/>
   </p:handoutMasterIdLst>
   <p:sldIdLst>
     <p:sldId id="256" r:id="rId2"/>
@@ -35,16 +35,28 @@
     <p:sldId id="351" r:id="rId23"/>
     <p:sldId id="347" r:id="rId24"/>
     <p:sldId id="341" r:id="rId25"/>
-    <p:sldId id="340" r:id="rId26"/>
-    <p:sldId id="339" r:id="rId27"/>
-    <p:sldId id="349" r:id="rId28"/>
-    <p:sldId id="352" r:id="rId29"/>
-    <p:sldId id="353" r:id="rId30"/>
-    <p:sldId id="358" r:id="rId31"/>
-    <p:sldId id="354" r:id="rId32"/>
-    <p:sldId id="356" r:id="rId33"/>
-    <p:sldId id="355" r:id="rId34"/>
-    <p:sldId id="357" r:id="rId35"/>
+    <p:sldId id="362" r:id="rId26"/>
+    <p:sldId id="340" r:id="rId27"/>
+    <p:sldId id="339" r:id="rId28"/>
+    <p:sldId id="349" r:id="rId29"/>
+    <p:sldId id="360" r:id="rId30"/>
+    <p:sldId id="361" r:id="rId31"/>
+    <p:sldId id="352" r:id="rId32"/>
+    <p:sldId id="353" r:id="rId33"/>
+    <p:sldId id="373" r:id="rId34"/>
+    <p:sldId id="374" r:id="rId35"/>
+    <p:sldId id="354" r:id="rId36"/>
+    <p:sldId id="358" r:id="rId37"/>
+    <p:sldId id="356" r:id="rId38"/>
+    <p:sldId id="355" r:id="rId39"/>
+    <p:sldId id="363" r:id="rId40"/>
+    <p:sldId id="357" r:id="rId41"/>
+    <p:sldId id="369" r:id="rId42"/>
+    <p:sldId id="365" r:id="rId43"/>
+    <p:sldId id="366" r:id="rId44"/>
+    <p:sldId id="367" r:id="rId45"/>
+    <p:sldId id="370" r:id="rId46"/>
+    <p:sldId id="368" r:id="rId47"/>
   </p:sldIdLst>
   <p:sldSz cx="12192000" cy="6858000"/>
   <p:notesSz cx="6858000" cy="9144000"/>
@@ -245,7 +257,7 @@
           <a:p>
             <a:fld id="{3AF106B3-F2DA-48D3-8BC9-D8AF4A5AEC52}" type="datetimeFigureOut">
               <a:rPr lang="en-US" smtClean="0"/>
-              <a:t>2/2/2025</a:t>
+              <a:t>2/3/2025</a:t>
             </a:fld>
             <a:endParaRPr lang="en-US"/>
           </a:p>
@@ -423,7 +435,7 @@
           <a:p>
             <a:fld id="{F12EB5DA-1790-4C4A-B092-095C6475A200}" type="datetimeFigureOut">
               <a:rPr lang="en-US" smtClean="0"/>
-              <a:t>2/2/2025</a:t>
+              <a:t>2/3/2025</a:t>
             </a:fld>
             <a:endParaRPr lang="en-US"/>
           </a:p>
@@ -928,7 +940,7 @@
           <a:p>
             <a:fld id="{ED291B17-9318-49DB-B28B-6E5994AE9581}" type="datetime1">
               <a:rPr lang="en-US" smtClean="0"/>
-              <a:t>2/2/2025</a:t>
+              <a:t>2/3/2025</a:t>
             </a:fld>
             <a:endParaRPr lang="en-US" dirty="0"/>
           </a:p>
@@ -1131,7 +1143,7 @@
           <a:p>
             <a:fld id="{2CED4963-E985-44C4-B8C4-FDD613B7C2F8}" type="datetime1">
               <a:rPr lang="en-US" smtClean="0"/>
-              <a:t>2/2/2025</a:t>
+              <a:t>2/3/2025</a:t>
             </a:fld>
             <a:endParaRPr lang="en-US" dirty="0"/>
           </a:p>
@@ -1492,7 +1504,7 @@
           <a:p>
             <a:fld id="{ED291B17-9318-49DB-B28B-6E5994AE9581}" type="datetime1">
               <a:rPr lang="en-US" smtClean="0"/>
-              <a:t>2/2/2025</a:t>
+              <a:t>2/3/2025</a:t>
             </a:fld>
             <a:endParaRPr lang="en-US" dirty="0"/>
           </a:p>
@@ -1688,7 +1700,7 @@
           <a:p>
             <a:fld id="{78DD82B9-B8EE-4375-B6FF-88FA6ABB15D9}" type="datetime1">
               <a:rPr lang="en-US" smtClean="0"/>
-              <a:t>2/2/2025</a:t>
+              <a:t>2/3/2025</a:t>
             </a:fld>
             <a:endParaRPr lang="en-US" dirty="0"/>
           </a:p>
@@ -1999,7 +2011,7 @@
           <a:p>
             <a:fld id="{B2497495-0637-405E-AE64-5CC7506D51F5}" type="datetime1">
               <a:rPr lang="en-US" smtClean="0"/>
-              <a:t>2/2/2025</a:t>
+              <a:t>2/3/2025</a:t>
             </a:fld>
             <a:endParaRPr lang="en-US" dirty="0"/>
           </a:p>
@@ -2249,7 +2261,7 @@
           <a:p>
             <a:fld id="{7BFFD690-9426-415D-8B65-26881E07B2D4}" type="datetime1">
               <a:rPr lang="en-US" smtClean="0"/>
-              <a:t>2/2/2025</a:t>
+              <a:t>2/3/2025</a:t>
             </a:fld>
             <a:endParaRPr lang="en-US" dirty="0"/>
           </a:p>
@@ -2668,7 +2680,7 @@
           <a:p>
             <a:fld id="{04C4989A-474C-40DE-95B9-011C28B71673}" type="datetime1">
               <a:rPr lang="en-US" smtClean="0"/>
-              <a:t>2/2/2025</a:t>
+              <a:t>2/3/2025</a:t>
             </a:fld>
             <a:endParaRPr lang="en-US" dirty="0"/>
           </a:p>
@@ -2790,7 +2802,7 @@
           <a:p>
             <a:fld id="{5DB4ED54-5B5E-4A04-93D3-5772E3CE3818}" type="datetime1">
               <a:rPr lang="en-US" smtClean="0"/>
-              <a:t>2/2/2025</a:t>
+              <a:t>2/3/2025</a:t>
             </a:fld>
             <a:endParaRPr lang="en-US" dirty="0"/>
           </a:p>
@@ -2885,7 +2897,7 @@
           <a:p>
             <a:fld id="{4EDE50D6-574B-40AF-946F-D52A04ADE379}" type="datetime1">
               <a:rPr lang="en-US" smtClean="0"/>
-              <a:t>2/2/2025</a:t>
+              <a:t>2/3/2025</a:t>
             </a:fld>
             <a:endParaRPr lang="en-US" dirty="0"/>
           </a:p>
@@ -3260,7 +3272,7 @@
           <a:p>
             <a:fld id="{D82884F1-FFEA-405F-9602-3DCA865EDA4E}" type="datetime1">
               <a:rPr lang="en-US" smtClean="0"/>
-              <a:t>2/2/2025</a:t>
+              <a:t>2/3/2025</a:t>
             </a:fld>
             <a:endParaRPr lang="en-US" dirty="0"/>
           </a:p>
@@ -3551,7 +3563,7 @@
           <a:p>
             <a:fld id="{7E18DB4A-8810-4A10-AD5C-D5E2C667F5B3}" type="datetime1">
               <a:rPr lang="en-US" smtClean="0"/>
-              <a:t>2/2/2025</a:t>
+              <a:t>2/3/2025</a:t>
             </a:fld>
             <a:endParaRPr lang="en-US" dirty="0"/>
           </a:p>
@@ -3764,7 +3776,7 @@
           <a:p>
             <a:fld id="{ED291B17-9318-49DB-B28B-6E5994AE9581}" type="datetime1">
               <a:rPr lang="en-US" smtClean="0"/>
-              <a:t>2/2/2025</a:t>
+              <a:t>2/3/2025</a:t>
             </a:fld>
             <a:endParaRPr lang="en-US" dirty="0"/>
           </a:p>
@@ -6317,7 +6329,7 @@
                   <a:srgbClr val="FFFFFF"/>
                 </a:solidFill>
               </a:rPr>
-              <a:t>4.2</a:t>
+              <a:t>4.3</a:t>
             </a:r>
             <a:r>
               <a:rPr lang="en-US" sz="6000" b="0" kern="1200" cap="all" dirty="0">
@@ -7672,7 +7684,7 @@
                   <a:srgbClr val="FFFFFF"/>
                 </a:solidFill>
               </a:rPr>
-              <a:t>4.2</a:t>
+              <a:t>4.4</a:t>
             </a:r>
             <a:r>
               <a:rPr lang="en-US" sz="6000" b="0" kern="1200" cap="all" dirty="0">
@@ -8597,7 +8609,7 @@
                   <a:srgbClr val="FFFFFF"/>
                 </a:solidFill>
               </a:rPr>
-              <a:t>WEEK 03 </a:t>
+              <a:t>WEEK 04 </a:t>
             </a:r>
             <a:br>
               <a:rPr lang="en-US" sz="4000" dirty="0">
@@ -10640,7 +10652,7 @@
                   <a:srgbClr val="FFFFFF"/>
                 </a:solidFill>
               </a:rPr>
-              <a:t>4.2</a:t>
+              <a:t>4.5</a:t>
             </a:r>
             <a:r>
               <a:rPr lang="en-US" sz="6000" b="0" kern="1200" cap="all" dirty="0">
@@ -10880,6 +10892,161 @@
   <p:cSld>
     <p:spTree>
       <p:nvGrpSpPr>
+        <p:cNvPr id="1" name=""/>
+        <p:cNvGrpSpPr/>
+        <p:nvPr/>
+      </p:nvGrpSpPr>
+      <p:grpSpPr>
+        <a:xfrm>
+          <a:off x="0" y="0"/>
+          <a:ext cx="0" cy="0"/>
+          <a:chOff x="0" y="0"/>
+          <a:chExt cx="0" cy="0"/>
+        </a:xfrm>
+      </p:grpSpPr>
+      <p:sp>
+        <p:nvSpPr>
+          <p:cNvPr id="2" name="Title 1">
+            <a:extLst>
+              <a:ext uri="{FF2B5EF4-FFF2-40B4-BE49-F238E27FC236}">
+                <a16:creationId xmlns:a16="http://schemas.microsoft.com/office/drawing/2014/main" id="{36E6FF84-2D22-FB88-BD20-80745F10AC21}"/>
+              </a:ext>
+            </a:extLst>
+          </p:cNvPr>
+          <p:cNvSpPr>
+            <a:spLocks noGrp="1"/>
+          </p:cNvSpPr>
+          <p:nvPr>
+            <p:ph type="title"/>
+          </p:nvPr>
+        </p:nvSpPr>
+        <p:spPr>
+          <a:xfrm>
+            <a:off x="581192" y="702156"/>
+            <a:ext cx="11029616" cy="593244"/>
+          </a:xfrm>
+        </p:spPr>
+        <p:txBody>
+          <a:bodyPr/>
+          <a:lstStyle/>
+          <a:p>
+            <a:r>
+              <a:rPr lang="en-US" dirty="0"/>
+              <a:t>RENAME TABLE</a:t>
+            </a:r>
+          </a:p>
+        </p:txBody>
+      </p:sp>
+      <p:sp>
+        <p:nvSpPr>
+          <p:cNvPr id="3" name="Content Placeholder 2">
+            <a:extLst>
+              <a:ext uri="{FF2B5EF4-FFF2-40B4-BE49-F238E27FC236}">
+                <a16:creationId xmlns:a16="http://schemas.microsoft.com/office/drawing/2014/main" id="{22955256-5528-7EEE-58BA-3F3914FD93E2}"/>
+              </a:ext>
+            </a:extLst>
+          </p:cNvPr>
+          <p:cNvSpPr>
+            <a:spLocks noGrp="1"/>
+          </p:cNvSpPr>
+          <p:nvPr>
+            <p:ph idx="1"/>
+          </p:nvPr>
+        </p:nvSpPr>
+        <p:spPr>
+          <a:xfrm>
+            <a:off x="2033671" y="2026539"/>
+            <a:ext cx="8124658" cy="2602611"/>
+          </a:xfrm>
+        </p:spPr>
+        <p:txBody>
+          <a:bodyPr/>
+          <a:lstStyle/>
+          <a:p>
+            <a:pPr marL="0" indent="0">
+              <a:buNone/>
+            </a:pPr>
+            <a:r>
+              <a:rPr lang="en-US" dirty="0">
+                <a:solidFill>
+                  <a:srgbClr val="00B0F0"/>
+                </a:solidFill>
+              </a:rPr>
+              <a:t>ALTER TABLE ch04.us_attribute RENAME COLUMN AQPKE021 TO Associate;</a:t>
+            </a:r>
+          </a:p>
+          <a:p>
+            <a:pPr marL="0" indent="0">
+              <a:buNone/>
+            </a:pPr>
+            <a:r>
+              <a:rPr lang="en-US" dirty="0">
+                <a:solidFill>
+                  <a:srgbClr val="00B0F0"/>
+                </a:solidFill>
+              </a:rPr>
+              <a:t>ALTER TABLE ch04.us_attribute RENAME COLUMN AQPKE022 TO Another;</a:t>
+            </a:r>
+          </a:p>
+          <a:p>
+            <a:pPr marL="0" indent="0">
+              <a:buNone/>
+            </a:pPr>
+            <a:r>
+              <a:rPr lang="en-US" dirty="0">
+                <a:solidFill>
+                  <a:srgbClr val="00B0F0"/>
+                </a:solidFill>
+              </a:rPr>
+              <a:t>ALTER TABLE ch04.us_attribute RENAME COLUMN AQPKE023 TO Master;</a:t>
+            </a:r>
+          </a:p>
+          <a:p>
+            <a:pPr marL="0" indent="0">
+              <a:buNone/>
+            </a:pPr>
+            <a:r>
+              <a:rPr lang="en-US" dirty="0">
+                <a:solidFill>
+                  <a:srgbClr val="00B0F0"/>
+                </a:solidFill>
+              </a:rPr>
+              <a:t>ALTER TABLE ch04.us_attribute RENAME COLUMN AQPKE024 TO Professional;</a:t>
+            </a:r>
+          </a:p>
+          <a:p>
+            <a:pPr marL="0" indent="0">
+              <a:buNone/>
+            </a:pPr>
+            <a:r>
+              <a:rPr lang="en-US" dirty="0">
+                <a:solidFill>
+                  <a:srgbClr val="00B0F0"/>
+                </a:solidFill>
+              </a:rPr>
+              <a:t>ALTER TABLE ch04.us_attribute RENAME COLUMN AQPKE025 TO Doctorate;</a:t>
+            </a:r>
+          </a:p>
+        </p:txBody>
+      </p:sp>
+    </p:spTree>
+    <p:extLst>
+      <p:ext uri="{BB962C8B-B14F-4D97-AF65-F5344CB8AC3E}">
+        <p14:creationId xmlns:p14="http://schemas.microsoft.com/office/powerpoint/2010/main" val="2788563601"/>
+      </p:ext>
+    </p:extLst>
+  </p:cSld>
+  <p:clrMapOvr>
+    <a:masterClrMapping/>
+  </p:clrMapOvr>
+</p:sld>
+</file>
+
+<file path=ppt/slides/slide26.xml><?xml version="1.0" encoding="utf-8"?>
+<p:sld xmlns:a="http://schemas.openxmlformats.org/drawingml/2006/main" xmlns:r="http://schemas.openxmlformats.org/officeDocument/2006/relationships" xmlns:p="http://schemas.openxmlformats.org/presentationml/2006/main">
+  <p:cSld>
+    <p:spTree>
+      <p:nvGrpSpPr>
         <p:cNvPr id="1" name="">
           <a:extLst>
             <a:ext uri="{FF2B5EF4-FFF2-40B4-BE49-F238E27FC236}">
@@ -11046,173 +11213,6 @@
     <p:extLst>
       <p:ext uri="{BB962C8B-B14F-4D97-AF65-F5344CB8AC3E}">
         <p14:creationId xmlns:p14="http://schemas.microsoft.com/office/powerpoint/2010/main" val="699461993"/>
-      </p:ext>
-    </p:extLst>
-  </p:cSld>
-  <p:clrMapOvr>
-    <a:masterClrMapping/>
-  </p:clrMapOvr>
-</p:sld>
-</file>
-
-<file path=ppt/slides/slide26.xml><?xml version="1.0" encoding="utf-8"?>
-<p:sld xmlns:a="http://schemas.openxmlformats.org/drawingml/2006/main" xmlns:r="http://schemas.openxmlformats.org/officeDocument/2006/relationships" xmlns:p="http://schemas.openxmlformats.org/presentationml/2006/main">
-  <p:cSld>
-    <p:spTree>
-      <p:nvGrpSpPr>
-        <p:cNvPr id="1" name=""/>
-        <p:cNvGrpSpPr/>
-        <p:nvPr/>
-      </p:nvGrpSpPr>
-      <p:grpSpPr>
-        <a:xfrm>
-          <a:off x="0" y="0"/>
-          <a:ext cx="0" cy="0"/>
-          <a:chOff x="0" y="0"/>
-          <a:chExt cx="0" cy="0"/>
-        </a:xfrm>
-      </p:grpSpPr>
-      <p:sp>
-        <p:nvSpPr>
-          <p:cNvPr id="2" name="Title 1">
-            <a:extLst>
-              <a:ext uri="{FF2B5EF4-FFF2-40B4-BE49-F238E27FC236}">
-                <a16:creationId xmlns:a16="http://schemas.microsoft.com/office/drawing/2014/main" id="{8572C728-4473-12A0-1E0F-6BEC7B3177AE}"/>
-              </a:ext>
-            </a:extLst>
-          </p:cNvPr>
-          <p:cNvSpPr>
-            <a:spLocks noGrp="1"/>
-          </p:cNvSpPr>
-          <p:nvPr>
-            <p:ph type="title"/>
-          </p:nvPr>
-        </p:nvSpPr>
-        <p:spPr>
-          <a:xfrm>
-            <a:off x="581192" y="702157"/>
-            <a:ext cx="11029616" cy="612294"/>
-          </a:xfrm>
-        </p:spPr>
-        <p:txBody>
-          <a:bodyPr>
-            <a:normAutofit/>
-          </a:bodyPr>
-          <a:lstStyle/>
-          <a:p>
-            <a:r>
-              <a:rPr lang="en-US" dirty="0"/>
-              <a:t>THE SELECT STATEMENT</a:t>
-            </a:r>
-          </a:p>
-        </p:txBody>
-      </p:sp>
-      <p:sp>
-        <p:nvSpPr>
-          <p:cNvPr id="3" name="Content Placeholder 2">
-            <a:extLst>
-              <a:ext uri="{FF2B5EF4-FFF2-40B4-BE49-F238E27FC236}">
-                <a16:creationId xmlns:a16="http://schemas.microsoft.com/office/drawing/2014/main" id="{D56D1474-9A5A-655A-716F-4C348A44B667}"/>
-              </a:ext>
-            </a:extLst>
-          </p:cNvPr>
-          <p:cNvSpPr>
-            <a:spLocks noGrp="1"/>
-          </p:cNvSpPr>
-          <p:nvPr>
-            <p:ph idx="1"/>
-          </p:nvPr>
-        </p:nvSpPr>
-        <p:spPr>
-          <a:xfrm>
-            <a:off x="2000250" y="1506078"/>
-            <a:ext cx="7324726" cy="3618371"/>
-          </a:xfrm>
-        </p:spPr>
-        <p:txBody>
-          <a:bodyPr>
-            <a:noAutofit/>
-          </a:bodyPr>
-          <a:lstStyle/>
-          <a:p>
-            <a:r>
-              <a:rPr lang="en-US" sz="2400" dirty="0"/>
-              <a:t>Basic syntax</a:t>
-            </a:r>
-          </a:p>
-          <a:p>
-            <a:pPr marL="0" indent="0">
-              <a:buNone/>
-            </a:pPr>
-            <a:r>
-              <a:rPr lang="en-US" sz="2400" dirty="0">
-                <a:solidFill>
-                  <a:srgbClr val="00B0F0"/>
-                </a:solidFill>
-              </a:rPr>
-              <a:t>SELECT column1, column2 FROM </a:t>
-            </a:r>
-            <a:r>
-              <a:rPr lang="en-US" sz="2400" dirty="0" err="1">
-                <a:solidFill>
-                  <a:srgbClr val="00B0F0"/>
-                </a:solidFill>
-              </a:rPr>
-              <a:t>table_name</a:t>
-            </a:r>
-            <a:r>
-              <a:rPr lang="en-US" sz="2400" dirty="0">
-                <a:solidFill>
-                  <a:srgbClr val="00B0F0"/>
-                </a:solidFill>
-              </a:rPr>
-              <a:t>;</a:t>
-            </a:r>
-          </a:p>
-          <a:p>
-            <a:r>
-              <a:rPr lang="en-US" sz="2400" dirty="0"/>
-              <a:t>Selecting all columns</a:t>
-            </a:r>
-          </a:p>
-          <a:p>
-            <a:pPr marL="0" indent="0">
-              <a:buNone/>
-            </a:pPr>
-            <a:r>
-              <a:rPr lang="en-US" sz="2400" dirty="0">
-                <a:solidFill>
-                  <a:srgbClr val="00B0F0"/>
-                </a:solidFill>
-              </a:rPr>
-              <a:t>SELECT * FROM ch04.us_attribute;</a:t>
-            </a:r>
-          </a:p>
-          <a:p>
-            <a:r>
-              <a:rPr lang="en-US" sz="2400" dirty="0"/>
-              <a:t>Display unique value for column</a:t>
-            </a:r>
-          </a:p>
-          <a:p>
-            <a:pPr marL="0" indent="0">
-              <a:buNone/>
-            </a:pPr>
-            <a:r>
-              <a:rPr lang="en-US" sz="2400" dirty="0">
-                <a:solidFill>
-                  <a:srgbClr val="00B0F0"/>
-                </a:solidFill>
-              </a:rPr>
-              <a:t>SELECT DISTINCT * FROM ch04.us_attribute;</a:t>
-            </a:r>
-          </a:p>
-        </p:txBody>
-      </p:sp>
-    </p:spTree>
-    <p:extLst>
-      <p:ext uri="{BB962C8B-B14F-4D97-AF65-F5344CB8AC3E}">
-        <p14:creationId xmlns:p14="http://schemas.microsoft.com/office/powerpoint/2010/main" val="151869781"/>
       </p:ext>
     </p:extLst>
   </p:cSld>
@@ -11241,509 +11241,145 @@
       </p:grpSpPr>
       <p:sp>
         <p:nvSpPr>
-          <p:cNvPr id="5" name="Title 1">
+          <p:cNvPr id="2" name="Title 1">
             <a:extLst>
               <a:ext uri="{FF2B5EF4-FFF2-40B4-BE49-F238E27FC236}">
-                <a16:creationId xmlns:a16="http://schemas.microsoft.com/office/drawing/2014/main" id="{4C228218-B880-7204-3A53-42C42DBDD2C6}"/>
+                <a16:creationId xmlns:a16="http://schemas.microsoft.com/office/drawing/2014/main" id="{8572C728-4473-12A0-1E0F-6BEC7B3177AE}"/>
               </a:ext>
             </a:extLst>
           </p:cNvPr>
-          <p:cNvSpPr txBox="1">
-            <a:spLocks/>
+          <p:cNvSpPr>
+            <a:spLocks noGrp="1"/>
           </p:cNvSpPr>
-          <p:nvPr/>
+          <p:nvPr>
+            <p:ph type="title"/>
+          </p:nvPr>
         </p:nvSpPr>
         <p:spPr>
           <a:xfrm>
-            <a:off x="657391" y="715885"/>
-            <a:ext cx="11029616" cy="698019"/>
+            <a:off x="581192" y="702157"/>
+            <a:ext cx="11029616" cy="612294"/>
           </a:xfrm>
-          <a:prstGeom prst="rect">
-            <a:avLst/>
-          </a:prstGeom>
         </p:spPr>
         <p:txBody>
-          <a:bodyPr vert="horz" lIns="91440" tIns="45720" rIns="91440" bIns="45720" rtlCol="0" anchor="b">
+          <a:bodyPr>
             <a:normAutofit/>
           </a:bodyPr>
-          <a:lstStyle>
-            <a:lvl1pPr algn="l" defTabSz="457200" rtl="0" eaLnBrk="1" latinLnBrk="0" hangingPunct="1">
-              <a:lnSpc>
-                <a:spcPct val="100000"/>
-              </a:lnSpc>
-              <a:spcBef>
-                <a:spcPct val="0"/>
-              </a:spcBef>
-              <a:buNone/>
-              <a:defRPr sz="2800" b="0" kern="1200" cap="all">
-                <a:solidFill>
-                  <a:schemeClr val="tx1">
-                    <a:lumMod val="75000"/>
-                    <a:lumOff val="25000"/>
-                  </a:schemeClr>
-                </a:solidFill>
-                <a:latin typeface="+mj-lt"/>
-                <a:ea typeface="+mj-ea"/>
-                <a:cs typeface="+mj-cs"/>
-              </a:defRPr>
-            </a:lvl1pPr>
-            <a:lvl2pPr eaLnBrk="1" hangingPunct="1">
-              <a:defRPr>
-                <a:solidFill>
-                  <a:schemeClr val="tx2"/>
-                </a:solidFill>
-              </a:defRPr>
-            </a:lvl2pPr>
-            <a:lvl3pPr eaLnBrk="1" hangingPunct="1">
-              <a:defRPr>
-                <a:solidFill>
-                  <a:schemeClr val="tx2"/>
-                </a:solidFill>
-              </a:defRPr>
-            </a:lvl3pPr>
-            <a:lvl4pPr eaLnBrk="1" hangingPunct="1">
-              <a:defRPr>
-                <a:solidFill>
-                  <a:schemeClr val="tx2"/>
-                </a:solidFill>
-              </a:defRPr>
-            </a:lvl4pPr>
-            <a:lvl5pPr eaLnBrk="1" hangingPunct="1">
-              <a:defRPr>
-                <a:solidFill>
-                  <a:schemeClr val="tx2"/>
-                </a:solidFill>
-              </a:defRPr>
-            </a:lvl5pPr>
-            <a:lvl6pPr eaLnBrk="1" hangingPunct="1">
-              <a:defRPr>
-                <a:solidFill>
-                  <a:schemeClr val="tx2"/>
-                </a:solidFill>
-              </a:defRPr>
-            </a:lvl6pPr>
-            <a:lvl7pPr eaLnBrk="1" hangingPunct="1">
-              <a:defRPr>
-                <a:solidFill>
-                  <a:schemeClr val="tx2"/>
-                </a:solidFill>
-              </a:defRPr>
-            </a:lvl7pPr>
-            <a:lvl8pPr eaLnBrk="1" hangingPunct="1">
-              <a:defRPr>
-                <a:solidFill>
-                  <a:schemeClr val="tx2"/>
-                </a:solidFill>
-              </a:defRPr>
-            </a:lvl8pPr>
-            <a:lvl9pPr eaLnBrk="1" hangingPunct="1">
-              <a:defRPr>
-                <a:solidFill>
-                  <a:schemeClr val="tx2"/>
-                </a:solidFill>
-              </a:defRPr>
-            </a:lvl9pPr>
-          </a:lstStyle>
+          <a:lstStyle/>
           <a:p>
             <a:r>
               <a:rPr lang="en-US" dirty="0"/>
-              <a:t>Filtering Data with </a:t>
-            </a:r>
-            <a:r>
-              <a:rPr lang="en-US" dirty="0">
-                <a:solidFill>
-                  <a:srgbClr val="00B0F0"/>
-                </a:solidFill>
-              </a:rPr>
-              <a:t>WHERE</a:t>
-            </a:r>
-          </a:p>
-        </p:txBody>
-      </p:sp>
-      <p:sp>
-        <p:nvSpPr>
-          <p:cNvPr id="7" name="TextBox 6">
+              <a:t>THE SELECT STATEMENT</a:t>
+            </a:r>
+          </a:p>
+        </p:txBody>
+      </p:sp>
+      <p:sp>
+        <p:nvSpPr>
+          <p:cNvPr id="3" name="Content Placeholder 2">
             <a:extLst>
               <a:ext uri="{FF2B5EF4-FFF2-40B4-BE49-F238E27FC236}">
-                <a16:creationId xmlns:a16="http://schemas.microsoft.com/office/drawing/2014/main" id="{CCABB6DD-91C0-DDF3-98BF-33C0D382110D}"/>
+                <a16:creationId xmlns:a16="http://schemas.microsoft.com/office/drawing/2014/main" id="{D56D1474-9A5A-655A-716F-4C348A44B667}"/>
               </a:ext>
             </a:extLst>
           </p:cNvPr>
-          <p:cNvSpPr txBox="1"/>
-          <p:nvPr/>
+          <p:cNvSpPr>
+            <a:spLocks noGrp="1"/>
+          </p:cNvSpPr>
+          <p:nvPr>
+            <p:ph idx="1"/>
+          </p:nvPr>
         </p:nvSpPr>
         <p:spPr>
           <a:xfrm>
-            <a:off x="1266825" y="1762125"/>
-            <a:ext cx="9544050" cy="3708708"/>
+            <a:off x="2000250" y="1506078"/>
+            <a:ext cx="7324726" cy="3618371"/>
           </a:xfrm>
-          <a:prstGeom prst="rect">
-            <a:avLst/>
-          </a:prstGeom>
-          <a:noFill/>
         </p:spPr>
         <p:txBody>
-          <a:bodyPr wrap="square" rtlCol="0">
-            <a:spAutoFit/>
+          <a:bodyPr>
+            <a:noAutofit/>
           </a:bodyPr>
           <a:lstStyle/>
           <a:p>
-            <a:pPr marL="306000" indent="-306000">
-              <a:spcBef>
-                <a:spcPct val="20000"/>
-              </a:spcBef>
-              <a:spcAft>
-                <a:spcPts val="600"/>
-              </a:spcAft>
-              <a:buClr>
-                <a:schemeClr val="accent1"/>
-              </a:buClr>
-              <a:buSzPct val="92000"/>
-              <a:buFont typeface="Wingdings 2" panose="05020102010507070707" pitchFamily="18" charset="2"/>
-              <a:buChar char=""/>
-            </a:pPr>
-            <a:r>
-              <a:rPr lang="en-US" sz="2000" dirty="0">
-                <a:solidFill>
-                  <a:schemeClr val="tx1">
-                    <a:lumMod val="75000"/>
-                    <a:lumOff val="25000"/>
-                  </a:schemeClr>
-                </a:solidFill>
-              </a:rPr>
-              <a:t>Filtering by a single condition:</a:t>
-            </a:r>
-          </a:p>
-          <a:p>
-            <a:endParaRPr lang="en-US" dirty="0"/>
-          </a:p>
-          <a:p>
-            <a:r>
-              <a:rPr lang="en-US" dirty="0">
-                <a:solidFill>
-                  <a:srgbClr val="00B0F0"/>
-                </a:solidFill>
-              </a:rPr>
-              <a:t>SELECT </a:t>
-            </a:r>
-            <a:r>
-              <a:rPr lang="en-US" dirty="0" err="1">
-                <a:solidFill>
-                  <a:srgbClr val="00B0F0"/>
-                </a:solidFill>
-              </a:rPr>
-              <a:t>stusab</a:t>
-            </a:r>
-            <a:r>
-              <a:rPr lang="en-US" dirty="0">
-                <a:solidFill>
-                  <a:srgbClr val="00B0F0"/>
-                </a:solidFill>
-              </a:rPr>
-              <a:t>, </a:t>
-            </a:r>
-            <a:r>
-              <a:rPr lang="en-US" dirty="0" err="1">
-                <a:solidFill>
-                  <a:srgbClr val="00B0F0"/>
-                </a:solidFill>
-              </a:rPr>
-              <a:t>statea</a:t>
-            </a:r>
-            <a:r>
-              <a:rPr lang="en-US" dirty="0">
-                <a:solidFill>
-                  <a:srgbClr val="00B0F0"/>
-                </a:solidFill>
-              </a:rPr>
-              <a:t>, </a:t>
-            </a:r>
-            <a:r>
-              <a:rPr lang="en-US" dirty="0" err="1">
-                <a:solidFill>
-                  <a:srgbClr val="00B0F0"/>
-                </a:solidFill>
-              </a:rPr>
-              <a:t>total_pop</a:t>
-            </a:r>
-            <a:r>
-              <a:rPr lang="en-US" dirty="0">
-                <a:solidFill>
-                  <a:srgbClr val="00B0F0"/>
-                </a:solidFill>
-              </a:rPr>
-              <a:t> FROM ch04.us_attribute WHERE </a:t>
-            </a:r>
-            <a:r>
-              <a:rPr lang="en-US" dirty="0" err="1">
-                <a:solidFill>
-                  <a:srgbClr val="00B0F0"/>
-                </a:solidFill>
-              </a:rPr>
-              <a:t>stusab</a:t>
-            </a:r>
-            <a:r>
-              <a:rPr lang="en-US" dirty="0">
-                <a:solidFill>
-                  <a:srgbClr val="00B0F0"/>
-                </a:solidFill>
-              </a:rPr>
-              <a:t> = 'New Jersey’;</a:t>
-            </a:r>
-          </a:p>
-          <a:p>
-            <a:endParaRPr lang="en-US" dirty="0"/>
-          </a:p>
-          <a:p>
-            <a:pPr marL="306000" indent="-306000">
-              <a:spcBef>
-                <a:spcPct val="20000"/>
-              </a:spcBef>
-              <a:spcAft>
-                <a:spcPts val="600"/>
-              </a:spcAft>
-              <a:buClr>
-                <a:schemeClr val="accent1"/>
-              </a:buClr>
-              <a:buSzPct val="92000"/>
-              <a:buFont typeface="Wingdings 2" panose="05020102010507070707" pitchFamily="18" charset="2"/>
-              <a:buChar char=""/>
-            </a:pPr>
-            <a:r>
-              <a:rPr lang="en-US" sz="2000" dirty="0">
-                <a:solidFill>
-                  <a:schemeClr val="tx1">
-                    <a:lumMod val="75000"/>
-                    <a:lumOff val="25000"/>
-                  </a:schemeClr>
-                </a:solidFill>
-              </a:rPr>
-              <a:t>Using comparison operators (=, !=, &gt;, &lt;, &gt;=, &lt;=):</a:t>
-            </a:r>
-          </a:p>
-          <a:p>
-            <a:endParaRPr lang="en-US" dirty="0"/>
-          </a:p>
-          <a:p>
-            <a:r>
-              <a:rPr lang="en-US" dirty="0">
-                <a:solidFill>
-                  <a:srgbClr val="00B0F0"/>
-                </a:solidFill>
-              </a:rPr>
-              <a:t>SELECT </a:t>
-            </a:r>
-            <a:r>
-              <a:rPr lang="en-US" dirty="0" err="1">
-                <a:solidFill>
-                  <a:srgbClr val="00B0F0"/>
-                </a:solidFill>
-              </a:rPr>
-              <a:t>stusab</a:t>
-            </a:r>
-            <a:r>
-              <a:rPr lang="en-US" dirty="0">
-                <a:solidFill>
-                  <a:srgbClr val="00B0F0"/>
-                </a:solidFill>
-              </a:rPr>
-              <a:t>, </a:t>
-            </a:r>
-            <a:r>
-              <a:rPr lang="en-US" dirty="0" err="1">
-                <a:solidFill>
-                  <a:srgbClr val="00B0F0"/>
-                </a:solidFill>
-              </a:rPr>
-              <a:t>statea</a:t>
-            </a:r>
-            <a:r>
-              <a:rPr lang="en-US" dirty="0">
-                <a:solidFill>
-                  <a:srgbClr val="00B0F0"/>
-                </a:solidFill>
-              </a:rPr>
-              <a:t>, </a:t>
-            </a:r>
-            <a:r>
-              <a:rPr lang="en-US" dirty="0" err="1">
-                <a:solidFill>
-                  <a:srgbClr val="00B0F0"/>
-                </a:solidFill>
-              </a:rPr>
-              <a:t>total_pop</a:t>
-            </a:r>
-            <a:r>
-              <a:rPr lang="en-US" dirty="0">
-                <a:solidFill>
-                  <a:srgbClr val="00B0F0"/>
-                </a:solidFill>
-              </a:rPr>
-              <a:t> FROM ch04.us_attribute WHERE </a:t>
-            </a:r>
-            <a:r>
-              <a:rPr lang="en-US" dirty="0" err="1">
-                <a:solidFill>
-                  <a:srgbClr val="00B0F0"/>
-                </a:solidFill>
-              </a:rPr>
-              <a:t>total_pop</a:t>
-            </a:r>
-            <a:r>
-              <a:rPr lang="en-US" dirty="0">
-                <a:solidFill>
-                  <a:srgbClr val="00B0F0"/>
-                </a:solidFill>
-              </a:rPr>
-              <a:t> &gt; 10000;</a:t>
-            </a:r>
-          </a:p>
-          <a:p>
-            <a:endParaRPr lang="en-US" dirty="0"/>
-          </a:p>
-          <a:p>
-            <a:pPr marL="306000" indent="-306000">
-              <a:spcBef>
-                <a:spcPct val="20000"/>
-              </a:spcBef>
-              <a:spcAft>
-                <a:spcPts val="600"/>
-              </a:spcAft>
-              <a:buClr>
-                <a:schemeClr val="accent1"/>
-              </a:buClr>
-              <a:buSzPct val="92000"/>
-              <a:buFont typeface="Wingdings 2" panose="05020102010507070707" pitchFamily="18" charset="2"/>
-              <a:buChar char=""/>
-            </a:pPr>
-            <a:r>
-              <a:rPr lang="en-US" sz="2000" dirty="0">
-                <a:solidFill>
-                  <a:schemeClr val="tx1">
-                    <a:lumMod val="75000"/>
-                    <a:lumOff val="25000"/>
-                  </a:schemeClr>
-                </a:solidFill>
-              </a:rPr>
-              <a:t>Using logical operators (AND, OR, NOT):</a:t>
-            </a:r>
-          </a:p>
-          <a:p>
-            <a:pPr>
-              <a:spcBef>
-                <a:spcPct val="20000"/>
-              </a:spcBef>
-              <a:spcAft>
-                <a:spcPts val="600"/>
-              </a:spcAft>
-              <a:buClr>
-                <a:schemeClr val="accent1"/>
-              </a:buClr>
-              <a:buSzPct val="92000"/>
-            </a:pPr>
-            <a:r>
-              <a:rPr lang="en-US" sz="2000" dirty="0">
-                <a:solidFill>
-                  <a:srgbClr val="00B0F0"/>
-                </a:solidFill>
-              </a:rPr>
-              <a:t>SELECT </a:t>
-            </a:r>
-            <a:r>
-              <a:rPr lang="en-US" sz="2000" dirty="0" err="1">
-                <a:solidFill>
-                  <a:srgbClr val="00B0F0"/>
-                </a:solidFill>
-              </a:rPr>
-              <a:t>stusab</a:t>
-            </a:r>
-            <a:r>
-              <a:rPr lang="en-US" sz="2000" dirty="0">
-                <a:solidFill>
-                  <a:srgbClr val="00B0F0"/>
-                </a:solidFill>
-              </a:rPr>
-              <a:t>, </a:t>
-            </a:r>
-            <a:r>
-              <a:rPr lang="en-US" sz="2000" dirty="0" err="1">
-                <a:solidFill>
-                  <a:srgbClr val="00B0F0"/>
-                </a:solidFill>
-              </a:rPr>
-              <a:t>statea</a:t>
-            </a:r>
-            <a:r>
-              <a:rPr lang="en-US" sz="2000" dirty="0">
-                <a:solidFill>
-                  <a:srgbClr val="00B0F0"/>
-                </a:solidFill>
-              </a:rPr>
-              <a:t>, </a:t>
-            </a:r>
-            <a:r>
-              <a:rPr lang="en-US" sz="2000" dirty="0" err="1">
-                <a:solidFill>
-                  <a:srgbClr val="00B0F0"/>
-                </a:solidFill>
-              </a:rPr>
-              <a:t>total_pop</a:t>
-            </a:r>
-            <a:r>
-              <a:rPr lang="en-US" sz="2000" dirty="0">
-                <a:solidFill>
-                  <a:srgbClr val="00B0F0"/>
-                </a:solidFill>
-              </a:rPr>
-              <a:t> FROM ch04.us_attribute WHERE </a:t>
-            </a:r>
-            <a:r>
-              <a:rPr lang="en-US" sz="2000" dirty="0" err="1">
-                <a:solidFill>
-                  <a:srgbClr val="00B0F0"/>
-                </a:solidFill>
-              </a:rPr>
-              <a:t>stusab</a:t>
-            </a:r>
-            <a:r>
-              <a:rPr lang="en-US" sz="2000" dirty="0">
-                <a:solidFill>
-                  <a:srgbClr val="00B0F0"/>
-                </a:solidFill>
-              </a:rPr>
-              <a:t> = 'California' AND </a:t>
-            </a:r>
-            <a:r>
-              <a:rPr lang="en-US" sz="2000" dirty="0" err="1">
-                <a:solidFill>
-                  <a:srgbClr val="00B0F0"/>
-                </a:solidFill>
-              </a:rPr>
-              <a:t>total_pop</a:t>
-            </a:r>
-            <a:r>
-              <a:rPr lang="en-US" sz="2000" dirty="0">
-                <a:solidFill>
-                  <a:srgbClr val="00B0F0"/>
-                </a:solidFill>
-              </a:rPr>
-              <a:t> &gt; 10000;</a:t>
-            </a:r>
-            <a:endParaRPr lang="en-US" sz="2000" dirty="0">
-              <a:solidFill>
-                <a:schemeClr val="tx1">
-                  <a:lumMod val="75000"/>
-                  <a:lumOff val="25000"/>
-                </a:schemeClr>
-              </a:solidFill>
-            </a:endParaRPr>
+            <a:r>
+              <a:rPr lang="en-US" sz="2400" dirty="0"/>
+              <a:t>Basic syntax</a:t>
+            </a:r>
+          </a:p>
+          <a:p>
+            <a:pPr marL="0" indent="0">
+              <a:buNone/>
+            </a:pPr>
+            <a:r>
+              <a:rPr lang="en-US" sz="2400" dirty="0">
+                <a:solidFill>
+                  <a:srgbClr val="00B0F0"/>
+                </a:solidFill>
+              </a:rPr>
+              <a:t>SELECT column1, column2 FROM </a:t>
+            </a:r>
+            <a:r>
+              <a:rPr lang="en-US" sz="2400" dirty="0" err="1">
+                <a:solidFill>
+                  <a:srgbClr val="00B0F0"/>
+                </a:solidFill>
+              </a:rPr>
+              <a:t>table_name</a:t>
+            </a:r>
+            <a:r>
+              <a:rPr lang="en-US" sz="2400" dirty="0">
+                <a:solidFill>
+                  <a:srgbClr val="00B0F0"/>
+                </a:solidFill>
+              </a:rPr>
+              <a:t>;</a:t>
+            </a:r>
+          </a:p>
+          <a:p>
+            <a:r>
+              <a:rPr lang="en-US" sz="2400" dirty="0"/>
+              <a:t>Selecting all columns</a:t>
+            </a:r>
+          </a:p>
+          <a:p>
+            <a:pPr marL="0" indent="0">
+              <a:buNone/>
+            </a:pPr>
+            <a:r>
+              <a:rPr lang="en-US" sz="2400" dirty="0">
+                <a:solidFill>
+                  <a:srgbClr val="00B0F0"/>
+                </a:solidFill>
+              </a:rPr>
+              <a:t>SELECT * FROM ch04.us_attribute;</a:t>
+            </a:r>
+          </a:p>
+          <a:p>
+            <a:r>
+              <a:rPr lang="en-US" sz="2400" dirty="0"/>
+              <a:t>Display unique value for column</a:t>
+            </a:r>
+          </a:p>
+          <a:p>
+            <a:pPr marL="0" indent="0">
+              <a:buNone/>
+            </a:pPr>
+            <a:r>
+              <a:rPr lang="en-US" sz="2400" dirty="0">
+                <a:solidFill>
+                  <a:srgbClr val="00B0F0"/>
+                </a:solidFill>
+              </a:rPr>
+              <a:t>SELECT DISTINCT * FROM ch04.us_attribute;</a:t>
+            </a:r>
           </a:p>
         </p:txBody>
       </p:sp>
     </p:spTree>
     <p:extLst>
       <p:ext uri="{BB962C8B-B14F-4D97-AF65-F5344CB8AC3E}">
-        <p14:creationId xmlns:p14="http://schemas.microsoft.com/office/powerpoint/2010/main" val="932150780"/>
+        <p14:creationId xmlns:p14="http://schemas.microsoft.com/office/powerpoint/2010/main" val="151869781"/>
       </p:ext>
     </p:extLst>
   </p:cSld>
@@ -11772,150 +11408,10 @@
       </p:grpSpPr>
       <p:sp>
         <p:nvSpPr>
-          <p:cNvPr id="3" name="Content Placeholder 2">
+          <p:cNvPr id="5" name="Title 1">
             <a:extLst>
               <a:ext uri="{FF2B5EF4-FFF2-40B4-BE49-F238E27FC236}">
-                <a16:creationId xmlns:a16="http://schemas.microsoft.com/office/drawing/2014/main" id="{3E2E49D6-98C2-3EF0-1D38-C4754724F73B}"/>
-              </a:ext>
-            </a:extLst>
-          </p:cNvPr>
-          <p:cNvSpPr>
-            <a:spLocks noGrp="1"/>
-          </p:cNvSpPr>
-          <p:nvPr>
-            <p:ph idx="1"/>
-          </p:nvPr>
-        </p:nvSpPr>
-        <p:spPr>
-          <a:xfrm>
-            <a:off x="3867318" y="2546794"/>
-            <a:ext cx="3895558" cy="1897761"/>
-          </a:xfrm>
-        </p:spPr>
-        <p:txBody>
-          <a:bodyPr/>
-          <a:lstStyle/>
-          <a:p>
-            <a:pPr marL="0" indent="0">
-              <a:buNone/>
-            </a:pPr>
-            <a:r>
-              <a:rPr lang="en-US" dirty="0">
-                <a:solidFill>
-                  <a:srgbClr val="00B0F0"/>
-                </a:solidFill>
-              </a:rPr>
-              <a:t>SELECT </a:t>
-            </a:r>
-            <a:r>
-              <a:rPr lang="en-US" dirty="0" err="1">
-                <a:solidFill>
-                  <a:srgbClr val="00B0F0"/>
-                </a:solidFill>
-              </a:rPr>
-              <a:t>stusab</a:t>
-            </a:r>
-            <a:r>
-              <a:rPr lang="en-US" dirty="0">
-                <a:solidFill>
-                  <a:srgbClr val="00B0F0"/>
-                </a:solidFill>
-              </a:rPr>
-              <a:t>, </a:t>
-            </a:r>
-            <a:r>
-              <a:rPr lang="en-US" dirty="0" err="1">
-                <a:solidFill>
-                  <a:srgbClr val="00B0F0"/>
-                </a:solidFill>
-              </a:rPr>
-              <a:t>statea</a:t>
-            </a:r>
-            <a:r>
-              <a:rPr lang="en-US" dirty="0">
-                <a:solidFill>
-                  <a:srgbClr val="00B0F0"/>
-                </a:solidFill>
-              </a:rPr>
-              <a:t>, </a:t>
-            </a:r>
-            <a:r>
-              <a:rPr lang="en-US" dirty="0" err="1">
-                <a:solidFill>
-                  <a:srgbClr val="00B0F0"/>
-                </a:solidFill>
-              </a:rPr>
-              <a:t>total_pop</a:t>
-            </a:r>
-            <a:endParaRPr lang="en-US" dirty="0">
-              <a:solidFill>
-                <a:srgbClr val="00B0F0"/>
-              </a:solidFill>
-            </a:endParaRPr>
-          </a:p>
-          <a:p>
-            <a:pPr marL="0" indent="0">
-              <a:buNone/>
-            </a:pPr>
-            <a:r>
-              <a:rPr lang="en-US" dirty="0">
-                <a:solidFill>
-                  <a:srgbClr val="00B0F0"/>
-                </a:solidFill>
-              </a:rPr>
-              <a:t>FROM ch04.us_attribute </a:t>
-            </a:r>
-          </a:p>
-          <a:p>
-            <a:pPr marL="0" indent="0">
-              <a:buNone/>
-            </a:pPr>
-            <a:r>
-              <a:rPr lang="en-US" dirty="0">
-                <a:solidFill>
-                  <a:srgbClr val="00B0F0"/>
-                </a:solidFill>
-              </a:rPr>
-              <a:t>ORDER BY </a:t>
-            </a:r>
-            <a:r>
-              <a:rPr lang="en-US" dirty="0" err="1">
-                <a:solidFill>
-                  <a:srgbClr val="00B0F0"/>
-                </a:solidFill>
-              </a:rPr>
-              <a:t>total_pop</a:t>
-            </a:r>
-            <a:r>
-              <a:rPr lang="en-US" dirty="0">
-                <a:solidFill>
-                  <a:srgbClr val="00B0F0"/>
-                </a:solidFill>
-              </a:rPr>
-              <a:t> DESC </a:t>
-            </a:r>
-          </a:p>
-          <a:p>
-            <a:pPr marL="0" indent="0">
-              <a:buNone/>
-            </a:pPr>
-            <a:r>
-              <a:rPr lang="en-US" dirty="0">
-                <a:solidFill>
-                  <a:srgbClr val="00B0F0"/>
-                </a:solidFill>
-              </a:rPr>
-              <a:t>LIMIT 10;</a:t>
-            </a:r>
-          </a:p>
-        </p:txBody>
-      </p:sp>
-      <p:sp>
-        <p:nvSpPr>
-          <p:cNvPr id="4" name="Title 1">
-            <a:extLst>
-              <a:ext uri="{FF2B5EF4-FFF2-40B4-BE49-F238E27FC236}">
-                <a16:creationId xmlns:a16="http://schemas.microsoft.com/office/drawing/2014/main" id="{A2AED701-5D75-0048-6A91-C59203767456}"/>
+                <a16:creationId xmlns:a16="http://schemas.microsoft.com/office/drawing/2014/main" id="{4C228218-B880-7204-3A53-42C42DBDD2C6}"/>
               </a:ext>
             </a:extLst>
           </p:cNvPr>
@@ -12018,7 +11514,7 @@
           <a:p>
             <a:r>
               <a:rPr lang="en-US" dirty="0"/>
-              <a:t>ORDER Data with </a:t>
+              <a:t>Filtering Data with </a:t>
             </a:r>
             <a:r>
               <a:rPr lang="en-US" dirty="0">
@@ -12026,17 +11522,17 @@
                   <a:srgbClr val="00B0F0"/>
                 </a:solidFill>
               </a:rPr>
-              <a:t>ORDER BY</a:t>
-            </a:r>
-          </a:p>
-        </p:txBody>
-      </p:sp>
-      <p:sp>
-        <p:nvSpPr>
-          <p:cNvPr id="6" name="TextBox 5">
+              <a:t>WHERE</a:t>
+            </a:r>
+          </a:p>
+        </p:txBody>
+      </p:sp>
+      <p:sp>
+        <p:nvSpPr>
+          <p:cNvPr id="7" name="TextBox 6">
             <a:extLst>
               <a:ext uri="{FF2B5EF4-FFF2-40B4-BE49-F238E27FC236}">
-                <a16:creationId xmlns:a16="http://schemas.microsoft.com/office/drawing/2014/main" id="{1DD65E91-364F-9FE3-6D0F-4C01BFF9F05F}"/>
+                <a16:creationId xmlns:a16="http://schemas.microsoft.com/office/drawing/2014/main" id="{CCABB6DD-91C0-DDF3-98BF-33C0D382110D}"/>
               </a:ext>
             </a:extLst>
           </p:cNvPr>
@@ -12045,8 +11541,8 @@
         </p:nvSpPr>
         <p:spPr>
           <a:xfrm>
-            <a:off x="819318" y="1596509"/>
-            <a:ext cx="6096000" cy="461665"/>
+            <a:off x="1323975" y="1943100"/>
+            <a:ext cx="9544050" cy="2416046"/>
           </a:xfrm>
           <a:prstGeom prst="rect">
             <a:avLst/>
@@ -12054,22 +11550,182 @@
           <a:noFill/>
         </p:spPr>
         <p:txBody>
-          <a:bodyPr wrap="square">
+          <a:bodyPr wrap="square" rtlCol="0">
             <a:spAutoFit/>
           </a:bodyPr>
           <a:lstStyle/>
           <a:p>
-            <a:r>
-              <a:rPr lang="en-US" sz="2400" dirty="0"/>
-              <a:t>Display the top 10 most populated counties.</a:t>
-            </a:r>
+            <a:pPr marL="306000" indent="-306000">
+              <a:spcBef>
+                <a:spcPct val="20000"/>
+              </a:spcBef>
+              <a:spcAft>
+                <a:spcPts val="600"/>
+              </a:spcAft>
+              <a:buClr>
+                <a:schemeClr val="accent1"/>
+              </a:buClr>
+              <a:buSzPct val="92000"/>
+              <a:buFont typeface="Wingdings 2" panose="05020102010507070707" pitchFamily="18" charset="2"/>
+              <a:buChar char=""/>
+            </a:pPr>
+            <a:r>
+              <a:rPr lang="en-US" sz="2000" dirty="0">
+                <a:solidFill>
+                  <a:schemeClr val="tx1">
+                    <a:lumMod val="75000"/>
+                    <a:lumOff val="25000"/>
+                  </a:schemeClr>
+                </a:solidFill>
+              </a:rPr>
+              <a:t>Filtering by a single condition:</a:t>
+            </a:r>
+          </a:p>
+          <a:p>
+            <a:endParaRPr lang="en-US" dirty="0"/>
+          </a:p>
+          <a:p>
+            <a:r>
+              <a:rPr lang="en-US" dirty="0">
+                <a:solidFill>
+                  <a:srgbClr val="00B0F0"/>
+                </a:solidFill>
+              </a:rPr>
+              <a:t>SELECT </a:t>
+            </a:r>
+            <a:r>
+              <a:rPr lang="en-US" dirty="0" err="1">
+                <a:solidFill>
+                  <a:srgbClr val="00B0F0"/>
+                </a:solidFill>
+              </a:rPr>
+              <a:t>stusab</a:t>
+            </a:r>
+            <a:r>
+              <a:rPr lang="en-US" dirty="0">
+                <a:solidFill>
+                  <a:srgbClr val="00B0F0"/>
+                </a:solidFill>
+              </a:rPr>
+              <a:t>, </a:t>
+            </a:r>
+            <a:r>
+              <a:rPr lang="en-US" dirty="0" err="1">
+                <a:solidFill>
+                  <a:srgbClr val="00B0F0"/>
+                </a:solidFill>
+              </a:rPr>
+              <a:t>statea</a:t>
+            </a:r>
+            <a:r>
+              <a:rPr lang="en-US" dirty="0">
+                <a:solidFill>
+                  <a:srgbClr val="00B0F0"/>
+                </a:solidFill>
+              </a:rPr>
+              <a:t>, </a:t>
+            </a:r>
+            <a:r>
+              <a:rPr lang="en-US" dirty="0" err="1">
+                <a:solidFill>
+                  <a:srgbClr val="00B0F0"/>
+                </a:solidFill>
+              </a:rPr>
+              <a:t>total_pop</a:t>
+            </a:r>
+            <a:r>
+              <a:rPr lang="en-US" dirty="0">
+                <a:solidFill>
+                  <a:srgbClr val="00B0F0"/>
+                </a:solidFill>
+              </a:rPr>
+              <a:t> FROM ch04.us_attribute WHERE </a:t>
+            </a:r>
+            <a:r>
+              <a:rPr lang="en-US" dirty="0" err="1">
+                <a:solidFill>
+                  <a:srgbClr val="00B0F0"/>
+                </a:solidFill>
+              </a:rPr>
+              <a:t>stusab</a:t>
+            </a:r>
+            <a:r>
+              <a:rPr lang="en-US" dirty="0">
+                <a:solidFill>
+                  <a:srgbClr val="00B0F0"/>
+                </a:solidFill>
+              </a:rPr>
+              <a:t> = 'New Jersey’;</a:t>
+            </a:r>
+          </a:p>
+          <a:p>
+            <a:endParaRPr lang="en-US" dirty="0">
+              <a:solidFill>
+                <a:srgbClr val="00B0F0"/>
+              </a:solidFill>
+            </a:endParaRPr>
+          </a:p>
+          <a:p>
+            <a:r>
+              <a:rPr lang="en-US" sz="1800" b="1" dirty="0"/>
+              <a:t>Exercise: </a:t>
+            </a:r>
+          </a:p>
+          <a:p>
+            <a:endParaRPr lang="en-US" sz="1800" dirty="0"/>
+          </a:p>
+          <a:p>
+            <a:r>
+              <a:rPr lang="en-US" sz="1800" dirty="0"/>
+              <a:t>Retrieve the </a:t>
+            </a:r>
+            <a:r>
+              <a:rPr lang="en-US" sz="1800" dirty="0" err="1"/>
+              <a:t>gisjoin</a:t>
+            </a:r>
+            <a:r>
+              <a:rPr lang="en-US" sz="1800" dirty="0"/>
+              <a:t>, </a:t>
+            </a:r>
+            <a:r>
+              <a:rPr lang="en-US" sz="1800" dirty="0" err="1"/>
+              <a:t>statea</a:t>
+            </a:r>
+            <a:r>
+              <a:rPr lang="en-US" sz="1800" dirty="0"/>
+              <a:t>, and </a:t>
+            </a:r>
+            <a:r>
+              <a:rPr lang="en-US" sz="1800" dirty="0" err="1"/>
+              <a:t>total_pop</a:t>
+            </a:r>
+            <a:r>
+              <a:rPr lang="en-US" sz="1800" dirty="0"/>
+              <a:t> columns for records where </a:t>
+            </a:r>
+            <a:r>
+              <a:rPr lang="en-US" sz="1800" dirty="0" err="1"/>
+              <a:t>gisjoin</a:t>
+            </a:r>
+            <a:r>
+              <a:rPr lang="en-US" sz="1800" dirty="0"/>
+              <a:t> is equal to 'MA'</a:t>
+            </a:r>
+            <a:endParaRPr lang="en-US" dirty="0">
+              <a:solidFill>
+                <a:srgbClr val="00B0F0"/>
+              </a:solidFill>
+            </a:endParaRPr>
+          </a:p>
+          <a:p>
+            <a:endParaRPr lang="en-US" dirty="0"/>
           </a:p>
         </p:txBody>
       </p:sp>
     </p:spTree>
     <p:extLst>
       <p:ext uri="{BB962C8B-B14F-4D97-AF65-F5344CB8AC3E}">
-        <p14:creationId xmlns:p14="http://schemas.microsoft.com/office/powerpoint/2010/main" val="1966093997"/>
+        <p14:creationId xmlns:p14="http://schemas.microsoft.com/office/powerpoint/2010/main" val="932150780"/>
       </p:ext>
     </p:extLst>
   </p:cSld>
@@ -12098,51 +11754,10 @@
       </p:grpSpPr>
       <p:sp>
         <p:nvSpPr>
-          <p:cNvPr id="2" name="Title 1">
-            <a:extLst>
-              <a:ext uri="{FF2B5EF4-FFF2-40B4-BE49-F238E27FC236}">
-                <a16:creationId xmlns:a16="http://schemas.microsoft.com/office/drawing/2014/main" id="{0F440ECE-EF83-01D1-B0E6-59C753285413}"/>
-              </a:ext>
-            </a:extLst>
-          </p:cNvPr>
-          <p:cNvSpPr>
-            <a:spLocks noGrp="1"/>
-          </p:cNvSpPr>
-          <p:nvPr>
-            <p:ph type="title"/>
-          </p:nvPr>
-        </p:nvSpPr>
-        <p:spPr>
-          <a:xfrm>
-            <a:off x="581192" y="702156"/>
-            <a:ext cx="11029616" cy="526569"/>
-          </a:xfrm>
-        </p:spPr>
-        <p:txBody>
-          <a:bodyPr/>
-          <a:lstStyle/>
-          <a:p>
-            <a:r>
-              <a:rPr lang="en-US" dirty="0"/>
-              <a:t>Group data by </a:t>
-            </a:r>
-            <a:r>
-              <a:rPr lang="en-US" dirty="0">
-                <a:solidFill>
-                  <a:srgbClr val="00B0F0"/>
-                </a:solidFill>
-              </a:rPr>
-              <a:t>group by</a:t>
-            </a:r>
-          </a:p>
-        </p:txBody>
-      </p:sp>
-      <p:sp>
-        <p:nvSpPr>
           <p:cNvPr id="3" name="Content Placeholder 2">
             <a:extLst>
               <a:ext uri="{FF2B5EF4-FFF2-40B4-BE49-F238E27FC236}">
-                <a16:creationId xmlns:a16="http://schemas.microsoft.com/office/drawing/2014/main" id="{124B13B1-DD8B-8E51-0CFB-3E47F0DB69A9}"/>
+                <a16:creationId xmlns:a16="http://schemas.microsoft.com/office/drawing/2014/main" id="{6C45B791-EA29-0B5E-30EA-E7C02C7535F4}"/>
               </a:ext>
             </a:extLst>
           </p:cNvPr>
@@ -12155,14 +11770,46 @@
         </p:nvSpPr>
         <p:spPr>
           <a:xfrm>
-            <a:off x="2419349" y="2380474"/>
-            <a:ext cx="7572375" cy="2350643"/>
+            <a:off x="581360" y="1728089"/>
+            <a:ext cx="11029615" cy="2681986"/>
           </a:xfrm>
         </p:spPr>
         <p:txBody>
-          <a:bodyPr/>
+          <a:bodyPr>
+            <a:normAutofit/>
+          </a:bodyPr>
           <a:lstStyle/>
           <a:p>
+            <a:pPr marL="306000" indent="-306000">
+              <a:spcBef>
+                <a:spcPct val="20000"/>
+              </a:spcBef>
+              <a:spcAft>
+                <a:spcPts val="600"/>
+              </a:spcAft>
+              <a:buClr>
+                <a:schemeClr val="accent1"/>
+              </a:buClr>
+              <a:buSzPct val="92000"/>
+              <a:buFont typeface="Wingdings 2" panose="05020102010507070707" pitchFamily="18" charset="2"/>
+              <a:buChar char=""/>
+            </a:pPr>
+            <a:r>
+              <a:rPr lang="en-US" sz="1800" dirty="0">
+                <a:solidFill>
+                  <a:schemeClr val="tx1">
+                    <a:lumMod val="75000"/>
+                    <a:lumOff val="25000"/>
+                  </a:schemeClr>
+                </a:solidFill>
+              </a:rPr>
+              <a:t>Using comparison operators (=, !=, &gt;, &lt;, &gt;=, &lt;=):</a:t>
+            </a:r>
+          </a:p>
+          <a:p>
+            <a:endParaRPr lang="en-US" dirty="0"/>
+          </a:p>
+          <a:p>
             <a:pPr marL="0" indent="0">
               <a:buNone/>
             </a:pPr>
@@ -12172,7 +11819,7 @@
                   <a:srgbClr val="00B0F0"/>
                 </a:solidFill>
               </a:rPr>
-              <a:t>SELECT </a:t>
+              <a:t>	SELECT </a:t>
             </a:r>
             <a:r>
               <a:rPr lang="en-US" dirty="0" err="1">
@@ -12188,7 +11835,7 @@
                   <a:srgbClr val="00B0F0"/>
                 </a:solidFill>
               </a:rPr>
-              <a:t>, COUNT(COUNTY) AS </a:t>
+              <a:t>, </a:t>
             </a:r>
             <a:r>
               <a:rPr lang="en-US" dirty="0" err="1">
@@ -12196,7 +11843,7 @@
                   <a:srgbClr val="00B0F0"/>
                 </a:solidFill>
               </a:rPr>
-              <a:t>county_count</a:t>
+              <a:t>statea</a:t>
             </a:r>
             <a:r>
               <a:rPr lang="en-US" dirty="0">
@@ -12204,49 +11851,54 @@
                   <a:srgbClr val="00B0F0"/>
                 </a:solidFill>
               </a:rPr>
-              <a:t> </a:t>
+              <a:t>, </a:t>
+            </a:r>
+            <a:r>
+              <a:rPr lang="en-US" dirty="0" err="1">
+                <a:solidFill>
+                  <a:srgbClr val="00B0F0"/>
+                </a:solidFill>
+              </a:rPr>
+              <a:t>total_pop</a:t>
+            </a:r>
+            <a:r>
+              <a:rPr lang="en-US" dirty="0">
+                <a:solidFill>
+                  <a:srgbClr val="00B0F0"/>
+                </a:solidFill>
+              </a:rPr>
+              <a:t> FROM ch04.us_attribute WHERE </a:t>
+            </a:r>
+            <a:r>
+              <a:rPr lang="en-US" dirty="0" err="1">
+                <a:solidFill>
+                  <a:srgbClr val="00B0F0"/>
+                </a:solidFill>
+              </a:rPr>
+              <a:t>total_pop</a:t>
+            </a:r>
+            <a:r>
+              <a:rPr lang="en-US" dirty="0">
+                <a:solidFill>
+                  <a:srgbClr val="00B0F0"/>
+                </a:solidFill>
+              </a:rPr>
+              <a:t> &gt; 10000;</a:t>
             </a:r>
           </a:p>
           <a:p>
             <a:pPr marL="0" indent="0">
               <a:buNone/>
             </a:pPr>
-            <a:r>
-              <a:rPr lang="en-US" dirty="0">
-                <a:solidFill>
-                  <a:srgbClr val="00B0F0"/>
-                </a:solidFill>
-              </a:rPr>
-              <a:t>FROM ch04.us_attribute </a:t>
-            </a:r>
+            <a:endParaRPr lang="en-US" dirty="0"/>
           </a:p>
           <a:p>
             <a:pPr marL="0" indent="0">
               <a:buNone/>
             </a:pPr>
             <a:r>
-              <a:rPr lang="en-US" dirty="0">
-                <a:solidFill>
-                  <a:srgbClr val="00B0F0"/>
-                </a:solidFill>
-              </a:rPr>
-              <a:t>GROUP BY </a:t>
-            </a:r>
-            <a:r>
-              <a:rPr lang="en-US" dirty="0" err="1">
-                <a:solidFill>
-                  <a:srgbClr val="00B0F0"/>
-                </a:solidFill>
-              </a:rPr>
-              <a:t>stusab</a:t>
-            </a:r>
-            <a:r>
-              <a:rPr lang="en-US" dirty="0">
-                <a:solidFill>
-                  <a:srgbClr val="00B0F0"/>
-                </a:solidFill>
-              </a:rPr>
-              <a:t> </a:t>
+              <a:rPr lang="en-US" b="1" dirty="0"/>
+              <a:t>	Exercise</a:t>
             </a:r>
           </a:p>
           <a:p>
@@ -12254,64 +11906,163 @@
               <a:buNone/>
             </a:pPr>
             <a:r>
-              <a:rPr lang="en-US" dirty="0">
-                <a:solidFill>
-                  <a:srgbClr val="00B0F0"/>
-                </a:solidFill>
-              </a:rPr>
-              <a:t>ORDER BY </a:t>
-            </a:r>
-            <a:r>
-              <a:rPr lang="en-US" dirty="0" err="1">
-                <a:solidFill>
-                  <a:srgbClr val="00B0F0"/>
-                </a:solidFill>
-              </a:rPr>
-              <a:t>county_count</a:t>
-            </a:r>
-            <a:r>
-              <a:rPr lang="en-US" dirty="0">
-                <a:solidFill>
-                  <a:srgbClr val="00B0F0"/>
-                </a:solidFill>
-              </a:rPr>
-              <a:t> DESC;</a:t>
-            </a:r>
-            <a:endParaRPr lang="en-US" dirty="0"/>
-          </a:p>
-        </p:txBody>
-      </p:sp>
-      <p:sp>
-        <p:nvSpPr>
-          <p:cNvPr id="4" name="TextBox 3">
+              <a:rPr lang="en-US" dirty="0"/>
+              <a:t>	Retrieve the </a:t>
+            </a:r>
+            <a:r>
+              <a:rPr lang="en-US" dirty="0" err="1"/>
+              <a:t>gisjoin</a:t>
+            </a:r>
+            <a:r>
+              <a:rPr lang="en-US" dirty="0"/>
+              <a:t>, </a:t>
+            </a:r>
+            <a:r>
+              <a:rPr lang="en-US" dirty="0" err="1"/>
+              <a:t>statea</a:t>
+            </a:r>
+            <a:r>
+              <a:rPr lang="en-US" dirty="0"/>
+              <a:t>, and </a:t>
+            </a:r>
+            <a:r>
+              <a:rPr lang="en-US" dirty="0" err="1"/>
+              <a:t>black_pop</a:t>
+            </a:r>
+            <a:r>
+              <a:rPr lang="en-US" dirty="0"/>
+              <a:t> columns for records where </a:t>
+            </a:r>
+            <a:r>
+              <a:rPr lang="en-US" dirty="0" err="1"/>
+              <a:t>black_pop</a:t>
+            </a:r>
+            <a:r>
+              <a:rPr lang="en-US" dirty="0"/>
+              <a:t> is less than 10000</a:t>
+            </a:r>
+          </a:p>
+        </p:txBody>
+      </p:sp>
+      <p:sp>
+        <p:nvSpPr>
+          <p:cNvPr id="4" name="Title 1">
             <a:extLst>
               <a:ext uri="{FF2B5EF4-FFF2-40B4-BE49-F238E27FC236}">
-                <a16:creationId xmlns:a16="http://schemas.microsoft.com/office/drawing/2014/main" id="{7F550DA5-EEC3-B444-10C2-58B7C7E5181A}"/>
+                <a16:creationId xmlns:a16="http://schemas.microsoft.com/office/drawing/2014/main" id="{DFF252E6-12EE-B9DF-D14F-C8F42C0F2DA7}"/>
               </a:ext>
             </a:extLst>
           </p:cNvPr>
-          <p:cNvSpPr txBox="1"/>
-          <p:nvPr/>
+          <p:cNvSpPr txBox="1">
+            <a:spLocks noGrp="1"/>
+          </p:cNvSpPr>
+          <p:nvPr>
+            <p:ph type="title"/>
+          </p:nvPr>
         </p:nvSpPr>
         <p:spPr>
           <a:xfrm>
-            <a:off x="923925" y="1573767"/>
-            <a:ext cx="5495925" cy="461665"/>
+            <a:off x="581025" y="701675"/>
+            <a:ext cx="11029950" cy="612775"/>
           </a:xfrm>
           <a:prstGeom prst="rect">
             <a:avLst/>
           </a:prstGeom>
-          <a:noFill/>
         </p:spPr>
         <p:txBody>
-          <a:bodyPr wrap="square" rtlCol="0">
-            <a:spAutoFit/>
+          <a:bodyPr vert="horz" lIns="91440" tIns="45720" rIns="91440" bIns="45720" rtlCol="0" anchor="b">
+            <a:normAutofit/>
           </a:bodyPr>
-          <a:lstStyle/>
-          <a:p>
-            <a:r>
-              <a:rPr lang="en-US" sz="2400" dirty="0"/>
-              <a:t>Find the number of counties in each state.</a:t>
+          <a:lstStyle>
+            <a:lvl1pPr algn="l" defTabSz="457200" rtl="0" eaLnBrk="1" latinLnBrk="0" hangingPunct="1">
+              <a:lnSpc>
+                <a:spcPct val="100000"/>
+              </a:lnSpc>
+              <a:spcBef>
+                <a:spcPct val="0"/>
+              </a:spcBef>
+              <a:buNone/>
+              <a:defRPr sz="2800" b="0" kern="1200" cap="all">
+                <a:solidFill>
+                  <a:schemeClr val="tx1">
+                    <a:lumMod val="75000"/>
+                    <a:lumOff val="25000"/>
+                  </a:schemeClr>
+                </a:solidFill>
+                <a:latin typeface="+mj-lt"/>
+                <a:ea typeface="+mj-ea"/>
+                <a:cs typeface="+mj-cs"/>
+              </a:defRPr>
+            </a:lvl1pPr>
+            <a:lvl2pPr eaLnBrk="1" hangingPunct="1">
+              <a:defRPr>
+                <a:solidFill>
+                  <a:schemeClr val="tx2"/>
+                </a:solidFill>
+              </a:defRPr>
+            </a:lvl2pPr>
+            <a:lvl3pPr eaLnBrk="1" hangingPunct="1">
+              <a:defRPr>
+                <a:solidFill>
+                  <a:schemeClr val="tx2"/>
+                </a:solidFill>
+              </a:defRPr>
+            </a:lvl3pPr>
+            <a:lvl4pPr eaLnBrk="1" hangingPunct="1">
+              <a:defRPr>
+                <a:solidFill>
+                  <a:schemeClr val="tx2"/>
+                </a:solidFill>
+              </a:defRPr>
+            </a:lvl4pPr>
+            <a:lvl5pPr eaLnBrk="1" hangingPunct="1">
+              <a:defRPr>
+                <a:solidFill>
+                  <a:schemeClr val="tx2"/>
+                </a:solidFill>
+              </a:defRPr>
+            </a:lvl5pPr>
+            <a:lvl6pPr eaLnBrk="1" hangingPunct="1">
+              <a:defRPr>
+                <a:solidFill>
+                  <a:schemeClr val="tx2"/>
+                </a:solidFill>
+              </a:defRPr>
+            </a:lvl6pPr>
+            <a:lvl7pPr eaLnBrk="1" hangingPunct="1">
+              <a:defRPr>
+                <a:solidFill>
+                  <a:schemeClr val="tx2"/>
+                </a:solidFill>
+              </a:defRPr>
+            </a:lvl7pPr>
+            <a:lvl8pPr eaLnBrk="1" hangingPunct="1">
+              <a:defRPr>
+                <a:solidFill>
+                  <a:schemeClr val="tx2"/>
+                </a:solidFill>
+              </a:defRPr>
+            </a:lvl8pPr>
+            <a:lvl9pPr eaLnBrk="1" hangingPunct="1">
+              <a:defRPr>
+                <a:solidFill>
+                  <a:schemeClr val="tx2"/>
+                </a:solidFill>
+              </a:defRPr>
+            </a:lvl9pPr>
+          </a:lstStyle>
+          <a:p>
+            <a:r>
+              <a:rPr lang="en-US" dirty="0"/>
+              <a:t>Filtering Data with </a:t>
+            </a:r>
+            <a:r>
+              <a:rPr lang="en-US" dirty="0">
+                <a:solidFill>
+                  <a:srgbClr val="00B0F0"/>
+                </a:solidFill>
+              </a:rPr>
+              <a:t>WHERE</a:t>
             </a:r>
           </a:p>
         </p:txBody>
@@ -12319,7 +12070,7 @@
     </p:spTree>
     <p:extLst>
       <p:ext uri="{BB962C8B-B14F-4D97-AF65-F5344CB8AC3E}">
-        <p14:creationId xmlns:p14="http://schemas.microsoft.com/office/powerpoint/2010/main" val="657789427"/>
+        <p14:creationId xmlns:p14="http://schemas.microsoft.com/office/powerpoint/2010/main" val="918482102"/>
       </p:ext>
     </p:extLst>
   </p:cSld>
@@ -13038,10 +12789,52 @@
       </p:grpSpPr>
       <p:sp>
         <p:nvSpPr>
+          <p:cNvPr id="2" name="Title 1">
+            <a:extLst>
+              <a:ext uri="{FF2B5EF4-FFF2-40B4-BE49-F238E27FC236}">
+                <a16:creationId xmlns:a16="http://schemas.microsoft.com/office/drawing/2014/main" id="{8DE41C00-17D1-D909-0555-6385A2C83669}"/>
+              </a:ext>
+            </a:extLst>
+          </p:cNvPr>
+          <p:cNvSpPr>
+            <a:spLocks noGrp="1"/>
+          </p:cNvSpPr>
+          <p:nvPr>
+            <p:ph type="title"/>
+          </p:nvPr>
+        </p:nvSpPr>
+        <p:spPr>
+          <a:xfrm>
+            <a:off x="581192" y="702156"/>
+            <a:ext cx="11029616" cy="612294"/>
+          </a:xfrm>
+        </p:spPr>
+        <p:txBody>
+          <a:bodyPr/>
+          <a:lstStyle/>
+          <a:p>
+            <a:r>
+              <a:rPr lang="en-US" dirty="0"/>
+              <a:t>Filtering Data with </a:t>
+            </a:r>
+            <a:r>
+              <a:rPr lang="en-US" dirty="0">
+                <a:solidFill>
+                  <a:srgbClr val="00B0F0"/>
+                </a:solidFill>
+              </a:rPr>
+              <a:t>WHERE</a:t>
+            </a:r>
+            <a:endParaRPr lang="en-US" dirty="0"/>
+          </a:p>
+        </p:txBody>
+      </p:sp>
+      <p:sp>
+        <p:nvSpPr>
           <p:cNvPr id="3" name="Content Placeholder 2">
             <a:extLst>
               <a:ext uri="{FF2B5EF4-FFF2-40B4-BE49-F238E27FC236}">
-                <a16:creationId xmlns:a16="http://schemas.microsoft.com/office/drawing/2014/main" id="{1D975AF7-DF9A-351B-4E73-17442ADC18C4}"/>
+                <a16:creationId xmlns:a16="http://schemas.microsoft.com/office/drawing/2014/main" id="{930A4937-FA1C-73DA-BB84-12B7216228FB}"/>
               </a:ext>
             </a:extLst>
           </p:cNvPr>
@@ -13054,149 +12847,174 @@
         </p:nvSpPr>
         <p:spPr>
           <a:xfrm>
-            <a:off x="2829093" y="1531239"/>
-            <a:ext cx="6067258" cy="3634486"/>
+            <a:off x="581193" y="1728570"/>
+            <a:ext cx="11029615" cy="2995830"/>
           </a:xfrm>
         </p:spPr>
         <p:txBody>
-          <a:bodyPr/>
+          <a:bodyPr>
+            <a:normAutofit/>
+          </a:bodyPr>
           <a:lstStyle/>
           <a:p>
-            <a:pPr marL="0" indent="0">
-              <a:buNone/>
-            </a:pPr>
-            <a:r>
-              <a:rPr lang="en-US" dirty="0">
-                <a:solidFill>
-                  <a:srgbClr val="00B0F0"/>
-                </a:solidFill>
-              </a:rPr>
-              <a:t>SELECT</a:t>
-            </a:r>
-          </a:p>
-          <a:p>
-            <a:pPr marL="0" indent="0">
-              <a:buNone/>
-            </a:pPr>
-            <a:r>
-              <a:rPr lang="en-US" dirty="0">
-                <a:solidFill>
-                  <a:srgbClr val="00B0F0"/>
-                </a:solidFill>
-              </a:rPr>
-              <a:t>  </a:t>
-            </a:r>
-            <a:r>
-              <a:rPr lang="en-US" dirty="0" err="1">
-                <a:solidFill>
-                  <a:srgbClr val="00B0F0"/>
-                </a:solidFill>
-              </a:rPr>
-              <a:t>stusab,statea</a:t>
-            </a:r>
-            <a:r>
-              <a:rPr lang="en-US" dirty="0">
-                <a:solidFill>
-                  <a:srgbClr val="00B0F0"/>
-                </a:solidFill>
-              </a:rPr>
-              <a:t>,</a:t>
-            </a:r>
-          </a:p>
-          <a:p>
-            <a:pPr marL="0" indent="0">
-              <a:buNone/>
-            </a:pPr>
-            <a:r>
-              <a:rPr lang="en-US" dirty="0">
-                <a:solidFill>
-                  <a:srgbClr val="00B0F0"/>
-                </a:solidFill>
-              </a:rPr>
-              <a:t>  100.0 * Sum(</a:t>
-            </a:r>
-            <a:r>
-              <a:rPr lang="en-US" dirty="0" err="1">
-                <a:solidFill>
-                  <a:srgbClr val="00B0F0"/>
-                </a:solidFill>
-              </a:rPr>
-              <a:t>white_pop</a:t>
-            </a:r>
-            <a:r>
-              <a:rPr lang="en-US" dirty="0">
-                <a:solidFill>
-                  <a:srgbClr val="00B0F0"/>
-                </a:solidFill>
-              </a:rPr>
-              <a:t>)/Sum(</a:t>
-            </a:r>
-            <a:r>
-              <a:rPr lang="en-US" dirty="0" err="1">
-                <a:solidFill>
-                  <a:srgbClr val="00B0F0"/>
-                </a:solidFill>
-              </a:rPr>
-              <a:t>total_pop</a:t>
-            </a:r>
-            <a:r>
-              <a:rPr lang="en-US" dirty="0">
-                <a:solidFill>
-                  <a:srgbClr val="00B0F0"/>
-                </a:solidFill>
-              </a:rPr>
-              <a:t>) AS </a:t>
-            </a:r>
-            <a:r>
-              <a:rPr lang="en-US" dirty="0" err="1">
-                <a:solidFill>
-                  <a:srgbClr val="00B0F0"/>
-                </a:solidFill>
-              </a:rPr>
-              <a:t>white_pct</a:t>
-            </a:r>
-            <a:endParaRPr lang="en-US" dirty="0">
+            <a:pPr marL="306000" indent="-306000">
+              <a:spcBef>
+                <a:spcPct val="20000"/>
+              </a:spcBef>
+              <a:spcAft>
+                <a:spcPts val="600"/>
+              </a:spcAft>
+              <a:buClr>
+                <a:schemeClr val="accent1"/>
+              </a:buClr>
+              <a:buSzPct val="92000"/>
+              <a:buFont typeface="Wingdings 2" panose="05020102010507070707" pitchFamily="18" charset="2"/>
+              <a:buChar char=""/>
+            </a:pPr>
+            <a:r>
+              <a:rPr lang="en-US" sz="1800" dirty="0">
+                <a:solidFill>
+                  <a:schemeClr val="tx1">
+                    <a:lumMod val="75000"/>
+                    <a:lumOff val="25000"/>
+                  </a:schemeClr>
+                </a:solidFill>
+              </a:rPr>
+              <a:t>Using logical operators (AND, OR, NOT):</a:t>
+            </a:r>
+          </a:p>
+          <a:p>
+            <a:pPr marL="306000" indent="-306000">
+              <a:spcBef>
+                <a:spcPct val="20000"/>
+              </a:spcBef>
+              <a:spcAft>
+                <a:spcPts val="600"/>
+              </a:spcAft>
+              <a:buClr>
+                <a:schemeClr val="accent1"/>
+              </a:buClr>
+              <a:buSzPct val="92000"/>
+              <a:buFont typeface="Wingdings 2" panose="05020102010507070707" pitchFamily="18" charset="2"/>
+              <a:buChar char=""/>
+            </a:pPr>
+            <a:endParaRPr lang="en-US" sz="1800" dirty="0">
               <a:solidFill>
-                <a:srgbClr val="00B0F0"/>
+                <a:schemeClr val="tx1">
+                  <a:lumMod val="75000"/>
+                  <a:lumOff val="25000"/>
+                </a:schemeClr>
               </a:solidFill>
             </a:endParaRPr>
           </a:p>
           <a:p>
             <a:pPr marL="0" indent="0">
-              <a:buNone/>
-            </a:pPr>
-            <a:r>
-              <a:rPr lang="en-US" dirty="0">
-                <a:solidFill>
-                  <a:srgbClr val="00B0F0"/>
-                </a:solidFill>
-              </a:rPr>
-              <a:t>FROM ch04.us_attribute</a:t>
-            </a:r>
-          </a:p>
-          <a:p>
-            <a:pPr marL="0" indent="0">
-              <a:buNone/>
-            </a:pPr>
-            <a:r>
-              <a:rPr lang="en-US" dirty="0">
-                <a:solidFill>
-                  <a:srgbClr val="00B0F0"/>
-                </a:solidFill>
-              </a:rPr>
-              <a:t>GROUP BY </a:t>
-            </a:r>
-            <a:r>
-              <a:rPr lang="en-US" dirty="0" err="1">
-                <a:solidFill>
-                  <a:srgbClr val="00B0F0"/>
-                </a:solidFill>
-              </a:rPr>
-              <a:t>statea,stusab</a:t>
-            </a:r>
-            <a:endParaRPr lang="en-US" dirty="0">
+              <a:spcBef>
+                <a:spcPct val="20000"/>
+              </a:spcBef>
+              <a:spcAft>
+                <a:spcPts val="600"/>
+              </a:spcAft>
+              <a:buClr>
+                <a:schemeClr val="accent1"/>
+              </a:buClr>
+              <a:buSzPct val="92000"/>
+              <a:buNone/>
+            </a:pPr>
+            <a:r>
+              <a:rPr lang="en-US" sz="1800" dirty="0">
+                <a:solidFill>
+                  <a:srgbClr val="00B0F0"/>
+                </a:solidFill>
+              </a:rPr>
+              <a:t>SELECT </a:t>
+            </a:r>
+            <a:r>
+              <a:rPr lang="en-US" sz="1800" dirty="0" err="1">
+                <a:solidFill>
+                  <a:srgbClr val="00B0F0"/>
+                </a:solidFill>
+              </a:rPr>
+              <a:t>stusab</a:t>
+            </a:r>
+            <a:r>
+              <a:rPr lang="en-US" sz="1800" dirty="0">
+                <a:solidFill>
+                  <a:srgbClr val="00B0F0"/>
+                </a:solidFill>
+              </a:rPr>
+              <a:t>, </a:t>
+            </a:r>
+            <a:r>
+              <a:rPr lang="en-US" sz="1800" dirty="0" err="1">
+                <a:solidFill>
+                  <a:srgbClr val="00B0F0"/>
+                </a:solidFill>
+              </a:rPr>
+              <a:t>statea</a:t>
+            </a:r>
+            <a:r>
+              <a:rPr lang="en-US" sz="1800" dirty="0">
+                <a:solidFill>
+                  <a:srgbClr val="00B0F0"/>
+                </a:solidFill>
+              </a:rPr>
+              <a:t>, </a:t>
+            </a:r>
+            <a:r>
+              <a:rPr lang="en-US" sz="1800" dirty="0" err="1">
+                <a:solidFill>
+                  <a:srgbClr val="00B0F0"/>
+                </a:solidFill>
+              </a:rPr>
+              <a:t>total_pop</a:t>
+            </a:r>
+            <a:r>
+              <a:rPr lang="en-US" sz="1800" dirty="0">
+                <a:solidFill>
+                  <a:srgbClr val="00B0F0"/>
+                </a:solidFill>
+              </a:rPr>
+              <a:t> FROM ch04.us_attribute WHERE </a:t>
+            </a:r>
+            <a:r>
+              <a:rPr lang="en-US" sz="1800" dirty="0" err="1">
+                <a:solidFill>
+                  <a:srgbClr val="00B0F0"/>
+                </a:solidFill>
+              </a:rPr>
+              <a:t>stusab</a:t>
+            </a:r>
+            <a:r>
+              <a:rPr lang="en-US" sz="1800" dirty="0">
+                <a:solidFill>
+                  <a:srgbClr val="00B0F0"/>
+                </a:solidFill>
+              </a:rPr>
+              <a:t> = 'California' AND </a:t>
+            </a:r>
+            <a:r>
+              <a:rPr lang="en-US" sz="1800" dirty="0" err="1">
+                <a:solidFill>
+                  <a:srgbClr val="00B0F0"/>
+                </a:solidFill>
+              </a:rPr>
+              <a:t>total_pop</a:t>
+            </a:r>
+            <a:r>
+              <a:rPr lang="en-US" sz="1800" dirty="0">
+                <a:solidFill>
+                  <a:srgbClr val="00B0F0"/>
+                </a:solidFill>
+              </a:rPr>
+              <a:t> &gt; 10000;</a:t>
+            </a:r>
+            <a:endParaRPr lang="en-US" sz="1800" dirty="0">
               <a:solidFill>
-                <a:srgbClr val="00B0F0"/>
+                <a:schemeClr val="tx1">
+                  <a:lumMod val="75000"/>
+                  <a:lumOff val="25000"/>
+                </a:schemeClr>
               </a:solidFill>
             </a:endParaRPr>
           </a:p>
@@ -13204,72 +13022,73 @@
             <a:pPr marL="0" indent="0">
               <a:buNone/>
             </a:pPr>
-            <a:r>
-              <a:rPr lang="en-US" dirty="0">
-                <a:solidFill>
-                  <a:srgbClr val="00B0F0"/>
-                </a:solidFill>
-              </a:rPr>
-              <a:t>ORDER BY </a:t>
-            </a:r>
-            <a:r>
-              <a:rPr lang="en-US" dirty="0" err="1">
-                <a:solidFill>
-                  <a:srgbClr val="00B0F0"/>
-                </a:solidFill>
-              </a:rPr>
-              <a:t>white_pct</a:t>
-            </a:r>
-            <a:r>
-              <a:rPr lang="en-US" dirty="0">
-                <a:solidFill>
-                  <a:srgbClr val="00B0F0"/>
-                </a:solidFill>
-              </a:rPr>
-              <a:t> DESC;</a:t>
-            </a:r>
-          </a:p>
-        </p:txBody>
-      </p:sp>
-      <p:sp>
-        <p:nvSpPr>
-          <p:cNvPr id="4" name="TextBox 3">
-            <a:extLst>
-              <a:ext uri="{FF2B5EF4-FFF2-40B4-BE49-F238E27FC236}">
-                <a16:creationId xmlns:a16="http://schemas.microsoft.com/office/drawing/2014/main" id="{E6B36FC6-7BEC-7ACC-069F-89F9AF59D292}"/>
-              </a:ext>
-            </a:extLst>
-          </p:cNvPr>
-          <p:cNvSpPr txBox="1"/>
-          <p:nvPr/>
-        </p:nvSpPr>
-        <p:spPr>
-          <a:xfrm>
-            <a:off x="581192" y="964167"/>
-            <a:ext cx="9391651" cy="461665"/>
-          </a:xfrm>
-          <a:prstGeom prst="rect">
-            <a:avLst/>
-          </a:prstGeom>
-          <a:noFill/>
-        </p:spPr>
-        <p:txBody>
-          <a:bodyPr wrap="square" rtlCol="0">
-            <a:spAutoFit/>
-          </a:bodyPr>
-          <a:lstStyle/>
-          <a:p>
-            <a:r>
-              <a:rPr lang="en-US" sz="2400" dirty="0"/>
-              <a:t>For each census tract, what percentage of the population is white?</a:t>
-            </a:r>
+            <a:endParaRPr lang="en-US" dirty="0"/>
+          </a:p>
+          <a:p>
+            <a:pPr marL="0" indent="0">
+              <a:buNone/>
+            </a:pPr>
+            <a:r>
+              <a:rPr lang="en-US" b="1" dirty="0"/>
+              <a:t>Exercise: </a:t>
+            </a:r>
+          </a:p>
+          <a:p>
+            <a:pPr marL="0" indent="0">
+              <a:buNone/>
+            </a:pPr>
+            <a:r>
+              <a:rPr lang="en-US" dirty="0"/>
+              <a:t>Retrieve the </a:t>
+            </a:r>
+            <a:r>
+              <a:rPr lang="en-US" dirty="0" err="1"/>
+              <a:t>gisjoin</a:t>
+            </a:r>
+            <a:r>
+              <a:rPr lang="en-US" dirty="0"/>
+              <a:t>, </a:t>
+            </a:r>
+            <a:r>
+              <a:rPr lang="en-US" dirty="0" err="1"/>
+              <a:t>statea</a:t>
+            </a:r>
+            <a:r>
+              <a:rPr lang="en-US" dirty="0"/>
+              <a:t>, and </a:t>
+            </a:r>
+            <a:r>
+              <a:rPr lang="en-US" dirty="0" err="1"/>
+              <a:t>black_pop</a:t>
+            </a:r>
+            <a:r>
+              <a:rPr lang="en-US" dirty="0"/>
+              <a:t>, master columns for records where </a:t>
+            </a:r>
+            <a:r>
+              <a:rPr lang="en-US" dirty="0" err="1"/>
+              <a:t>gisjoin</a:t>
+            </a:r>
+            <a:r>
+              <a:rPr lang="en-US" dirty="0"/>
+              <a:t> = ‘MA’, </a:t>
+            </a:r>
+            <a:r>
+              <a:rPr lang="en-US" dirty="0" err="1"/>
+              <a:t>total_pop</a:t>
+            </a:r>
+            <a:r>
+              <a:rPr lang="en-US" dirty="0"/>
+              <a:t> &gt; 5000, master &gt; 500</a:t>
+            </a:r>
+            <a:endParaRPr lang="en-US" b="1" dirty="0"/>
           </a:p>
         </p:txBody>
       </p:sp>
     </p:spTree>
     <p:extLst>
       <p:ext uri="{BB962C8B-B14F-4D97-AF65-F5344CB8AC3E}">
-        <p14:creationId xmlns:p14="http://schemas.microsoft.com/office/powerpoint/2010/main" val="1866250544"/>
+        <p14:creationId xmlns:p14="http://schemas.microsoft.com/office/powerpoint/2010/main" val="2955805940"/>
       </p:ext>
     </p:extLst>
   </p:cSld>
@@ -13301,7 +13120,7 @@
           <p:cNvPr id="3" name="Content Placeholder 2">
             <a:extLst>
               <a:ext uri="{FF2B5EF4-FFF2-40B4-BE49-F238E27FC236}">
-                <a16:creationId xmlns:a16="http://schemas.microsoft.com/office/drawing/2014/main" id="{6DDA73EB-96FE-544E-7BB5-A61B3BCA4B06}"/>
+                <a16:creationId xmlns:a16="http://schemas.microsoft.com/office/drawing/2014/main" id="{3E2E49D6-98C2-3EF0-1D38-C4754724F73B}"/>
               </a:ext>
             </a:extLst>
           </p:cNvPr>
@@ -13314,12 +13133,14 @@
         </p:nvSpPr>
         <p:spPr>
           <a:xfrm>
-            <a:off x="2733843" y="2283714"/>
-            <a:ext cx="5381458" cy="3634486"/>
+            <a:off x="1247774" y="2346769"/>
+            <a:ext cx="10239375" cy="3168206"/>
           </a:xfrm>
         </p:spPr>
         <p:txBody>
-          <a:bodyPr/>
+          <a:bodyPr>
+            <a:normAutofit/>
+          </a:bodyPr>
           <a:lstStyle/>
           <a:p>
             <a:pPr marL="0" indent="0">
@@ -13347,7 +13168,7 @@
                   <a:srgbClr val="00B0F0"/>
                 </a:solidFill>
               </a:rPr>
-              <a:t>, SUM(</a:t>
+              <a:t>, </a:t>
             </a:r>
             <a:r>
               <a:rPr lang="en-US" dirty="0" err="1">
@@ -13355,23 +13176,23 @@
                   <a:srgbClr val="00B0F0"/>
                 </a:solidFill>
               </a:rPr>
+              <a:t>statea</a:t>
+            </a:r>
+            <a:r>
+              <a:rPr lang="en-US" dirty="0">
+                <a:solidFill>
+                  <a:srgbClr val="00B0F0"/>
+                </a:solidFill>
+              </a:rPr>
+              <a:t>, </a:t>
+            </a:r>
+            <a:r>
+              <a:rPr lang="en-US" dirty="0" err="1">
+                <a:solidFill>
+                  <a:srgbClr val="00B0F0"/>
+                </a:solidFill>
+              </a:rPr>
               <a:t>total_pop</a:t>
-            </a:r>
-            <a:r>
-              <a:rPr lang="en-US" dirty="0">
-                <a:solidFill>
-                  <a:srgbClr val="00B0F0"/>
-                </a:solidFill>
-              </a:rPr>
-              <a:t> ) AS </a:t>
-            </a:r>
-            <a:r>
-              <a:rPr lang="en-US" dirty="0" err="1">
-                <a:solidFill>
-                  <a:srgbClr val="00B0F0"/>
-                </a:solidFill>
-              </a:rPr>
-              <a:t>total_population</a:t>
             </a:r>
             <a:endParaRPr lang="en-US" dirty="0">
               <a:solidFill>
@@ -13389,7 +13210,7 @@
                   <a:srgbClr val="00B0F0"/>
                 </a:solidFill>
               </a:rPr>
-              <a:t>FROM ch04.us_attribute</a:t>
+              <a:t>FROM ch04.us_attribute </a:t>
             </a:r>
           </a:p>
           <a:p>
@@ -13402,7 +13223,7 @@
                   <a:srgbClr val="00B0F0"/>
                 </a:solidFill>
               </a:rPr>
-              <a:t>GROUP BY </a:t>
+              <a:t>ORDER BY </a:t>
             </a:r>
             <a:r>
               <a:rPr lang="en-US" dirty="0" err="1">
@@ -13410,8 +13231,34 @@
                   <a:srgbClr val="00B0F0"/>
                 </a:solidFill>
               </a:rPr>
-              <a:t>stusab</a:t>
-            </a:r>
+              <a:t>total_pop</a:t>
+            </a:r>
+            <a:r>
+              <a:rPr lang="en-US" dirty="0">
+                <a:solidFill>
+                  <a:srgbClr val="00B0F0"/>
+                </a:solidFill>
+              </a:rPr>
+              <a:t> DESC </a:t>
+            </a:r>
+          </a:p>
+          <a:p>
+            <a:pPr marL="0" indent="0">
+              <a:buNone/>
+            </a:pPr>
+            <a:r>
+              <a:rPr lang="en-US" dirty="0">
+                <a:solidFill>
+                  <a:srgbClr val="00B0F0"/>
+                </a:solidFill>
+              </a:rPr>
+              <a:t>LIMIT 10;</a:t>
+            </a:r>
+          </a:p>
+          <a:p>
+            <a:pPr marL="0" indent="0">
+              <a:buNone/>
+            </a:pPr>
             <a:endParaRPr lang="en-US" dirty="0">
               <a:solidFill>
                 <a:srgbClr val="00B0F0"/>
@@ -13423,143 +13270,181 @@
               <a:buNone/>
             </a:pPr>
             <a:r>
-              <a:rPr lang="en-US" dirty="0">
-                <a:solidFill>
-                  <a:srgbClr val="00B0F0"/>
-                </a:solidFill>
-              </a:rPr>
-              <a:t>ORDER BY </a:t>
-            </a:r>
-            <a:r>
-              <a:rPr lang="en-US" dirty="0" err="1">
-                <a:solidFill>
-                  <a:srgbClr val="00B0F0"/>
-                </a:solidFill>
-              </a:rPr>
-              <a:t>total_population</a:t>
-            </a:r>
-            <a:r>
-              <a:rPr lang="en-US" dirty="0">
-                <a:solidFill>
-                  <a:srgbClr val="00B0F0"/>
-                </a:solidFill>
-              </a:rPr>
-              <a:t> DESC;</a:t>
-            </a:r>
-          </a:p>
-          <a:p>
-            <a:endParaRPr lang="en-US" dirty="0"/>
-          </a:p>
-        </p:txBody>
-      </p:sp>
-      <p:sp>
-        <p:nvSpPr>
-          <p:cNvPr id="4" name="Rectangle 1">
+              <a:rPr lang="en-US" b="1" dirty="0">
+                <a:solidFill>
+                  <a:schemeClr val="tx1"/>
+                </a:solidFill>
+              </a:rPr>
+              <a:t>Exercise:</a:t>
+            </a:r>
+          </a:p>
+          <a:p>
+            <a:pPr marL="0" indent="0">
+              <a:buNone/>
+            </a:pPr>
+            <a:r>
+              <a:rPr lang="en-US" dirty="0"/>
+              <a:t>Retrieve the </a:t>
+            </a:r>
+            <a:r>
+              <a:rPr lang="en-US" dirty="0" err="1"/>
+              <a:t>stusab</a:t>
+            </a:r>
+            <a:r>
+              <a:rPr lang="en-US" dirty="0"/>
+              <a:t>, </a:t>
+            </a:r>
+            <a:r>
+              <a:rPr lang="en-US" dirty="0" err="1"/>
+              <a:t>statea</a:t>
+            </a:r>
+            <a:r>
+              <a:rPr lang="en-US" dirty="0"/>
+              <a:t>, and </a:t>
+            </a:r>
+            <a:r>
+              <a:rPr lang="en-US" dirty="0" err="1"/>
+              <a:t>total_pop</a:t>
+            </a:r>
+            <a:r>
+              <a:rPr lang="en-US" dirty="0"/>
+              <a:t> columns for records which are 10 least populated region</a:t>
+            </a:r>
+            <a:endParaRPr lang="en-US" dirty="0">
+              <a:solidFill>
+                <a:srgbClr val="00B0F0"/>
+              </a:solidFill>
+            </a:endParaRPr>
+          </a:p>
+        </p:txBody>
+      </p:sp>
+      <p:sp>
+        <p:nvSpPr>
+          <p:cNvPr id="4" name="Title 1">
             <a:extLst>
               <a:ext uri="{FF2B5EF4-FFF2-40B4-BE49-F238E27FC236}">
-                <a16:creationId xmlns:a16="http://schemas.microsoft.com/office/drawing/2014/main" id="{789D1FCC-A804-5BC3-9546-0246F154B8F0}"/>
+                <a16:creationId xmlns:a16="http://schemas.microsoft.com/office/drawing/2014/main" id="{A2AED701-5D75-0048-6A91-C59203767456}"/>
               </a:ext>
             </a:extLst>
           </p:cNvPr>
-          <p:cNvSpPr>
-            <a:spLocks noGrp="1" noChangeArrowheads="1"/>
+          <p:cNvSpPr txBox="1">
+            <a:spLocks/>
           </p:cNvSpPr>
-          <p:nvPr>
-            <p:ph type="title"/>
-          </p:nvPr>
-        </p:nvSpPr>
-        <p:spPr bwMode="auto">
+          <p:nvPr/>
+        </p:nvSpPr>
+        <p:spPr>
           <a:xfrm>
-            <a:off x="581192" y="796781"/>
-            <a:ext cx="7902933" cy="523220"/>
+            <a:off x="657391" y="715885"/>
+            <a:ext cx="11029616" cy="698019"/>
           </a:xfrm>
           <a:prstGeom prst="rect">
             <a:avLst/>
           </a:prstGeom>
-          <a:noFill/>
-          <a:ln>
-            <a:noFill/>
-          </a:ln>
-          <a:effectLst/>
-          <a:extLst>
-            <a:ext uri="{909E8E84-426E-40DD-AFC4-6F175D3DCCD1}">
-              <a14:hiddenFill xmlns:a14="http://schemas.microsoft.com/office/drawing/2010/main">
-                <a:solidFill>
-                  <a:schemeClr val="accent1"/>
-                </a:solidFill>
-              </a14:hiddenFill>
-            </a:ext>
-            <a:ext uri="{91240B29-F687-4F45-9708-019B960494DF}">
-              <a14:hiddenLine xmlns:a14="http://schemas.microsoft.com/office/drawing/2010/main" w="9525">
-                <a:solidFill>
-                  <a:schemeClr val="tx1"/>
-                </a:solidFill>
-                <a:miter lim="800000"/>
-                <a:headEnd/>
-                <a:tailEnd/>
-              </a14:hiddenLine>
-            </a:ext>
-            <a:ext uri="{AF507438-7753-43E0-B8FC-AC1667EBCBE1}">
-              <a14:hiddenEffects xmlns:a14="http://schemas.microsoft.com/office/drawing/2010/main">
-                <a:effectLst>
-                  <a:outerShdw dist="35921" dir="2700000" algn="ctr" rotWithShape="0">
-                    <a:schemeClr val="bg2"/>
-                  </a:outerShdw>
-                </a:effectLst>
-              </a14:hiddenEffects>
-            </a:ext>
-          </a:extLst>
         </p:spPr>
         <p:txBody>
-          <a:bodyPr vert="horz" wrap="none" lIns="91440" tIns="45720" rIns="91440" bIns="45720" numCol="1" anchor="ctr" anchorCtr="0" compatLnSpc="1">
-            <a:prstTxWarp prst="textNoShape">
-              <a:avLst/>
-            </a:prstTxWarp>
-            <a:spAutoFit/>
+          <a:bodyPr vert="horz" lIns="91440" tIns="45720" rIns="91440" bIns="45720" rtlCol="0" anchor="b">
+            <a:normAutofit/>
           </a:bodyPr>
-          <a:lstStyle/>
-          <a:p>
-            <a:pPr marL="0" marR="0" lvl="0" indent="0" algn="l" defTabSz="914400" rtl="0" eaLnBrk="0" fontAlgn="base" latinLnBrk="0" hangingPunct="0">
+          <a:lstStyle>
+            <a:lvl1pPr algn="l" defTabSz="457200" rtl="0" eaLnBrk="1" latinLnBrk="0" hangingPunct="1">
               <a:lnSpc>
                 <a:spcPct val="100000"/>
               </a:lnSpc>
               <a:spcBef>
                 <a:spcPct val="0"/>
               </a:spcBef>
-              <a:spcAft>
-                <a:spcPct val="0"/>
-              </a:spcAft>
-              <a:buClrTx/>
-              <a:buSzTx/>
-              <a:buFontTx/>
-              <a:buNone/>
-              <a:tabLst/>
-            </a:pPr>
-            <a:r>
-              <a:rPr lang="en-US" altLang="en-US" dirty="0"/>
-              <a:t>Calculate the Total Population by State (</a:t>
-            </a:r>
-            <a:r>
-              <a:rPr lang="en-US" altLang="en-US" dirty="0">
-                <a:solidFill>
-                  <a:srgbClr val="00B0F0"/>
-                </a:solidFill>
-              </a:rPr>
-              <a:t>SUM</a:t>
-            </a:r>
-            <a:r>
-              <a:rPr lang="en-US" altLang="en-US" dirty="0"/>
-              <a:t>) </a:t>
-            </a:r>
-          </a:p>
-        </p:txBody>
-      </p:sp>
-      <p:sp>
-        <p:nvSpPr>
-          <p:cNvPr id="5" name="TextBox 4">
+              <a:buNone/>
+              <a:defRPr sz="2800" b="0" kern="1200" cap="all">
+                <a:solidFill>
+                  <a:schemeClr val="tx1">
+                    <a:lumMod val="75000"/>
+                    <a:lumOff val="25000"/>
+                  </a:schemeClr>
+                </a:solidFill>
+                <a:latin typeface="+mj-lt"/>
+                <a:ea typeface="+mj-ea"/>
+                <a:cs typeface="+mj-cs"/>
+              </a:defRPr>
+            </a:lvl1pPr>
+            <a:lvl2pPr eaLnBrk="1" hangingPunct="1">
+              <a:defRPr>
+                <a:solidFill>
+                  <a:schemeClr val="tx2"/>
+                </a:solidFill>
+              </a:defRPr>
+            </a:lvl2pPr>
+            <a:lvl3pPr eaLnBrk="1" hangingPunct="1">
+              <a:defRPr>
+                <a:solidFill>
+                  <a:schemeClr val="tx2"/>
+                </a:solidFill>
+              </a:defRPr>
+            </a:lvl3pPr>
+            <a:lvl4pPr eaLnBrk="1" hangingPunct="1">
+              <a:defRPr>
+                <a:solidFill>
+                  <a:schemeClr val="tx2"/>
+                </a:solidFill>
+              </a:defRPr>
+            </a:lvl4pPr>
+            <a:lvl5pPr eaLnBrk="1" hangingPunct="1">
+              <a:defRPr>
+                <a:solidFill>
+                  <a:schemeClr val="tx2"/>
+                </a:solidFill>
+              </a:defRPr>
+            </a:lvl5pPr>
+            <a:lvl6pPr eaLnBrk="1" hangingPunct="1">
+              <a:defRPr>
+                <a:solidFill>
+                  <a:schemeClr val="tx2"/>
+                </a:solidFill>
+              </a:defRPr>
+            </a:lvl6pPr>
+            <a:lvl7pPr eaLnBrk="1" hangingPunct="1">
+              <a:defRPr>
+                <a:solidFill>
+                  <a:schemeClr val="tx2"/>
+                </a:solidFill>
+              </a:defRPr>
+            </a:lvl7pPr>
+            <a:lvl8pPr eaLnBrk="1" hangingPunct="1">
+              <a:defRPr>
+                <a:solidFill>
+                  <a:schemeClr val="tx2"/>
+                </a:solidFill>
+              </a:defRPr>
+            </a:lvl8pPr>
+            <a:lvl9pPr eaLnBrk="1" hangingPunct="1">
+              <a:defRPr>
+                <a:solidFill>
+                  <a:schemeClr val="tx2"/>
+                </a:solidFill>
+              </a:defRPr>
+            </a:lvl9pPr>
+          </a:lstStyle>
+          <a:p>
+            <a:r>
+              <a:rPr lang="en-US" dirty="0"/>
+              <a:t>ORDER Data with </a:t>
+            </a:r>
+            <a:r>
+              <a:rPr lang="en-US" dirty="0">
+                <a:solidFill>
+                  <a:srgbClr val="00B0F0"/>
+                </a:solidFill>
+              </a:rPr>
+              <a:t>ORDER BY</a:t>
+            </a:r>
+          </a:p>
+        </p:txBody>
+      </p:sp>
+      <p:sp>
+        <p:nvSpPr>
+          <p:cNvPr id="6" name="TextBox 5">
             <a:extLst>
               <a:ext uri="{FF2B5EF4-FFF2-40B4-BE49-F238E27FC236}">
-                <a16:creationId xmlns:a16="http://schemas.microsoft.com/office/drawing/2014/main" id="{DB35BD7B-61A9-548B-1B2C-12B72448E76F}"/>
+                <a16:creationId xmlns:a16="http://schemas.microsoft.com/office/drawing/2014/main" id="{1DD65E91-364F-9FE3-6D0F-4C01BFF9F05F}"/>
               </a:ext>
             </a:extLst>
           </p:cNvPr>
@@ -13568,8 +13453,8 @@
         </p:nvSpPr>
         <p:spPr>
           <a:xfrm>
-            <a:off x="942975" y="1676400"/>
-            <a:ext cx="5638800" cy="461665"/>
+            <a:off x="819318" y="1596509"/>
+            <a:ext cx="6096000" cy="461665"/>
           </a:xfrm>
           <a:prstGeom prst="rect">
             <a:avLst/>
@@ -13577,14 +13462,14 @@
           <a:noFill/>
         </p:spPr>
         <p:txBody>
-          <a:bodyPr wrap="square" rtlCol="0">
+          <a:bodyPr wrap="square">
             <a:spAutoFit/>
           </a:bodyPr>
           <a:lstStyle/>
           <a:p>
             <a:r>
               <a:rPr lang="en-US" sz="2400" dirty="0"/>
-              <a:t>Find the total population for each state.</a:t>
+              <a:t>Display the top 10 most populated counties.</a:t>
             </a:r>
           </a:p>
         </p:txBody>
@@ -13592,7 +13477,7 @@
     </p:spTree>
     <p:extLst>
       <p:ext uri="{BB962C8B-B14F-4D97-AF65-F5344CB8AC3E}">
-        <p14:creationId xmlns:p14="http://schemas.microsoft.com/office/powerpoint/2010/main" val="3542310058"/>
+        <p14:creationId xmlns:p14="http://schemas.microsoft.com/office/powerpoint/2010/main" val="1966093997"/>
       </p:ext>
     </p:extLst>
   </p:cSld>
@@ -13621,10 +13506,10 @@
       </p:grpSpPr>
       <p:sp>
         <p:nvSpPr>
-          <p:cNvPr id="3" name="Content Placeholder 2">
+          <p:cNvPr id="2" name="Title 1">
             <a:extLst>
               <a:ext uri="{FF2B5EF4-FFF2-40B4-BE49-F238E27FC236}">
-                <a16:creationId xmlns:a16="http://schemas.microsoft.com/office/drawing/2014/main" id="{F14CD246-54A0-4524-96B8-FB4A92E0CE2D}"/>
+                <a16:creationId xmlns:a16="http://schemas.microsoft.com/office/drawing/2014/main" id="{0F440ECE-EF83-01D1-B0E6-59C753285413}"/>
               </a:ext>
             </a:extLst>
           </p:cNvPr>
@@ -13632,260 +13517,40 @@
             <a:spLocks noGrp="1"/>
           </p:cNvSpPr>
           <p:nvPr>
-            <p:ph idx="1"/>
+            <p:ph type="title"/>
           </p:nvPr>
         </p:nvSpPr>
         <p:spPr>
           <a:xfrm>
-            <a:off x="3857792" y="2340865"/>
-            <a:ext cx="5029033" cy="2021586"/>
+            <a:off x="581192" y="702156"/>
+            <a:ext cx="11029616" cy="526569"/>
           </a:xfrm>
         </p:spPr>
         <p:txBody>
           <a:bodyPr/>
           <a:lstStyle/>
           <a:p>
-            <a:pPr marL="0" indent="0">
-              <a:buNone/>
-            </a:pPr>
+            <a:r>
+              <a:rPr lang="en-US" dirty="0"/>
+              <a:t>Group data by </a:t>
+            </a:r>
             <a:r>
               <a:rPr lang="en-US" dirty="0">
                 <a:solidFill>
                   <a:srgbClr val="00B0F0"/>
                 </a:solidFill>
               </a:rPr>
-              <a:t>SELECT </a:t>
-            </a:r>
-            <a:r>
-              <a:rPr lang="en-US" dirty="0" err="1">
-                <a:solidFill>
-                  <a:srgbClr val="00B0F0"/>
-                </a:solidFill>
-              </a:rPr>
-              <a:t>stusab</a:t>
-            </a:r>
-            <a:r>
-              <a:rPr lang="en-US" dirty="0">
-                <a:solidFill>
-                  <a:srgbClr val="00B0F0"/>
-                </a:solidFill>
-              </a:rPr>
-              <a:t>, AVG(</a:t>
-            </a:r>
-            <a:r>
-              <a:rPr lang="en-US" dirty="0" err="1">
-                <a:solidFill>
-                  <a:srgbClr val="00B0F0"/>
-                </a:solidFill>
-              </a:rPr>
-              <a:t>total_pop</a:t>
-            </a:r>
-            <a:r>
-              <a:rPr lang="en-US" dirty="0">
-                <a:solidFill>
-                  <a:srgbClr val="00B0F0"/>
-                </a:solidFill>
-              </a:rPr>
-              <a:t>) AS </a:t>
-            </a:r>
-            <a:r>
-              <a:rPr lang="en-US" dirty="0" err="1">
-                <a:solidFill>
-                  <a:srgbClr val="00B0F0"/>
-                </a:solidFill>
-              </a:rPr>
-              <a:t>avg_population</a:t>
-            </a:r>
-            <a:r>
-              <a:rPr lang="en-US" dirty="0">
-                <a:solidFill>
-                  <a:srgbClr val="00B0F0"/>
-                </a:solidFill>
-              </a:rPr>
-              <a:t> </a:t>
-            </a:r>
-          </a:p>
-          <a:p>
-            <a:pPr marL="0" indent="0">
-              <a:buNone/>
-            </a:pPr>
-            <a:r>
-              <a:rPr lang="en-US" dirty="0">
-                <a:solidFill>
-                  <a:srgbClr val="00B0F0"/>
-                </a:solidFill>
-              </a:rPr>
-              <a:t>FROM ch04.us_attribute </a:t>
-            </a:r>
-          </a:p>
-          <a:p>
-            <a:pPr marL="0" indent="0">
-              <a:buNone/>
-            </a:pPr>
-            <a:r>
-              <a:rPr lang="en-US" dirty="0">
-                <a:solidFill>
-                  <a:srgbClr val="00B0F0"/>
-                </a:solidFill>
-              </a:rPr>
-              <a:t>GROUP BY </a:t>
-            </a:r>
-            <a:r>
-              <a:rPr lang="en-US" dirty="0" err="1">
-                <a:solidFill>
-                  <a:srgbClr val="00B0F0"/>
-                </a:solidFill>
-              </a:rPr>
-              <a:t>stusab</a:t>
-            </a:r>
-            <a:r>
-              <a:rPr lang="en-US" dirty="0">
-                <a:solidFill>
-                  <a:srgbClr val="00B0F0"/>
-                </a:solidFill>
-              </a:rPr>
-              <a:t> </a:t>
-            </a:r>
-          </a:p>
-          <a:p>
-            <a:pPr marL="0" indent="0">
-              <a:buNone/>
-            </a:pPr>
-            <a:r>
-              <a:rPr lang="en-US" dirty="0">
-                <a:solidFill>
-                  <a:srgbClr val="00B0F0"/>
-                </a:solidFill>
-              </a:rPr>
-              <a:t>ORDER BY </a:t>
-            </a:r>
-            <a:r>
-              <a:rPr lang="en-US" dirty="0" err="1">
-                <a:solidFill>
-                  <a:srgbClr val="00B0F0"/>
-                </a:solidFill>
-              </a:rPr>
-              <a:t>avg_population</a:t>
-            </a:r>
-            <a:r>
-              <a:rPr lang="en-US" dirty="0">
-                <a:solidFill>
-                  <a:srgbClr val="00B0F0"/>
-                </a:solidFill>
-              </a:rPr>
-              <a:t> DESC;</a:t>
-            </a:r>
-          </a:p>
-        </p:txBody>
-      </p:sp>
-      <p:sp>
-        <p:nvSpPr>
-          <p:cNvPr id="4" name="Rectangle 1">
+              <a:t>group by</a:t>
+            </a:r>
+          </a:p>
+        </p:txBody>
+      </p:sp>
+      <p:sp>
+        <p:nvSpPr>
+          <p:cNvPr id="4" name="TextBox 3">
             <a:extLst>
               <a:ext uri="{FF2B5EF4-FFF2-40B4-BE49-F238E27FC236}">
-                <a16:creationId xmlns:a16="http://schemas.microsoft.com/office/drawing/2014/main" id="{43C5C95E-714C-9C62-EC89-FD33BEE41419}"/>
-              </a:ext>
-            </a:extLst>
-          </p:cNvPr>
-          <p:cNvSpPr>
-            <a:spLocks noGrp="1" noChangeArrowheads="1"/>
-          </p:cNvSpPr>
-          <p:nvPr>
-            <p:ph type="title"/>
-          </p:nvPr>
-        </p:nvSpPr>
-        <p:spPr bwMode="auto">
-          <a:xfrm>
-            <a:off x="581192" y="749156"/>
-            <a:ext cx="8045023" cy="523220"/>
-          </a:xfrm>
-          <a:prstGeom prst="rect">
-            <a:avLst/>
-          </a:prstGeom>
-          <a:noFill/>
-          <a:ln>
-            <a:noFill/>
-          </a:ln>
-          <a:effectLst/>
-          <a:extLst>
-            <a:ext uri="{909E8E84-426E-40DD-AFC4-6F175D3DCCD1}">
-              <a14:hiddenFill xmlns:a14="http://schemas.microsoft.com/office/drawing/2010/main">
-                <a:solidFill>
-                  <a:schemeClr val="accent1"/>
-                </a:solidFill>
-              </a14:hiddenFill>
-            </a:ext>
-            <a:ext uri="{91240B29-F687-4F45-9708-019B960494DF}">
-              <a14:hiddenLine xmlns:a14="http://schemas.microsoft.com/office/drawing/2010/main" w="9525">
-                <a:solidFill>
-                  <a:schemeClr val="tx1"/>
-                </a:solidFill>
-                <a:miter lim="800000"/>
-                <a:headEnd/>
-                <a:tailEnd/>
-              </a14:hiddenLine>
-            </a:ext>
-            <a:ext uri="{AF507438-7753-43E0-B8FC-AC1667EBCBE1}">
-              <a14:hiddenEffects xmlns:a14="http://schemas.microsoft.com/office/drawing/2010/main">
-                <a:effectLst>
-                  <a:outerShdw dist="35921" dir="2700000" algn="ctr" rotWithShape="0">
-                    <a:schemeClr val="bg2"/>
-                  </a:outerShdw>
-                </a:effectLst>
-              </a14:hiddenEffects>
-            </a:ext>
-          </a:extLst>
-        </p:spPr>
-        <p:txBody>
-          <a:bodyPr vert="horz" wrap="none" lIns="91440" tIns="45720" rIns="91440" bIns="45720" numCol="1" anchor="ctr" anchorCtr="0" compatLnSpc="1">
-            <a:prstTxWarp prst="textNoShape">
-              <a:avLst/>
-            </a:prstTxWarp>
-            <a:spAutoFit/>
-          </a:bodyPr>
-          <a:lstStyle/>
-          <a:p>
-            <a:pPr marL="0" marR="0" lvl="0" indent="0" algn="l" defTabSz="914400" rtl="0" eaLnBrk="0" fontAlgn="base" latinLnBrk="0" hangingPunct="0">
-              <a:lnSpc>
-                <a:spcPct val="100000"/>
-              </a:lnSpc>
-              <a:spcBef>
-                <a:spcPct val="0"/>
-              </a:spcBef>
-              <a:spcAft>
-                <a:spcPct val="0"/>
-              </a:spcAft>
-              <a:buClrTx/>
-              <a:buSzTx/>
-              <a:buFontTx/>
-              <a:buNone/>
-              <a:tabLst/>
-            </a:pPr>
-            <a:r>
-              <a:rPr lang="en-US" altLang="en-US" dirty="0"/>
-              <a:t>Find the Average Population of Counties (</a:t>
-            </a:r>
-            <a:r>
-              <a:rPr lang="en-US" altLang="en-US" dirty="0">
-                <a:solidFill>
-                  <a:srgbClr val="00B0F0"/>
-                </a:solidFill>
-              </a:rPr>
-              <a:t>AVG</a:t>
-            </a:r>
-            <a:r>
-              <a:rPr lang="en-US" altLang="en-US" dirty="0"/>
-              <a:t>) </a:t>
-            </a:r>
-          </a:p>
-        </p:txBody>
-      </p:sp>
-      <p:sp>
-        <p:nvSpPr>
-          <p:cNvPr id="5" name="TextBox 4">
-            <a:extLst>
-              <a:ext uri="{FF2B5EF4-FFF2-40B4-BE49-F238E27FC236}">
-                <a16:creationId xmlns:a16="http://schemas.microsoft.com/office/drawing/2014/main" id="{7A1DA462-320B-23AF-667F-9EFDF0C6A37B}"/>
+                <a16:creationId xmlns:a16="http://schemas.microsoft.com/office/drawing/2014/main" id="{7F550DA5-EEC3-B444-10C2-58B7C7E5181A}"/>
               </a:ext>
             </a:extLst>
           </p:cNvPr>
@@ -13894,8 +13559,8 @@
         </p:nvSpPr>
         <p:spPr>
           <a:xfrm>
-            <a:off x="857250" y="1504807"/>
-            <a:ext cx="8115300" cy="461665"/>
+            <a:off x="923925" y="1573767"/>
+            <a:ext cx="10686883" cy="1569660"/>
           </a:xfrm>
           <a:prstGeom prst="rect">
             <a:avLst/>
@@ -13910,7 +13575,452 @@
           <a:p>
             <a:r>
               <a:rPr lang="en-US" sz="2400" dirty="0"/>
-              <a:t>Calculate the average population of all counties in each state.</a:t>
+              <a:t>The GROUP BY clause is used to create one output row per each group and produces summary values for the selected columns.</a:t>
+            </a:r>
+          </a:p>
+          <a:p>
+            <a:endParaRPr lang="en-US" sz="2400" dirty="0"/>
+          </a:p>
+          <a:p>
+            <a:r>
+              <a:rPr lang="en-US" sz="2400" dirty="0"/>
+              <a:t>Find the number of counties in each state.</a:t>
+            </a:r>
+          </a:p>
+        </p:txBody>
+      </p:sp>
+      <p:sp>
+        <p:nvSpPr>
+          <p:cNvPr id="8" name="Content Placeholder 2">
+            <a:extLst>
+              <a:ext uri="{FF2B5EF4-FFF2-40B4-BE49-F238E27FC236}">
+                <a16:creationId xmlns:a16="http://schemas.microsoft.com/office/drawing/2014/main" id="{124B13B1-DD8B-8E51-0CFB-3E47F0DB69A9}"/>
+              </a:ext>
+            </a:extLst>
+          </p:cNvPr>
+          <p:cNvSpPr txBox="1">
+            <a:spLocks noGrp="1"/>
+          </p:cNvSpPr>
+          <p:nvPr>
+            <p:ph idx="1"/>
+          </p:nvPr>
+        </p:nvSpPr>
+        <p:spPr>
+          <a:xfrm>
+            <a:off x="923925" y="3305352"/>
+            <a:ext cx="11029950" cy="3270073"/>
+          </a:xfrm>
+          <a:prstGeom prst="rect">
+            <a:avLst/>
+          </a:prstGeom>
+        </p:spPr>
+        <p:txBody>
+          <a:bodyPr vert="horz" lIns="91440" tIns="45720" rIns="91440" bIns="45720" rtlCol="0" anchor="ctr">
+            <a:normAutofit/>
+          </a:bodyPr>
+          <a:lstStyle>
+            <a:lvl1pPr marL="306000" indent="-306000" algn="l" defTabSz="457200" rtl="0" eaLnBrk="1" latinLnBrk="0" hangingPunct="1">
+              <a:lnSpc>
+                <a:spcPct val="100000"/>
+              </a:lnSpc>
+              <a:spcBef>
+                <a:spcPct val="20000"/>
+              </a:spcBef>
+              <a:spcAft>
+                <a:spcPts val="600"/>
+              </a:spcAft>
+              <a:buClr>
+                <a:schemeClr val="accent1"/>
+              </a:buClr>
+              <a:buSzPct val="92000"/>
+              <a:buFont typeface="Wingdings 2" panose="05020102010507070707" pitchFamily="18" charset="2"/>
+              <a:buChar char=""/>
+              <a:defRPr sz="1800" kern="1200">
+                <a:solidFill>
+                  <a:schemeClr val="tx1">
+                    <a:lumMod val="75000"/>
+                    <a:lumOff val="25000"/>
+                  </a:schemeClr>
+                </a:solidFill>
+                <a:latin typeface="+mn-lt"/>
+                <a:ea typeface="+mn-ea"/>
+                <a:cs typeface="+mn-cs"/>
+              </a:defRPr>
+            </a:lvl1pPr>
+            <a:lvl2pPr marL="630000" indent="-306000" algn="l" defTabSz="457200" rtl="0" eaLnBrk="1" latinLnBrk="0" hangingPunct="1">
+              <a:lnSpc>
+                <a:spcPct val="100000"/>
+              </a:lnSpc>
+              <a:spcBef>
+                <a:spcPct val="20000"/>
+              </a:spcBef>
+              <a:spcAft>
+                <a:spcPts val="600"/>
+              </a:spcAft>
+              <a:buClr>
+                <a:schemeClr val="accent1"/>
+              </a:buClr>
+              <a:buSzPct val="92000"/>
+              <a:buFont typeface="Wingdings 2" panose="05020102010507070707" pitchFamily="18" charset="2"/>
+              <a:buChar char=""/>
+              <a:defRPr sz="1600" kern="1200">
+                <a:solidFill>
+                  <a:schemeClr val="tx1">
+                    <a:lumMod val="75000"/>
+                    <a:lumOff val="25000"/>
+                  </a:schemeClr>
+                </a:solidFill>
+                <a:latin typeface="+mn-lt"/>
+                <a:ea typeface="+mn-ea"/>
+                <a:cs typeface="+mn-cs"/>
+              </a:defRPr>
+            </a:lvl2pPr>
+            <a:lvl3pPr marL="900000" indent="-270000" algn="l" defTabSz="457200" rtl="0" eaLnBrk="1" latinLnBrk="0" hangingPunct="1">
+              <a:lnSpc>
+                <a:spcPct val="100000"/>
+              </a:lnSpc>
+              <a:spcBef>
+                <a:spcPct val="20000"/>
+              </a:spcBef>
+              <a:spcAft>
+                <a:spcPts val="600"/>
+              </a:spcAft>
+              <a:buClr>
+                <a:schemeClr val="accent1"/>
+              </a:buClr>
+              <a:buSzPct val="92000"/>
+              <a:buFont typeface="Wingdings 2" panose="05020102010507070707" pitchFamily="18" charset="2"/>
+              <a:buChar char=""/>
+              <a:defRPr sz="1400" kern="1200">
+                <a:solidFill>
+                  <a:schemeClr val="tx1">
+                    <a:lumMod val="75000"/>
+                    <a:lumOff val="25000"/>
+                  </a:schemeClr>
+                </a:solidFill>
+                <a:latin typeface="+mn-lt"/>
+                <a:ea typeface="+mn-ea"/>
+                <a:cs typeface="+mn-cs"/>
+              </a:defRPr>
+            </a:lvl3pPr>
+            <a:lvl4pPr marL="1242000" indent="-234000" algn="l" defTabSz="457200" rtl="0" eaLnBrk="1" latinLnBrk="0" hangingPunct="1">
+              <a:lnSpc>
+                <a:spcPct val="100000"/>
+              </a:lnSpc>
+              <a:spcBef>
+                <a:spcPct val="20000"/>
+              </a:spcBef>
+              <a:spcAft>
+                <a:spcPts val="600"/>
+              </a:spcAft>
+              <a:buClr>
+                <a:schemeClr val="accent1"/>
+              </a:buClr>
+              <a:buSzPct val="92000"/>
+              <a:buFont typeface="Wingdings 2" panose="05020102010507070707" pitchFamily="18" charset="2"/>
+              <a:buChar char=""/>
+              <a:defRPr sz="1200" kern="1200">
+                <a:solidFill>
+                  <a:schemeClr val="tx1">
+                    <a:lumMod val="75000"/>
+                    <a:lumOff val="25000"/>
+                  </a:schemeClr>
+                </a:solidFill>
+                <a:latin typeface="+mn-lt"/>
+                <a:ea typeface="+mn-ea"/>
+                <a:cs typeface="+mn-cs"/>
+              </a:defRPr>
+            </a:lvl4pPr>
+            <a:lvl5pPr marL="1602000" indent="-234000" algn="l" defTabSz="457200" rtl="0" eaLnBrk="1" latinLnBrk="0" hangingPunct="1">
+              <a:lnSpc>
+                <a:spcPct val="100000"/>
+              </a:lnSpc>
+              <a:spcBef>
+                <a:spcPct val="20000"/>
+              </a:spcBef>
+              <a:spcAft>
+                <a:spcPts val="600"/>
+              </a:spcAft>
+              <a:buClr>
+                <a:schemeClr val="accent1"/>
+              </a:buClr>
+              <a:buSzPct val="92000"/>
+              <a:buFont typeface="Wingdings 2" panose="05020102010507070707" pitchFamily="18" charset="2"/>
+              <a:buChar char=""/>
+              <a:defRPr sz="1200" kern="1200">
+                <a:solidFill>
+                  <a:schemeClr val="tx1">
+                    <a:lumMod val="75000"/>
+                    <a:lumOff val="25000"/>
+                  </a:schemeClr>
+                </a:solidFill>
+                <a:latin typeface="+mn-lt"/>
+                <a:ea typeface="+mn-ea"/>
+                <a:cs typeface="+mn-cs"/>
+              </a:defRPr>
+            </a:lvl5pPr>
+            <a:lvl6pPr marL="1900000" indent="-228600" algn="l" defTabSz="457200" rtl="0" eaLnBrk="1" latinLnBrk="0" hangingPunct="1">
+              <a:spcBef>
+                <a:spcPct val="20000"/>
+              </a:spcBef>
+              <a:spcAft>
+                <a:spcPts val="600"/>
+              </a:spcAft>
+              <a:buClr>
+                <a:schemeClr val="accent2"/>
+              </a:buClr>
+              <a:buSzPct val="92000"/>
+              <a:buFont typeface="Wingdings 2" panose="05020102010507070707" pitchFamily="18" charset="2"/>
+              <a:buChar char=""/>
+              <a:defRPr sz="1200" kern="1200">
+                <a:solidFill>
+                  <a:schemeClr val="tx2"/>
+                </a:solidFill>
+                <a:latin typeface="+mn-lt"/>
+                <a:ea typeface="+mn-ea"/>
+                <a:cs typeface="+mn-cs"/>
+              </a:defRPr>
+            </a:lvl6pPr>
+            <a:lvl7pPr marL="2200000" indent="-228600" algn="l" defTabSz="457200" rtl="0" eaLnBrk="1" latinLnBrk="0" hangingPunct="1">
+              <a:spcBef>
+                <a:spcPct val="20000"/>
+              </a:spcBef>
+              <a:spcAft>
+                <a:spcPts val="600"/>
+              </a:spcAft>
+              <a:buClr>
+                <a:schemeClr val="accent2"/>
+              </a:buClr>
+              <a:buSzPct val="92000"/>
+              <a:buFont typeface="Wingdings 2" panose="05020102010507070707" pitchFamily="18" charset="2"/>
+              <a:buChar char=""/>
+              <a:defRPr sz="1200" kern="1200">
+                <a:solidFill>
+                  <a:schemeClr val="tx2"/>
+                </a:solidFill>
+                <a:latin typeface="+mn-lt"/>
+                <a:ea typeface="+mn-ea"/>
+                <a:cs typeface="+mn-cs"/>
+              </a:defRPr>
+            </a:lvl7pPr>
+            <a:lvl8pPr marL="2500000" indent="-228600" algn="l" defTabSz="457200" rtl="0" eaLnBrk="1" latinLnBrk="0" hangingPunct="1">
+              <a:spcBef>
+                <a:spcPct val="20000"/>
+              </a:spcBef>
+              <a:spcAft>
+                <a:spcPts val="600"/>
+              </a:spcAft>
+              <a:buClr>
+                <a:schemeClr val="accent2"/>
+              </a:buClr>
+              <a:buSzPct val="92000"/>
+              <a:buFont typeface="Wingdings 2" panose="05020102010507070707" pitchFamily="18" charset="2"/>
+              <a:buChar char=""/>
+              <a:defRPr sz="1200" kern="1200">
+                <a:solidFill>
+                  <a:schemeClr val="tx2"/>
+                </a:solidFill>
+                <a:latin typeface="+mn-lt"/>
+                <a:ea typeface="+mn-ea"/>
+                <a:cs typeface="+mn-cs"/>
+              </a:defRPr>
+            </a:lvl8pPr>
+            <a:lvl9pPr marL="2800000" indent="-228600" algn="l" defTabSz="457200" rtl="0" eaLnBrk="1" latinLnBrk="0" hangingPunct="1">
+              <a:spcBef>
+                <a:spcPct val="20000"/>
+              </a:spcBef>
+              <a:spcAft>
+                <a:spcPts val="600"/>
+              </a:spcAft>
+              <a:buClr>
+                <a:schemeClr val="accent2"/>
+              </a:buClr>
+              <a:buSzPct val="92000"/>
+              <a:buFont typeface="Wingdings 2" panose="05020102010507070707" pitchFamily="18" charset="2"/>
+              <a:buChar char=""/>
+              <a:defRPr sz="1200" kern="1200">
+                <a:solidFill>
+                  <a:schemeClr val="tx2"/>
+                </a:solidFill>
+                <a:latin typeface="+mn-lt"/>
+                <a:ea typeface="+mn-ea"/>
+                <a:cs typeface="+mn-cs"/>
+              </a:defRPr>
+            </a:lvl9pPr>
+          </a:lstStyle>
+          <a:p>
+            <a:pPr marL="0" indent="0">
+              <a:buFont typeface="Wingdings 2" panose="05020102010507070707" pitchFamily="18" charset="2"/>
+              <a:buNone/>
+            </a:pPr>
+            <a:r>
+              <a:rPr lang="en-US" dirty="0">
+                <a:solidFill>
+                  <a:srgbClr val="00B0F0"/>
+                </a:solidFill>
+              </a:rPr>
+              <a:t>SELECT </a:t>
+            </a:r>
+            <a:r>
+              <a:rPr lang="en-US" dirty="0" err="1">
+                <a:solidFill>
+                  <a:srgbClr val="00B0F0"/>
+                </a:solidFill>
+              </a:rPr>
+              <a:t>stusab</a:t>
+            </a:r>
+            <a:r>
+              <a:rPr lang="en-US" dirty="0">
+                <a:solidFill>
+                  <a:srgbClr val="00B0F0"/>
+                </a:solidFill>
+              </a:rPr>
+              <a:t>, COUNT(COUNTY) AS </a:t>
+            </a:r>
+            <a:r>
+              <a:rPr lang="en-US" dirty="0" err="1">
+                <a:solidFill>
+                  <a:srgbClr val="00B0F0"/>
+                </a:solidFill>
+              </a:rPr>
+              <a:t>county_count</a:t>
+            </a:r>
+            <a:r>
+              <a:rPr lang="en-US" dirty="0">
+                <a:solidFill>
+                  <a:srgbClr val="00B0F0"/>
+                </a:solidFill>
+              </a:rPr>
+              <a:t> </a:t>
+            </a:r>
+          </a:p>
+          <a:p>
+            <a:pPr marL="0" indent="0">
+              <a:buFont typeface="Wingdings 2" panose="05020102010507070707" pitchFamily="18" charset="2"/>
+              <a:buNone/>
+            </a:pPr>
+            <a:r>
+              <a:rPr lang="en-US" dirty="0">
+                <a:solidFill>
+                  <a:srgbClr val="00B0F0"/>
+                </a:solidFill>
+              </a:rPr>
+              <a:t>FROM ch04.us_attribute </a:t>
+            </a:r>
+          </a:p>
+          <a:p>
+            <a:pPr marL="0" indent="0">
+              <a:buFont typeface="Wingdings 2" panose="05020102010507070707" pitchFamily="18" charset="2"/>
+              <a:buNone/>
+            </a:pPr>
+            <a:r>
+              <a:rPr lang="en-US" dirty="0">
+                <a:solidFill>
+                  <a:srgbClr val="00B0F0"/>
+                </a:solidFill>
+              </a:rPr>
+              <a:t>GROUP BY </a:t>
+            </a:r>
+            <a:r>
+              <a:rPr lang="en-US" dirty="0" err="1">
+                <a:solidFill>
+                  <a:srgbClr val="00B0F0"/>
+                </a:solidFill>
+              </a:rPr>
+              <a:t>stusab</a:t>
+            </a:r>
+            <a:r>
+              <a:rPr lang="en-US" dirty="0">
+                <a:solidFill>
+                  <a:srgbClr val="00B0F0"/>
+                </a:solidFill>
+              </a:rPr>
+              <a:t> </a:t>
+            </a:r>
+          </a:p>
+          <a:p>
+            <a:pPr marL="0" indent="0">
+              <a:buFont typeface="Wingdings 2" panose="05020102010507070707" pitchFamily="18" charset="2"/>
+              <a:buNone/>
+            </a:pPr>
+            <a:r>
+              <a:rPr lang="en-US" dirty="0">
+                <a:solidFill>
+                  <a:srgbClr val="00B0F0"/>
+                </a:solidFill>
+              </a:rPr>
+              <a:t>ORDER BY </a:t>
+            </a:r>
+            <a:r>
+              <a:rPr lang="en-US" dirty="0" err="1">
+                <a:solidFill>
+                  <a:srgbClr val="00B0F0"/>
+                </a:solidFill>
+              </a:rPr>
+              <a:t>county_count</a:t>
+            </a:r>
+            <a:r>
+              <a:rPr lang="en-US" dirty="0">
+                <a:solidFill>
+                  <a:srgbClr val="00B0F0"/>
+                </a:solidFill>
+              </a:rPr>
+              <a:t> DESC;</a:t>
+            </a:r>
+          </a:p>
+          <a:p>
+            <a:pPr marL="0" indent="0">
+              <a:buFont typeface="Wingdings 2" panose="05020102010507070707" pitchFamily="18" charset="2"/>
+              <a:buNone/>
+            </a:pPr>
+            <a:endParaRPr lang="en-US" dirty="0">
+              <a:solidFill>
+                <a:srgbClr val="00B0F0"/>
+              </a:solidFill>
+            </a:endParaRPr>
+          </a:p>
+          <a:p>
+            <a:pPr marL="0" indent="0">
+              <a:buFont typeface="Wingdings 2" panose="05020102010507070707" pitchFamily="18" charset="2"/>
+              <a:buNone/>
+            </a:pPr>
+            <a:r>
+              <a:rPr lang="en-US" b="1" dirty="0">
+                <a:solidFill>
+                  <a:schemeClr val="tx1"/>
+                </a:solidFill>
+              </a:rPr>
+              <a:t>Exercise: </a:t>
+            </a:r>
+          </a:p>
+          <a:p>
+            <a:pPr marL="0" indent="0">
+              <a:buFont typeface="Wingdings 2" panose="05020102010507070707" pitchFamily="18" charset="2"/>
+              <a:buNone/>
+            </a:pPr>
+            <a:r>
+              <a:rPr lang="en-US" dirty="0">
+                <a:solidFill>
+                  <a:schemeClr val="tx1"/>
+                </a:solidFill>
+              </a:rPr>
+              <a:t>Retrieve the top 10 states (</a:t>
+            </a:r>
+            <a:r>
+              <a:rPr lang="en-US" dirty="0" err="1">
+                <a:solidFill>
+                  <a:schemeClr val="tx1"/>
+                </a:solidFill>
+              </a:rPr>
+              <a:t>stusab</a:t>
+            </a:r>
+            <a:r>
+              <a:rPr lang="en-US" dirty="0">
+                <a:solidFill>
+                  <a:schemeClr val="tx1"/>
+                </a:solidFill>
+              </a:rPr>
+              <a:t>) with the highest number of census tracts</a:t>
             </a:r>
           </a:p>
         </p:txBody>
@@ -13918,7 +14028,7 @@
     </p:spTree>
     <p:extLst>
       <p:ext uri="{BB962C8B-B14F-4D97-AF65-F5344CB8AC3E}">
-        <p14:creationId xmlns:p14="http://schemas.microsoft.com/office/powerpoint/2010/main" val="1265915930"/>
+        <p14:creationId xmlns:p14="http://schemas.microsoft.com/office/powerpoint/2010/main" val="657789427"/>
       </p:ext>
     </p:extLst>
   </p:cSld>
@@ -13931,9 +14041,23 @@
 <file path=ppt/slides/slide33.xml><?xml version="1.0" encoding="utf-8"?>
 <p:sld xmlns:a="http://schemas.openxmlformats.org/drawingml/2006/main" xmlns:r="http://schemas.openxmlformats.org/officeDocument/2006/relationships" xmlns:p="http://schemas.openxmlformats.org/presentationml/2006/main">
   <p:cSld>
+    <p:bg>
+      <p:bgPr>
+        <a:solidFill>
+          <a:schemeClr val="bg1"/>
+        </a:solidFill>
+        <a:effectLst/>
+      </p:bgPr>
+    </p:bg>
     <p:spTree>
       <p:nvGrpSpPr>
-        <p:cNvPr id="1" name=""/>
+        <p:cNvPr id="1" name="">
+          <a:extLst>
+            <a:ext uri="{FF2B5EF4-FFF2-40B4-BE49-F238E27FC236}">
+              <a16:creationId xmlns:a16="http://schemas.microsoft.com/office/drawing/2014/main" id="{33779F1C-2AF8-190C-CDD7-EB000E3F2689}"/>
+            </a:ext>
+          </a:extLst>
+        </p:cNvPr>
         <p:cNvGrpSpPr/>
         <p:nvPr/>
       </p:nvGrpSpPr>
@@ -13947,10 +14071,645 @@
       </p:grpSpPr>
       <p:sp>
         <p:nvSpPr>
+          <p:cNvPr id="36" name="Rectangle 35">
+            <a:extLst>
+              <a:ext uri="{FF2B5EF4-FFF2-40B4-BE49-F238E27FC236}">
+                <a16:creationId xmlns:a16="http://schemas.microsoft.com/office/drawing/2014/main" id="{1EB2D883-CC49-873D-17D3-E3DDF2B4D48F}"/>
+              </a:ext>
+              <a:ext uri="{C183D7F6-B498-43B3-948B-1728B52AA6E4}">
+                <adec:decorative xmlns:adec="http://schemas.microsoft.com/office/drawing/2017/decorative" val="1"/>
+              </a:ext>
+            </a:extLst>
+          </p:cNvPr>
+          <p:cNvSpPr>
+            <a:spLocks noGrp="1" noRot="1" noChangeAspect="1" noMove="1" noResize="1" noEditPoints="1" noAdjustHandles="1" noChangeArrowheads="1" noChangeShapeType="1" noTextEdit="1"/>
+          </p:cNvSpPr>
+          <p:nvPr>
+            <p:extLst>
+              <p:ext uri="{386F3935-93C4-4BCD-93E2-E3B085C9AB24}">
+                <p16:designElem xmlns:p16="http://schemas.microsoft.com/office/powerpoint/2015/main" val="1"/>
+              </p:ext>
+            </p:extLst>
+          </p:nvPr>
+        </p:nvSpPr>
+        <p:spPr>
+          <a:xfrm>
+            <a:off x="446534" y="457200"/>
+            <a:ext cx="3703320" cy="94997"/>
+          </a:xfrm>
+          <a:prstGeom prst="rect">
+            <a:avLst/>
+          </a:prstGeom>
+          <a:solidFill>
+            <a:srgbClr val="465359"/>
+          </a:solidFill>
+          <a:ln>
+            <a:noFill/>
+          </a:ln>
+          <a:effectLst/>
+        </p:spPr>
+        <p:style>
+          <a:lnRef idx="1">
+            <a:schemeClr val="accent1"/>
+          </a:lnRef>
+          <a:fillRef idx="3">
+            <a:schemeClr val="accent1"/>
+          </a:fillRef>
+          <a:effectRef idx="2">
+            <a:schemeClr val="accent1"/>
+          </a:effectRef>
+          <a:fontRef idx="minor">
+            <a:schemeClr val="lt1"/>
+          </a:fontRef>
+        </p:style>
+        <p:txBody>
+          <a:bodyPr/>
+          <a:lstStyle/>
+          <a:p>
+            <a:pPr marL="0" marR="0" lvl="0" indent="0" algn="l" defTabSz="457200" rtl="0" eaLnBrk="1" fontAlgn="auto" latinLnBrk="0" hangingPunct="1">
+              <a:lnSpc>
+                <a:spcPct val="100000"/>
+              </a:lnSpc>
+              <a:spcBef>
+                <a:spcPts val="0"/>
+              </a:spcBef>
+              <a:spcAft>
+                <a:spcPts val="0"/>
+              </a:spcAft>
+              <a:buClrTx/>
+              <a:buSzTx/>
+              <a:buFontTx/>
+              <a:buNone/>
+              <a:tabLst/>
+              <a:defRPr/>
+            </a:pPr>
+            <a:endParaRPr kumimoji="0" lang="en-US" sz="1800" b="0" i="0" u="none" strike="noStrike" kern="1200" cap="none" spc="0" normalizeH="0" baseline="0" noProof="0">
+              <a:ln>
+                <a:noFill/>
+              </a:ln>
+              <a:solidFill>
+                <a:srgbClr val="FFFFFF"/>
+              </a:solidFill>
+              <a:effectLst/>
+              <a:uLnTx/>
+              <a:uFillTx/>
+              <a:latin typeface="Calibri"/>
+              <a:ea typeface="+mn-ea"/>
+              <a:cs typeface="+mn-cs"/>
+            </a:endParaRPr>
+          </a:p>
+        </p:txBody>
+      </p:sp>
+      <p:sp>
+        <p:nvSpPr>
+          <p:cNvPr id="38" name="Rectangle 37">
+            <a:extLst>
+              <a:ext uri="{FF2B5EF4-FFF2-40B4-BE49-F238E27FC236}">
+                <a16:creationId xmlns:a16="http://schemas.microsoft.com/office/drawing/2014/main" id="{C72A7C83-8007-A15F-D258-CA4D0B079722}"/>
+              </a:ext>
+              <a:ext uri="{C183D7F6-B498-43B3-948B-1728B52AA6E4}">
+                <adec:decorative xmlns:adec="http://schemas.microsoft.com/office/drawing/2017/decorative" val="1"/>
+              </a:ext>
+            </a:extLst>
+          </p:cNvPr>
+          <p:cNvSpPr>
+            <a:spLocks noGrp="1" noRot="1" noChangeAspect="1" noMove="1" noResize="1" noEditPoints="1" noAdjustHandles="1" noChangeArrowheads="1" noChangeShapeType="1" noTextEdit="1"/>
+          </p:cNvSpPr>
+          <p:nvPr>
+            <p:extLst>
+              <p:ext uri="{386F3935-93C4-4BCD-93E2-E3B085C9AB24}">
+                <p16:designElem xmlns:p16="http://schemas.microsoft.com/office/powerpoint/2015/main" val="1"/>
+              </p:ext>
+            </p:extLst>
+          </p:nvPr>
+        </p:nvSpPr>
+        <p:spPr>
+          <a:xfrm>
+            <a:off x="8042147" y="453643"/>
+            <a:ext cx="3703320" cy="98554"/>
+          </a:xfrm>
+          <a:prstGeom prst="rect">
+            <a:avLst/>
+          </a:prstGeom>
+          <a:solidFill>
+            <a:srgbClr val="969FA7"/>
+          </a:solidFill>
+          <a:ln>
+            <a:noFill/>
+          </a:ln>
+          <a:effectLst/>
+        </p:spPr>
+        <p:style>
+          <a:lnRef idx="1">
+            <a:schemeClr val="accent1"/>
+          </a:lnRef>
+          <a:fillRef idx="3">
+            <a:schemeClr val="accent1"/>
+          </a:fillRef>
+          <a:effectRef idx="2">
+            <a:schemeClr val="accent1"/>
+          </a:effectRef>
+          <a:fontRef idx="minor">
+            <a:schemeClr val="lt1"/>
+          </a:fontRef>
+        </p:style>
+        <p:txBody>
+          <a:bodyPr/>
+          <a:lstStyle/>
+          <a:p>
+            <a:pPr marL="0" marR="0" lvl="0" indent="0" algn="l" defTabSz="457200" rtl="0" eaLnBrk="1" fontAlgn="auto" latinLnBrk="0" hangingPunct="1">
+              <a:lnSpc>
+                <a:spcPct val="100000"/>
+              </a:lnSpc>
+              <a:spcBef>
+                <a:spcPts val="0"/>
+              </a:spcBef>
+              <a:spcAft>
+                <a:spcPts val="0"/>
+              </a:spcAft>
+              <a:buClrTx/>
+              <a:buSzTx/>
+              <a:buFontTx/>
+              <a:buNone/>
+              <a:tabLst/>
+              <a:defRPr/>
+            </a:pPr>
+            <a:endParaRPr kumimoji="0" lang="en-US" sz="1800" b="0" i="0" u="none" strike="noStrike" kern="1200" cap="none" spc="0" normalizeH="0" baseline="0" noProof="0">
+              <a:ln>
+                <a:noFill/>
+              </a:ln>
+              <a:solidFill>
+                <a:srgbClr val="FFFFFF"/>
+              </a:solidFill>
+              <a:effectLst/>
+              <a:uLnTx/>
+              <a:uFillTx/>
+              <a:latin typeface="Calibri"/>
+              <a:ea typeface="+mn-ea"/>
+              <a:cs typeface="+mn-cs"/>
+            </a:endParaRPr>
+          </a:p>
+        </p:txBody>
+      </p:sp>
+      <p:sp>
+        <p:nvSpPr>
+          <p:cNvPr id="40" name="Rectangle 39">
+            <a:extLst>
+              <a:ext uri="{FF2B5EF4-FFF2-40B4-BE49-F238E27FC236}">
+                <a16:creationId xmlns:a16="http://schemas.microsoft.com/office/drawing/2014/main" id="{7E38BD81-E8D0-25C6-724B-9A0E7B00709F}"/>
+              </a:ext>
+              <a:ext uri="{C183D7F6-B498-43B3-948B-1728B52AA6E4}">
+                <adec:decorative xmlns:adec="http://schemas.microsoft.com/office/drawing/2017/decorative" val="1"/>
+              </a:ext>
+            </a:extLst>
+          </p:cNvPr>
+          <p:cNvSpPr>
+            <a:spLocks noGrp="1" noRot="1" noChangeAspect="1" noMove="1" noResize="1" noEditPoints="1" noAdjustHandles="1" noChangeArrowheads="1" noChangeShapeType="1" noTextEdit="1"/>
+          </p:cNvSpPr>
+          <p:nvPr>
+            <p:extLst>
+              <p:ext uri="{386F3935-93C4-4BCD-93E2-E3B085C9AB24}">
+                <p16:designElem xmlns:p16="http://schemas.microsoft.com/office/powerpoint/2015/main" val="1"/>
+              </p:ext>
+            </p:extLst>
+          </p:nvPr>
+        </p:nvSpPr>
+        <p:spPr>
+          <a:xfrm>
+            <a:off x="4241830" y="457200"/>
+            <a:ext cx="3703320" cy="91440"/>
+          </a:xfrm>
+          <a:prstGeom prst="rect">
+            <a:avLst/>
+          </a:prstGeom>
+          <a:solidFill>
+            <a:schemeClr val="accent1"/>
+          </a:solidFill>
+          <a:ln>
+            <a:noFill/>
+          </a:ln>
+          <a:effectLst/>
+        </p:spPr>
+        <p:style>
+          <a:lnRef idx="1">
+            <a:schemeClr val="accent1"/>
+          </a:lnRef>
+          <a:fillRef idx="3">
+            <a:schemeClr val="accent1"/>
+          </a:fillRef>
+          <a:effectRef idx="2">
+            <a:schemeClr val="accent1"/>
+          </a:effectRef>
+          <a:fontRef idx="minor">
+            <a:schemeClr val="lt1"/>
+          </a:fontRef>
+        </p:style>
+        <p:txBody>
+          <a:bodyPr/>
+          <a:lstStyle/>
+          <a:p>
+            <a:pPr marL="0" marR="0" lvl="0" indent="0" algn="l" defTabSz="457200" rtl="0" eaLnBrk="1" fontAlgn="auto" latinLnBrk="0" hangingPunct="1">
+              <a:lnSpc>
+                <a:spcPct val="100000"/>
+              </a:lnSpc>
+              <a:spcBef>
+                <a:spcPts val="0"/>
+              </a:spcBef>
+              <a:spcAft>
+                <a:spcPts val="0"/>
+              </a:spcAft>
+              <a:buClrTx/>
+              <a:buSzTx/>
+              <a:buFontTx/>
+              <a:buNone/>
+              <a:tabLst/>
+              <a:defRPr/>
+            </a:pPr>
+            <a:endParaRPr kumimoji="0" lang="en-US" sz="1800" b="0" i="0" u="none" strike="noStrike" kern="1200" cap="none" spc="0" normalizeH="0" baseline="0" noProof="0">
+              <a:ln>
+                <a:noFill/>
+              </a:ln>
+              <a:solidFill>
+                <a:srgbClr val="FFFFFF"/>
+              </a:solidFill>
+              <a:effectLst/>
+              <a:uLnTx/>
+              <a:uFillTx/>
+              <a:latin typeface="Calibri"/>
+              <a:ea typeface="+mn-ea"/>
+              <a:cs typeface="+mn-cs"/>
+            </a:endParaRPr>
+          </a:p>
+        </p:txBody>
+      </p:sp>
+      <p:sp>
+        <p:nvSpPr>
+          <p:cNvPr id="42" name="Rectangle 41">
+            <a:extLst>
+              <a:ext uri="{FF2B5EF4-FFF2-40B4-BE49-F238E27FC236}">
+                <a16:creationId xmlns:a16="http://schemas.microsoft.com/office/drawing/2014/main" id="{1E7AF868-A3F9-529E-6CC4-0C111EB377AE}"/>
+              </a:ext>
+              <a:ext uri="{C183D7F6-B498-43B3-948B-1728B52AA6E4}">
+                <adec:decorative xmlns:adec="http://schemas.microsoft.com/office/drawing/2017/decorative" val="1"/>
+              </a:ext>
+            </a:extLst>
+          </p:cNvPr>
+          <p:cNvSpPr>
+            <a:spLocks noGrp="1" noRot="1" noChangeAspect="1" noMove="1" noResize="1" noEditPoints="1" noAdjustHandles="1" noChangeArrowheads="1" noChangeShapeType="1" noTextEdit="1"/>
+          </p:cNvSpPr>
+          <p:nvPr>
+            <p:extLst>
+              <p:ext uri="{386F3935-93C4-4BCD-93E2-E3B085C9AB24}">
+                <p16:designElem xmlns:p16="http://schemas.microsoft.com/office/powerpoint/2015/main" val="1"/>
+              </p:ext>
+            </p:extLst>
+          </p:nvPr>
+        </p:nvSpPr>
+        <p:spPr>
+          <a:xfrm>
+            <a:off x="446534" y="3085764"/>
+            <a:ext cx="11298932" cy="3338149"/>
+          </a:xfrm>
+          <a:prstGeom prst="rect">
+            <a:avLst/>
+          </a:prstGeom>
+          <a:solidFill>
+            <a:srgbClr val="465359"/>
+          </a:solidFill>
+          <a:ln>
+            <a:noFill/>
+          </a:ln>
+          <a:effectLst/>
+        </p:spPr>
+        <p:style>
+          <a:lnRef idx="1">
+            <a:schemeClr val="accent1"/>
+          </a:lnRef>
+          <a:fillRef idx="3">
+            <a:schemeClr val="accent1"/>
+          </a:fillRef>
+          <a:effectRef idx="2">
+            <a:schemeClr val="accent1"/>
+          </a:effectRef>
+          <a:fontRef idx="minor">
+            <a:schemeClr val="lt1"/>
+          </a:fontRef>
+        </p:style>
+        <p:txBody>
+          <a:bodyPr/>
+          <a:lstStyle/>
+          <a:p>
+            <a:pPr marL="0" marR="0" lvl="0" indent="0" algn="l" defTabSz="457200" rtl="0" eaLnBrk="1" fontAlgn="auto" latinLnBrk="0" hangingPunct="1">
+              <a:lnSpc>
+                <a:spcPct val="100000"/>
+              </a:lnSpc>
+              <a:spcBef>
+                <a:spcPts val="0"/>
+              </a:spcBef>
+              <a:spcAft>
+                <a:spcPts val="0"/>
+              </a:spcAft>
+              <a:buClrTx/>
+              <a:buSzTx/>
+              <a:buFontTx/>
+              <a:buNone/>
+              <a:tabLst/>
+              <a:defRPr/>
+            </a:pPr>
+            <a:endParaRPr kumimoji="0" lang="en-US" sz="1800" b="0" i="0" u="none" strike="noStrike" kern="1200" cap="none" spc="0" normalizeH="0" baseline="0" noProof="0">
+              <a:ln>
+                <a:noFill/>
+              </a:ln>
+              <a:solidFill>
+                <a:srgbClr val="FFFFFF"/>
+              </a:solidFill>
+              <a:effectLst/>
+              <a:uLnTx/>
+              <a:uFillTx/>
+              <a:latin typeface="Calibri"/>
+              <a:ea typeface="+mn-ea"/>
+              <a:cs typeface="+mn-cs"/>
+            </a:endParaRPr>
+          </a:p>
+        </p:txBody>
+      </p:sp>
+      <p:sp useBgFill="1">
+        <p:nvSpPr>
+          <p:cNvPr id="44" name="Rectangle 43">
+            <a:extLst>
+              <a:ext uri="{FF2B5EF4-FFF2-40B4-BE49-F238E27FC236}">
+                <a16:creationId xmlns:a16="http://schemas.microsoft.com/office/drawing/2014/main" id="{269A8D6E-6288-639D-50E0-4BC53659AD7E}"/>
+              </a:ext>
+              <a:ext uri="{C183D7F6-B498-43B3-948B-1728B52AA6E4}">
+                <adec:decorative xmlns:adec="http://schemas.microsoft.com/office/drawing/2017/decorative" val="1"/>
+              </a:ext>
+            </a:extLst>
+          </p:cNvPr>
+          <p:cNvSpPr>
+            <a:spLocks noGrp="1" noRot="1" noChangeAspect="1" noMove="1" noResize="1" noEditPoints="1" noAdjustHandles="1" noChangeArrowheads="1" noChangeShapeType="1" noTextEdit="1"/>
+          </p:cNvSpPr>
+          <p:nvPr>
+            <p:extLst>
+              <p:ext uri="{386F3935-93C4-4BCD-93E2-E3B085C9AB24}">
+                <p16:designElem xmlns:p16="http://schemas.microsoft.com/office/powerpoint/2015/main" val="1"/>
+              </p:ext>
+            </p:extLst>
+          </p:nvPr>
+        </p:nvSpPr>
+        <p:spPr>
+          <a:xfrm>
+            <a:off x="0" y="0"/>
+            <a:ext cx="12192000" cy="6858000"/>
+          </a:xfrm>
+          <a:prstGeom prst="rect">
+            <a:avLst/>
+          </a:prstGeom>
+          <a:ln>
+            <a:noFill/>
+          </a:ln>
+        </p:spPr>
+        <p:style>
+          <a:lnRef idx="2">
+            <a:schemeClr val="accent1">
+              <a:shade val="50000"/>
+            </a:schemeClr>
+          </a:lnRef>
+          <a:fillRef idx="1">
+            <a:schemeClr val="accent1"/>
+          </a:fillRef>
+          <a:effectRef idx="0">
+            <a:schemeClr val="accent1"/>
+          </a:effectRef>
+          <a:fontRef idx="minor">
+            <a:schemeClr val="lt1"/>
+          </a:fontRef>
+        </p:style>
+        <p:txBody>
+          <a:bodyPr rtlCol="0" anchor="ctr"/>
+          <a:lstStyle/>
+          <a:p>
+            <a:pPr marL="0" marR="0" lvl="0" indent="0" algn="ctr" defTabSz="457200" rtl="0" eaLnBrk="1" fontAlgn="auto" latinLnBrk="0" hangingPunct="1">
+              <a:lnSpc>
+                <a:spcPct val="100000"/>
+              </a:lnSpc>
+              <a:spcBef>
+                <a:spcPts val="0"/>
+              </a:spcBef>
+              <a:spcAft>
+                <a:spcPts val="0"/>
+              </a:spcAft>
+              <a:buClrTx/>
+              <a:buSzTx/>
+              <a:buFontTx/>
+              <a:buNone/>
+              <a:tabLst/>
+              <a:defRPr/>
+            </a:pPr>
+            <a:endParaRPr kumimoji="0" lang="en-US" sz="1800" b="0" i="0" u="none" strike="noStrike" kern="1200" cap="none" spc="0" normalizeH="0" baseline="0" noProof="0">
+              <a:ln>
+                <a:noFill/>
+              </a:ln>
+              <a:solidFill>
+                <a:srgbClr val="FFFFFF"/>
+              </a:solidFill>
+              <a:effectLst/>
+              <a:uLnTx/>
+              <a:uFillTx/>
+              <a:latin typeface="Calibri"/>
+              <a:ea typeface="+mn-ea"/>
+              <a:cs typeface="+mn-cs"/>
+            </a:endParaRPr>
+          </a:p>
+        </p:txBody>
+      </p:sp>
+      <p:sp>
+        <p:nvSpPr>
+          <p:cNvPr id="46" name="Rectangle 45">
+            <a:extLst>
+              <a:ext uri="{FF2B5EF4-FFF2-40B4-BE49-F238E27FC236}">
+                <a16:creationId xmlns:a16="http://schemas.microsoft.com/office/drawing/2014/main" id="{857FEE1D-9FA8-5072-4E3F-AFB9C5C999B9}"/>
+              </a:ext>
+              <a:ext uri="{C183D7F6-B498-43B3-948B-1728B52AA6E4}">
+                <adec:decorative xmlns:adec="http://schemas.microsoft.com/office/drawing/2017/decorative" val="1"/>
+              </a:ext>
+            </a:extLst>
+          </p:cNvPr>
+          <p:cNvSpPr>
+            <a:spLocks noGrp="1" noRot="1" noChangeAspect="1" noMove="1" noResize="1" noEditPoints="1" noAdjustHandles="1" noChangeArrowheads="1" noChangeShapeType="1" noTextEdit="1"/>
+          </p:cNvSpPr>
+          <p:nvPr>
+            <p:extLst>
+              <p:ext uri="{386F3935-93C4-4BCD-93E2-E3B085C9AB24}">
+                <p16:designElem xmlns:p16="http://schemas.microsoft.com/office/powerpoint/2015/main" val="1"/>
+              </p:ext>
+            </p:extLst>
+          </p:nvPr>
+        </p:nvSpPr>
+        <p:spPr>
+          <a:xfrm>
+            <a:off x="509628" y="496959"/>
+            <a:ext cx="1106164" cy="5859735"/>
+          </a:xfrm>
+          <a:prstGeom prst="rect">
+            <a:avLst/>
+          </a:prstGeom>
+          <a:solidFill>
+            <a:srgbClr val="465359"/>
+          </a:solidFill>
+          <a:ln>
+            <a:noFill/>
+          </a:ln>
+          <a:effectLst/>
+        </p:spPr>
+        <p:style>
+          <a:lnRef idx="1">
+            <a:schemeClr val="accent1"/>
+          </a:lnRef>
+          <a:fillRef idx="3">
+            <a:schemeClr val="accent1"/>
+          </a:fillRef>
+          <a:effectRef idx="2">
+            <a:schemeClr val="accent1"/>
+          </a:effectRef>
+          <a:fontRef idx="minor">
+            <a:schemeClr val="lt1"/>
+          </a:fontRef>
+        </p:style>
+        <p:txBody>
+          <a:bodyPr/>
+          <a:lstStyle/>
+          <a:p>
+            <a:pPr marL="0" marR="0" lvl="0" indent="0" algn="l" defTabSz="457200" rtl="0" eaLnBrk="1" fontAlgn="auto" latinLnBrk="0" hangingPunct="1">
+              <a:lnSpc>
+                <a:spcPct val="100000"/>
+              </a:lnSpc>
+              <a:spcBef>
+                <a:spcPts val="0"/>
+              </a:spcBef>
+              <a:spcAft>
+                <a:spcPts val="0"/>
+              </a:spcAft>
+              <a:buClrTx/>
+              <a:buSzTx/>
+              <a:buFontTx/>
+              <a:buNone/>
+              <a:tabLst/>
+              <a:defRPr/>
+            </a:pPr>
+            <a:endParaRPr kumimoji="0" lang="en-US" sz="1800" b="0" i="0" u="none" strike="noStrike" kern="1200" cap="none" spc="0" normalizeH="0" baseline="0" noProof="0">
+              <a:ln>
+                <a:noFill/>
+              </a:ln>
+              <a:solidFill>
+                <a:srgbClr val="FFFFFF"/>
+              </a:solidFill>
+              <a:effectLst/>
+              <a:uLnTx/>
+              <a:uFillTx/>
+              <a:latin typeface="Calibri"/>
+              <a:ea typeface="+mn-ea"/>
+              <a:cs typeface="+mn-cs"/>
+            </a:endParaRPr>
+          </a:p>
+        </p:txBody>
+      </p:sp>
+      <p:sp>
+        <p:nvSpPr>
+          <p:cNvPr id="48" name="Rectangle 47">
+            <a:extLst>
+              <a:ext uri="{FF2B5EF4-FFF2-40B4-BE49-F238E27FC236}">
+                <a16:creationId xmlns:a16="http://schemas.microsoft.com/office/drawing/2014/main" id="{97518EB3-EC57-D5D2-7953-B9EC4AB47385}"/>
+              </a:ext>
+              <a:ext uri="{C183D7F6-B498-43B3-948B-1728B52AA6E4}">
+                <adec:decorative xmlns:adec="http://schemas.microsoft.com/office/drawing/2017/decorative" val="1"/>
+              </a:ext>
+            </a:extLst>
+          </p:cNvPr>
+          <p:cNvSpPr>
+            <a:spLocks noGrp="1" noRot="1" noChangeAspect="1" noMove="1" noResize="1" noEditPoints="1" noAdjustHandles="1" noChangeArrowheads="1" noChangeShapeType="1" noTextEdit="1"/>
+          </p:cNvSpPr>
+          <p:nvPr>
+            <p:extLst>
+              <p:ext uri="{386F3935-93C4-4BCD-93E2-E3B085C9AB24}">
+                <p16:designElem xmlns:p16="http://schemas.microsoft.com/office/powerpoint/2015/main" val="1"/>
+              </p:ext>
+            </p:extLst>
+          </p:nvPr>
+        </p:nvSpPr>
+        <p:spPr>
+          <a:xfrm>
+            <a:off x="1712856" y="496958"/>
+            <a:ext cx="9961047" cy="3678072"/>
+          </a:xfrm>
+          <a:prstGeom prst="rect">
+            <a:avLst/>
+          </a:prstGeom>
+          <a:solidFill>
+            <a:schemeClr val="accent1"/>
+          </a:solidFill>
+          <a:ln>
+            <a:noFill/>
+          </a:ln>
+          <a:effectLst/>
+        </p:spPr>
+        <p:style>
+          <a:lnRef idx="1">
+            <a:schemeClr val="accent1"/>
+          </a:lnRef>
+          <a:fillRef idx="3">
+            <a:schemeClr val="accent1"/>
+          </a:fillRef>
+          <a:effectRef idx="2">
+            <a:schemeClr val="accent1"/>
+          </a:effectRef>
+          <a:fontRef idx="minor">
+            <a:schemeClr val="lt1"/>
+          </a:fontRef>
+        </p:style>
+        <p:txBody>
+          <a:bodyPr/>
+          <a:lstStyle/>
+          <a:p>
+            <a:pPr marL="0" marR="0" lvl="0" indent="0" algn="l" defTabSz="457200" rtl="0" eaLnBrk="1" fontAlgn="auto" latinLnBrk="0" hangingPunct="1">
+              <a:lnSpc>
+                <a:spcPct val="100000"/>
+              </a:lnSpc>
+              <a:spcBef>
+                <a:spcPts val="0"/>
+              </a:spcBef>
+              <a:spcAft>
+                <a:spcPts val="0"/>
+              </a:spcAft>
+              <a:buClrTx/>
+              <a:buSzTx/>
+              <a:buFontTx/>
+              <a:buNone/>
+              <a:tabLst/>
+              <a:defRPr/>
+            </a:pPr>
+            <a:endParaRPr kumimoji="0" lang="en-US" sz="1800" b="0" i="0" u="none" strike="noStrike" kern="1200" cap="none" spc="0" normalizeH="0" baseline="0" noProof="0">
+              <a:ln>
+                <a:noFill/>
+              </a:ln>
+              <a:solidFill>
+                <a:srgbClr val="FFFFFF"/>
+              </a:solidFill>
+              <a:effectLst/>
+              <a:uLnTx/>
+              <a:uFillTx/>
+              <a:latin typeface="Calibri"/>
+              <a:ea typeface="+mn-ea"/>
+              <a:cs typeface="+mn-cs"/>
+            </a:endParaRPr>
+          </a:p>
+        </p:txBody>
+      </p:sp>
+      <p:sp>
+        <p:nvSpPr>
           <p:cNvPr id="2" name="Title 1">
             <a:extLst>
               <a:ext uri="{FF2B5EF4-FFF2-40B4-BE49-F238E27FC236}">
-                <a16:creationId xmlns:a16="http://schemas.microsoft.com/office/drawing/2014/main" id="{D3F31ABE-5AA3-7CB7-F872-5AAAD59113D5}"/>
+                <a16:creationId xmlns:a16="http://schemas.microsoft.com/office/drawing/2014/main" id="{8E2C85A2-81E4-165A-1E2F-18516C7BE5E7}"/>
               </a:ext>
             </a:extLst>
           </p:cNvPr>
@@ -13963,157 +14722,254 @@
         </p:nvSpPr>
         <p:spPr>
           <a:xfrm>
-            <a:off x="581192" y="702156"/>
-            <a:ext cx="11029616" cy="650394"/>
+            <a:off x="1893715" y="708498"/>
+            <a:ext cx="7574507" cy="3330055"/>
           </a:xfrm>
         </p:spPr>
         <p:txBody>
-          <a:bodyPr>
-            <a:normAutofit/>
+          <a:bodyPr vert="horz" lIns="91440" tIns="45720" rIns="91440" bIns="45720" rtlCol="0" anchor="ctr">
+            <a:normAutofit fontScale="90000"/>
           </a:bodyPr>
           <a:lstStyle/>
           <a:p>
             <a:r>
-              <a:rPr lang="en-US" dirty="0"/>
-              <a:t>Pattern matching using </a:t>
-            </a:r>
-            <a:r>
-              <a:rPr lang="en-US" dirty="0">
-                <a:solidFill>
-                  <a:srgbClr val="00B0F0"/>
-                </a:solidFill>
-              </a:rPr>
-              <a:t>like</a:t>
-            </a:r>
-          </a:p>
-        </p:txBody>
-      </p:sp>
-      <p:sp>
-        <p:nvSpPr>
-          <p:cNvPr id="3" name="Content Placeholder 2">
+              <a:rPr lang="en-US" sz="6000" dirty="0">
+                <a:solidFill>
+                  <a:srgbClr val="FFFFFF"/>
+                </a:solidFill>
+              </a:rPr>
+              <a:t>4.6</a:t>
+            </a:r>
+            <a:r>
+              <a:rPr lang="en-US" sz="6000" b="0" kern="1200" cap="all" dirty="0">
+                <a:solidFill>
+                  <a:srgbClr val="FFFFFF"/>
+                </a:solidFill>
+                <a:latin typeface="+mj-lt"/>
+                <a:ea typeface="+mj-ea"/>
+                <a:cs typeface="+mj-cs"/>
+              </a:rPr>
+              <a:t> </a:t>
+            </a:r>
+            <a:br>
+              <a:rPr lang="en-US" sz="6000" b="0" kern="1200" cap="all" dirty="0">
+                <a:solidFill>
+                  <a:srgbClr val="FFFFFF"/>
+                </a:solidFill>
+                <a:latin typeface="+mj-lt"/>
+                <a:ea typeface="+mj-ea"/>
+                <a:cs typeface="+mj-cs"/>
+              </a:rPr>
+            </a:br>
+            <a:r>
+              <a:rPr lang="en-US" sz="6000" b="0" kern="1200" cap="all" dirty="0">
+                <a:solidFill>
+                  <a:srgbClr val="FFFFFF"/>
+                </a:solidFill>
+                <a:latin typeface="+mj-lt"/>
+                <a:ea typeface="+mj-ea"/>
+                <a:cs typeface="+mj-cs"/>
+              </a:rPr>
+              <a:t>data QUERY LANGUAGE: AGGREGATE FUNCTION</a:t>
+            </a:r>
+          </a:p>
+        </p:txBody>
+      </p:sp>
+      <p:sp>
+        <p:nvSpPr>
+          <p:cNvPr id="50" name="Rectangle 49">
             <a:extLst>
               <a:ext uri="{FF2B5EF4-FFF2-40B4-BE49-F238E27FC236}">
-                <a16:creationId xmlns:a16="http://schemas.microsoft.com/office/drawing/2014/main" id="{1BD7DBBC-C2AD-AAE9-FDA8-0216703C1B3B}"/>
+                <a16:creationId xmlns:a16="http://schemas.microsoft.com/office/drawing/2014/main" id="{DFC64AD0-353D-2008-E63C-ACA0DC339CF1}"/>
+              </a:ext>
+              <a:ext uri="{C183D7F6-B498-43B3-948B-1728B52AA6E4}">
+                <adec:decorative xmlns:adec="http://schemas.microsoft.com/office/drawing/2017/decorative" val="1"/>
               </a:ext>
             </a:extLst>
           </p:cNvPr>
           <p:cNvSpPr>
-            <a:spLocks noGrp="1"/>
+            <a:spLocks noGrp="1" noRot="1" noChangeAspect="1" noMove="1" noResize="1" noEditPoints="1" noAdjustHandles="1" noChangeArrowheads="1" noChangeShapeType="1" noTextEdit="1"/>
           </p:cNvSpPr>
           <p:nvPr>
-            <p:ph idx="1"/>
+            <p:extLst>
+              <p:ext uri="{386F3935-93C4-4BCD-93E2-E3B085C9AB24}">
+                <p16:designElem xmlns:p16="http://schemas.microsoft.com/office/powerpoint/2015/main" val="1"/>
+              </p:ext>
+            </p:extLst>
           </p:nvPr>
         </p:nvSpPr>
         <p:spPr>
           <a:xfrm>
-            <a:off x="3954747" y="2632519"/>
-            <a:ext cx="3809833" cy="1592961"/>
+            <a:off x="1712789" y="4284212"/>
+            <a:ext cx="9961115" cy="2072481"/>
           </a:xfrm>
+          <a:prstGeom prst="rect">
+            <a:avLst/>
+          </a:prstGeom>
+          <a:solidFill>
+            <a:srgbClr val="6C7781">
+              <a:alpha val="80000"/>
+            </a:srgbClr>
+          </a:solidFill>
+          <a:ln>
+            <a:noFill/>
+          </a:ln>
+          <a:effectLst/>
         </p:spPr>
-        <p:txBody>
-          <a:bodyPr>
-            <a:normAutofit/>
-          </a:bodyPr>
+        <p:style>
+          <a:lnRef idx="1">
+            <a:schemeClr val="accent1"/>
+          </a:lnRef>
+          <a:fillRef idx="3">
+            <a:schemeClr val="accent1"/>
+          </a:fillRef>
+          <a:effectRef idx="2">
+            <a:schemeClr val="accent1"/>
+          </a:effectRef>
+          <a:fontRef idx="minor">
+            <a:schemeClr val="lt1"/>
+          </a:fontRef>
+        </p:style>
+        <p:txBody>
+          <a:bodyPr/>
           <a:lstStyle/>
           <a:p>
-            <a:pPr marL="0" indent="0">
-              <a:buNone/>
-            </a:pPr>
-            <a:r>
-              <a:rPr lang="en-US" sz="2400" dirty="0">
-                <a:solidFill>
-                  <a:srgbClr val="00B0F0"/>
-                </a:solidFill>
-              </a:rPr>
-              <a:t>SELECT </a:t>
-            </a:r>
-            <a:r>
-              <a:rPr lang="en-US" sz="2400" dirty="0" err="1">
-                <a:solidFill>
-                  <a:srgbClr val="00B0F0"/>
-                </a:solidFill>
-              </a:rPr>
-              <a:t>stusab</a:t>
-            </a:r>
-            <a:r>
-              <a:rPr lang="en-US" sz="2400" dirty="0">
-                <a:solidFill>
-                  <a:srgbClr val="00B0F0"/>
-                </a:solidFill>
-              </a:rPr>
-              <a:t>, </a:t>
-            </a:r>
-            <a:r>
-              <a:rPr lang="en-US" sz="2400" dirty="0" err="1">
-                <a:solidFill>
-                  <a:srgbClr val="00B0F0"/>
-                </a:solidFill>
-              </a:rPr>
-              <a:t>statea</a:t>
-            </a:r>
-            <a:r>
-              <a:rPr lang="en-US" sz="2400" dirty="0">
-                <a:solidFill>
-                  <a:srgbClr val="00B0F0"/>
-                </a:solidFill>
-              </a:rPr>
-              <a:t> </a:t>
-            </a:r>
-          </a:p>
-          <a:p>
-            <a:pPr marL="0" indent="0">
-              <a:buNone/>
-            </a:pPr>
-            <a:r>
-              <a:rPr lang="en-US" sz="2400" dirty="0">
-                <a:solidFill>
-                  <a:srgbClr val="00B0F0"/>
-                </a:solidFill>
-              </a:rPr>
-              <a:t>FROM ch04.us_attribute </a:t>
-            </a:r>
-          </a:p>
-          <a:p>
-            <a:pPr marL="0" indent="0">
-              <a:buNone/>
-            </a:pPr>
-            <a:r>
-              <a:rPr lang="en-US" sz="2400" dirty="0">
-                <a:solidFill>
-                  <a:srgbClr val="00B0F0"/>
-                </a:solidFill>
-              </a:rPr>
-              <a:t>WHERE </a:t>
-            </a:r>
-            <a:r>
-              <a:rPr lang="en-US" sz="2400" dirty="0" err="1">
-                <a:solidFill>
-                  <a:srgbClr val="00B0F0"/>
-                </a:solidFill>
-              </a:rPr>
-              <a:t>stusab</a:t>
-            </a:r>
-            <a:r>
-              <a:rPr lang="en-US" sz="2400" dirty="0">
-                <a:solidFill>
-                  <a:srgbClr val="00B0F0"/>
-                </a:solidFill>
-              </a:rPr>
-              <a:t> LIKE 'Mass%';</a:t>
-            </a:r>
+            <a:pPr marL="0" marR="0" lvl="0" indent="0" algn="l" defTabSz="457200" rtl="0" eaLnBrk="1" fontAlgn="auto" latinLnBrk="0" hangingPunct="1">
+              <a:lnSpc>
+                <a:spcPct val="100000"/>
+              </a:lnSpc>
+              <a:spcBef>
+                <a:spcPts val="0"/>
+              </a:spcBef>
+              <a:spcAft>
+                <a:spcPts val="0"/>
+              </a:spcAft>
+              <a:buClrTx/>
+              <a:buSzTx/>
+              <a:buFontTx/>
+              <a:buNone/>
+              <a:tabLst/>
+              <a:defRPr/>
+            </a:pPr>
+            <a:endParaRPr kumimoji="0" lang="en-US" sz="1800" b="0" i="0" u="none" strike="noStrike" kern="1200" cap="none" spc="0" normalizeH="0" baseline="0" noProof="0">
+              <a:ln>
+                <a:noFill/>
+              </a:ln>
+              <a:solidFill>
+                <a:srgbClr val="FFFFFF"/>
+              </a:solidFill>
+              <a:effectLst/>
+              <a:uLnTx/>
+              <a:uFillTx/>
+              <a:latin typeface="Calibri"/>
+              <a:ea typeface="+mn-ea"/>
+              <a:cs typeface="+mn-cs"/>
+            </a:endParaRPr>
           </a:p>
         </p:txBody>
       </p:sp>
     </p:spTree>
     <p:extLst>
       <p:ext uri="{BB962C8B-B14F-4D97-AF65-F5344CB8AC3E}">
-        <p14:creationId xmlns:p14="http://schemas.microsoft.com/office/powerpoint/2010/main" val="3737833558"/>
+        <p14:creationId xmlns:p14="http://schemas.microsoft.com/office/powerpoint/2010/main" val="145892406"/>
       </p:ext>
     </p:extLst>
   </p:cSld>
   <p:clrMapOvr>
     <a:masterClrMapping/>
   </p:clrMapOvr>
+  <p:timing>
+    <p:tnLst>
+      <p:par>
+        <p:cTn id="1" dur="indefinite" restart="never" nodeType="tmRoot">
+          <p:childTnLst>
+            <p:seq concurrent="1" nextAc="seek">
+              <p:cTn id="2" dur="indefinite" nodeType="mainSeq">
+                <p:childTnLst>
+                  <p:par>
+                    <p:cTn id="3" fill="hold">
+                      <p:stCondLst>
+                        <p:cond delay="indefinite"/>
+                        <p:cond evt="onBegin" delay="0">
+                          <p:tn val="2"/>
+                        </p:cond>
+                      </p:stCondLst>
+                      <p:childTnLst>
+                        <p:par>
+                          <p:cTn id="4" fill="hold">
+                            <p:stCondLst>
+                              <p:cond delay="0"/>
+                            </p:stCondLst>
+                            <p:childTnLst>
+                              <p:par>
+                                <p:cTn id="5" presetID="10" presetClass="entr" presetSubtype="0" fill="hold" grpId="0" nodeType="withEffect">
+                                  <p:stCondLst>
+                                    <p:cond delay="500"/>
+                                  </p:stCondLst>
+                                  <p:iterate type="wd">
+                                    <p:tmPct val="15000"/>
+                                  </p:iterate>
+                                  <p:childTnLst>
+                                    <p:set>
+                                      <p:cBhvr>
+                                        <p:cTn id="6" dur="1" fill="hold">
+                                          <p:stCondLst>
+                                            <p:cond delay="0"/>
+                                          </p:stCondLst>
+                                        </p:cTn>
+                                        <p:tgtEl>
+                                          <p:spTgt spid="2"/>
+                                        </p:tgtEl>
+                                        <p:attrNameLst>
+                                          <p:attrName>style.visibility</p:attrName>
+                                        </p:attrNameLst>
+                                      </p:cBhvr>
+                                      <p:to>
+                                        <p:strVal val="visible"/>
+                                      </p:to>
+                                    </p:set>
+                                    <p:animEffect transition="in" filter="fade">
+                                      <p:cBhvr>
+                                        <p:cTn id="7" dur="1000"/>
+                                        <p:tgtEl>
+                                          <p:spTgt spid="2"/>
+                                        </p:tgtEl>
+                                      </p:cBhvr>
+                                    </p:animEffect>
+                                  </p:childTnLst>
+                                </p:cTn>
+                              </p:par>
+                            </p:childTnLst>
+                          </p:cTn>
+                        </p:par>
+                      </p:childTnLst>
+                    </p:cTn>
+                  </p:par>
+                </p:childTnLst>
+              </p:cTn>
+              <p:prevCondLst>
+                <p:cond evt="onPrev" delay="0">
+                  <p:tgtEl>
+                    <p:sldTgt/>
+                  </p:tgtEl>
+                </p:cond>
+              </p:prevCondLst>
+              <p:nextCondLst>
+                <p:cond evt="onNext" delay="0">
+                  <p:tgtEl>
+                    <p:sldTgt/>
+                  </p:tgtEl>
+                </p:cond>
+              </p:nextCondLst>
+            </p:seq>
+          </p:childTnLst>
+        </p:cTn>
+      </p:par>
+    </p:tnLst>
+    <p:bldLst>
+      <p:bldP spid="2" grpId="0"/>
+    </p:bldLst>
+  </p:timing>
 </p:sld>
 </file>
 
@@ -14136,10 +14992,43 @@
       </p:grpSpPr>
       <p:sp>
         <p:nvSpPr>
+          <p:cNvPr id="2" name="Title 1">
+            <a:extLst>
+              <a:ext uri="{FF2B5EF4-FFF2-40B4-BE49-F238E27FC236}">
+                <a16:creationId xmlns:a16="http://schemas.microsoft.com/office/drawing/2014/main" id="{2C67578B-8C8B-1F54-3BD1-5572B57EF470}"/>
+              </a:ext>
+            </a:extLst>
+          </p:cNvPr>
+          <p:cNvSpPr>
+            <a:spLocks noGrp="1"/>
+          </p:cNvSpPr>
+          <p:nvPr>
+            <p:ph type="title"/>
+          </p:nvPr>
+        </p:nvSpPr>
+        <p:spPr>
+          <a:xfrm>
+            <a:off x="581192" y="702156"/>
+            <a:ext cx="11029616" cy="555144"/>
+          </a:xfrm>
+        </p:spPr>
+        <p:txBody>
+          <a:bodyPr/>
+          <a:lstStyle/>
+          <a:p>
+            <a:r>
+              <a:rPr lang="en-US" b="1" dirty="0"/>
+              <a:t>AGGREGATE FUNCTION</a:t>
+            </a:r>
+          </a:p>
+        </p:txBody>
+      </p:sp>
+      <p:sp>
+        <p:nvSpPr>
           <p:cNvPr id="3" name="Content Placeholder 2">
             <a:extLst>
               <a:ext uri="{FF2B5EF4-FFF2-40B4-BE49-F238E27FC236}">
-                <a16:creationId xmlns:a16="http://schemas.microsoft.com/office/drawing/2014/main" id="{B6EC85C2-8091-701C-BB27-A126BA8E4FC7}"/>
+                <a16:creationId xmlns:a16="http://schemas.microsoft.com/office/drawing/2014/main" id="{D2907471-AA7D-0309-EF36-35A594438DFA}"/>
               </a:ext>
             </a:extLst>
           </p:cNvPr>
@@ -14152,63 +15041,1073 @@
         </p:nvSpPr>
         <p:spPr>
           <a:xfrm>
-            <a:off x="3543383" y="2407539"/>
-            <a:ext cx="5105233" cy="1716786"/>
+            <a:off x="581193" y="1426464"/>
+            <a:ext cx="11029615" cy="754761"/>
           </a:xfrm>
         </p:spPr>
         <p:txBody>
+          <a:bodyPr>
+            <a:noAutofit/>
+          </a:bodyPr>
+          <a:lstStyle/>
+          <a:p>
+            <a:pPr marL="0" indent="0">
+              <a:buNone/>
+            </a:pPr>
+            <a:r>
+              <a:rPr lang="en-US" sz="2400" b="0" i="0" dirty="0">
+                <a:solidFill>
+                  <a:srgbClr val="373D3F"/>
+                </a:solidFill>
+                <a:effectLst/>
+              </a:rPr>
+              <a:t>Aggregate functions perform a calculation on a set of values and return a single, or summary, value.</a:t>
+            </a:r>
+            <a:endParaRPr lang="en-US" sz="2400" dirty="0"/>
+          </a:p>
+        </p:txBody>
+      </p:sp>
+      <p:pic>
+        <p:nvPicPr>
+          <p:cNvPr id="5" name="Picture 4">
+            <a:extLst>
+              <a:ext uri="{FF2B5EF4-FFF2-40B4-BE49-F238E27FC236}">
+                <a16:creationId xmlns:a16="http://schemas.microsoft.com/office/drawing/2014/main" id="{A97DDD14-4DFC-75F7-89E5-D249CDD425FD}"/>
+              </a:ext>
+            </a:extLst>
+          </p:cNvPr>
+          <p:cNvPicPr>
+            <a:picLocks noChangeAspect="1"/>
+          </p:cNvPicPr>
+          <p:nvPr/>
+        </p:nvPicPr>
+        <p:blipFill>
+          <a:blip r:embed="rId2"/>
+          <a:stretch>
+            <a:fillRect/>
+          </a:stretch>
+        </p:blipFill>
+        <p:spPr>
+          <a:xfrm>
+            <a:off x="2801610" y="2066925"/>
+            <a:ext cx="7018665" cy="4245202"/>
+          </a:xfrm>
+          <a:prstGeom prst="rect">
+            <a:avLst/>
+          </a:prstGeom>
+        </p:spPr>
+      </p:pic>
+      <p:sp>
+        <p:nvSpPr>
+          <p:cNvPr id="6" name="Footer Placeholder 5">
+            <a:extLst>
+              <a:ext uri="{FF2B5EF4-FFF2-40B4-BE49-F238E27FC236}">
+                <a16:creationId xmlns:a16="http://schemas.microsoft.com/office/drawing/2014/main" id="{49330C8B-5427-7EB0-080E-9B58032EDA23}"/>
+              </a:ext>
+            </a:extLst>
+          </p:cNvPr>
+          <p:cNvSpPr>
+            <a:spLocks noGrp="1"/>
+          </p:cNvSpPr>
+          <p:nvPr>
+            <p:ph type="ftr" sz="quarter" idx="11"/>
+          </p:nvPr>
+        </p:nvSpPr>
+        <p:spPr/>
+        <p:txBody>
           <a:bodyPr/>
           <a:lstStyle/>
           <a:p>
-            <a:pPr marL="0" indent="0">
-              <a:buNone/>
-            </a:pPr>
-            <a:r>
-              <a:rPr lang="en-US" dirty="0">
-                <a:solidFill>
-                  <a:srgbClr val="00B0F0"/>
-                </a:solidFill>
-              </a:rPr>
-              <a:t>SELECT STATE, COUNTY, AQNFE001 </a:t>
-            </a:r>
-          </a:p>
-          <a:p>
-            <a:pPr marL="0" indent="0">
-              <a:buNone/>
-            </a:pPr>
-            <a:r>
-              <a:rPr lang="en-US" dirty="0">
-                <a:solidFill>
-                  <a:srgbClr val="00B0F0"/>
-                </a:solidFill>
-              </a:rPr>
-              <a:t>FROM ch04.us_attribute </a:t>
-            </a:r>
-          </a:p>
-          <a:p>
-            <a:pPr marL="0" indent="0">
-              <a:buNone/>
-            </a:pPr>
-            <a:r>
-              <a:rPr lang="en-US" dirty="0">
-                <a:solidFill>
-                  <a:srgbClr val="00B0F0"/>
-                </a:solidFill>
-              </a:rPr>
-              <a:t>WHERE STATE IN ('Texas', 'California', 'Florida');</a:t>
-            </a:r>
-          </a:p>
-          <a:p>
+            <a:r>
+              <a:rPr lang="fr-FR"/>
+              <a:t>Table source: https://opentextbc.ca/dbdesign01/chapter/chapter-sql-dml/</a:t>
+            </a:r>
             <a:endParaRPr lang="en-US" dirty="0"/>
           </a:p>
         </p:txBody>
       </p:sp>
-      <p:sp>
-        <p:nvSpPr>
-          <p:cNvPr id="4" name="Title 1">
+    </p:spTree>
+    <p:extLst>
+      <p:ext uri="{BB962C8B-B14F-4D97-AF65-F5344CB8AC3E}">
+        <p14:creationId xmlns:p14="http://schemas.microsoft.com/office/powerpoint/2010/main" val="91747833"/>
+      </p:ext>
+    </p:extLst>
+  </p:cSld>
+  <p:clrMapOvr>
+    <a:masterClrMapping/>
+  </p:clrMapOvr>
+</p:sld>
+</file>
+
+<file path=ppt/slides/slide35.xml><?xml version="1.0" encoding="utf-8"?>
+<p:sld xmlns:a="http://schemas.openxmlformats.org/drawingml/2006/main" xmlns:r="http://schemas.openxmlformats.org/officeDocument/2006/relationships" xmlns:p="http://schemas.openxmlformats.org/presentationml/2006/main">
+  <p:cSld>
+    <p:spTree>
+      <p:nvGrpSpPr>
+        <p:cNvPr id="1" name=""/>
+        <p:cNvGrpSpPr/>
+        <p:nvPr/>
+      </p:nvGrpSpPr>
+      <p:grpSpPr>
+        <a:xfrm>
+          <a:off x="0" y="0"/>
+          <a:ext cx="0" cy="0"/>
+          <a:chOff x="0" y="0"/>
+          <a:chExt cx="0" cy="0"/>
+        </a:xfrm>
+      </p:grpSpPr>
+      <p:sp>
+        <p:nvSpPr>
+          <p:cNvPr id="3" name="Content Placeholder 2">
             <a:extLst>
               <a:ext uri="{FF2B5EF4-FFF2-40B4-BE49-F238E27FC236}">
-                <a16:creationId xmlns:a16="http://schemas.microsoft.com/office/drawing/2014/main" id="{F93CD951-1185-12E7-1BF6-31C947A3B34D}"/>
+                <a16:creationId xmlns:a16="http://schemas.microsoft.com/office/drawing/2014/main" id="{6DDA73EB-96FE-544E-7BB5-A61B3BCA4B06}"/>
+              </a:ext>
+            </a:extLst>
+          </p:cNvPr>
+          <p:cNvSpPr>
+            <a:spLocks noGrp="1"/>
+          </p:cNvSpPr>
+          <p:nvPr>
+            <p:ph idx="1"/>
+          </p:nvPr>
+        </p:nvSpPr>
+        <p:spPr>
+          <a:xfrm>
+            <a:off x="2819568" y="2494464"/>
+            <a:ext cx="5381458" cy="2076450"/>
+          </a:xfrm>
+        </p:spPr>
+        <p:txBody>
+          <a:bodyPr>
+            <a:normAutofit/>
+          </a:bodyPr>
+          <a:lstStyle/>
+          <a:p>
+            <a:pPr marL="0" indent="0">
+              <a:buNone/>
+            </a:pPr>
+            <a:r>
+              <a:rPr lang="en-US" dirty="0">
+                <a:solidFill>
+                  <a:srgbClr val="00B0F0"/>
+                </a:solidFill>
+              </a:rPr>
+              <a:t>SELECT </a:t>
+            </a:r>
+            <a:r>
+              <a:rPr lang="en-US" dirty="0" err="1">
+                <a:solidFill>
+                  <a:srgbClr val="00B0F0"/>
+                </a:solidFill>
+              </a:rPr>
+              <a:t>stusab</a:t>
+            </a:r>
+            <a:r>
+              <a:rPr lang="en-US" dirty="0">
+                <a:solidFill>
+                  <a:srgbClr val="00B0F0"/>
+                </a:solidFill>
+              </a:rPr>
+              <a:t>, SUM(</a:t>
+            </a:r>
+            <a:r>
+              <a:rPr lang="en-US" dirty="0" err="1">
+                <a:solidFill>
+                  <a:srgbClr val="00B0F0"/>
+                </a:solidFill>
+              </a:rPr>
+              <a:t>total_pop</a:t>
+            </a:r>
+            <a:r>
+              <a:rPr lang="en-US" dirty="0">
+                <a:solidFill>
+                  <a:srgbClr val="00B0F0"/>
+                </a:solidFill>
+              </a:rPr>
+              <a:t> ) AS </a:t>
+            </a:r>
+            <a:r>
+              <a:rPr lang="en-US" dirty="0" err="1">
+                <a:solidFill>
+                  <a:srgbClr val="00B0F0"/>
+                </a:solidFill>
+              </a:rPr>
+              <a:t>total_population</a:t>
+            </a:r>
+            <a:endParaRPr lang="en-US" dirty="0">
+              <a:solidFill>
+                <a:srgbClr val="00B0F0"/>
+              </a:solidFill>
+            </a:endParaRPr>
+          </a:p>
+          <a:p>
+            <a:pPr marL="0" indent="0">
+              <a:buNone/>
+            </a:pPr>
+            <a:r>
+              <a:rPr lang="en-US" dirty="0">
+                <a:solidFill>
+                  <a:srgbClr val="00B0F0"/>
+                </a:solidFill>
+              </a:rPr>
+              <a:t>FROM ch04.us_attribute</a:t>
+            </a:r>
+          </a:p>
+          <a:p>
+            <a:pPr marL="0" indent="0">
+              <a:buNone/>
+            </a:pPr>
+            <a:r>
+              <a:rPr lang="en-US" dirty="0">
+                <a:solidFill>
+                  <a:srgbClr val="00B0F0"/>
+                </a:solidFill>
+              </a:rPr>
+              <a:t>GROUP BY </a:t>
+            </a:r>
+            <a:r>
+              <a:rPr lang="en-US" dirty="0" err="1">
+                <a:solidFill>
+                  <a:srgbClr val="00B0F0"/>
+                </a:solidFill>
+              </a:rPr>
+              <a:t>stusab</a:t>
+            </a:r>
+            <a:endParaRPr lang="en-US" dirty="0">
+              <a:solidFill>
+                <a:srgbClr val="00B0F0"/>
+              </a:solidFill>
+            </a:endParaRPr>
+          </a:p>
+          <a:p>
+            <a:pPr marL="0" indent="0">
+              <a:buNone/>
+            </a:pPr>
+            <a:r>
+              <a:rPr lang="en-US" dirty="0">
+                <a:solidFill>
+                  <a:srgbClr val="00B0F0"/>
+                </a:solidFill>
+              </a:rPr>
+              <a:t>ORDER BY </a:t>
+            </a:r>
+            <a:r>
+              <a:rPr lang="en-US" dirty="0" err="1">
+                <a:solidFill>
+                  <a:srgbClr val="00B0F0"/>
+                </a:solidFill>
+              </a:rPr>
+              <a:t>total_population</a:t>
+            </a:r>
+            <a:r>
+              <a:rPr lang="en-US" dirty="0">
+                <a:solidFill>
+                  <a:srgbClr val="00B0F0"/>
+                </a:solidFill>
+              </a:rPr>
+              <a:t> DESC;</a:t>
+            </a:r>
+          </a:p>
+        </p:txBody>
+      </p:sp>
+      <p:sp>
+        <p:nvSpPr>
+          <p:cNvPr id="4" name="Rectangle 1">
+            <a:extLst>
+              <a:ext uri="{FF2B5EF4-FFF2-40B4-BE49-F238E27FC236}">
+                <a16:creationId xmlns:a16="http://schemas.microsoft.com/office/drawing/2014/main" id="{789D1FCC-A804-5BC3-9546-0246F154B8F0}"/>
+              </a:ext>
+            </a:extLst>
+          </p:cNvPr>
+          <p:cNvSpPr>
+            <a:spLocks noGrp="1" noChangeArrowheads="1"/>
+          </p:cNvSpPr>
+          <p:nvPr>
+            <p:ph type="title"/>
+          </p:nvPr>
+        </p:nvSpPr>
+        <p:spPr bwMode="auto">
+          <a:xfrm>
+            <a:off x="581192" y="796781"/>
+            <a:ext cx="7902933" cy="523220"/>
+          </a:xfrm>
+          <a:prstGeom prst="rect">
+            <a:avLst/>
+          </a:prstGeom>
+          <a:noFill/>
+          <a:ln>
+            <a:noFill/>
+          </a:ln>
+          <a:effectLst/>
+          <a:extLst>
+            <a:ext uri="{909E8E84-426E-40DD-AFC4-6F175D3DCCD1}">
+              <a14:hiddenFill xmlns:a14="http://schemas.microsoft.com/office/drawing/2010/main">
+                <a:solidFill>
+                  <a:schemeClr val="accent1"/>
+                </a:solidFill>
+              </a14:hiddenFill>
+            </a:ext>
+            <a:ext uri="{91240B29-F687-4F45-9708-019B960494DF}">
+              <a14:hiddenLine xmlns:a14="http://schemas.microsoft.com/office/drawing/2010/main" w="9525">
+                <a:solidFill>
+                  <a:schemeClr val="tx1"/>
+                </a:solidFill>
+                <a:miter lim="800000"/>
+                <a:headEnd/>
+                <a:tailEnd/>
+              </a14:hiddenLine>
+            </a:ext>
+            <a:ext uri="{AF507438-7753-43E0-B8FC-AC1667EBCBE1}">
+              <a14:hiddenEffects xmlns:a14="http://schemas.microsoft.com/office/drawing/2010/main">
+                <a:effectLst>
+                  <a:outerShdw dist="35921" dir="2700000" algn="ctr" rotWithShape="0">
+                    <a:schemeClr val="bg2"/>
+                  </a:outerShdw>
+                </a:effectLst>
+              </a14:hiddenEffects>
+            </a:ext>
+          </a:extLst>
+        </p:spPr>
+        <p:txBody>
+          <a:bodyPr vert="horz" wrap="none" lIns="91440" tIns="45720" rIns="91440" bIns="45720" numCol="1" anchor="ctr" anchorCtr="0" compatLnSpc="1">
+            <a:prstTxWarp prst="textNoShape">
+              <a:avLst/>
+            </a:prstTxWarp>
+            <a:spAutoFit/>
+          </a:bodyPr>
+          <a:lstStyle/>
+          <a:p>
+            <a:pPr marL="0" marR="0" lvl="0" indent="0" algn="l" defTabSz="914400" rtl="0" eaLnBrk="0" fontAlgn="base" latinLnBrk="0" hangingPunct="0">
+              <a:lnSpc>
+                <a:spcPct val="100000"/>
+              </a:lnSpc>
+              <a:spcBef>
+                <a:spcPct val="0"/>
+              </a:spcBef>
+              <a:spcAft>
+                <a:spcPct val="0"/>
+              </a:spcAft>
+              <a:buClrTx/>
+              <a:buSzTx/>
+              <a:buFontTx/>
+              <a:buNone/>
+              <a:tabLst/>
+            </a:pPr>
+            <a:r>
+              <a:rPr lang="en-US" altLang="en-US" dirty="0"/>
+              <a:t>Calculate the Total Population by State (</a:t>
+            </a:r>
+            <a:r>
+              <a:rPr lang="en-US" altLang="en-US" dirty="0">
+                <a:solidFill>
+                  <a:srgbClr val="00B0F0"/>
+                </a:solidFill>
+              </a:rPr>
+              <a:t>SUM</a:t>
+            </a:r>
+            <a:r>
+              <a:rPr lang="en-US" altLang="en-US" dirty="0"/>
+              <a:t>) </a:t>
+            </a:r>
+          </a:p>
+        </p:txBody>
+      </p:sp>
+      <p:sp>
+        <p:nvSpPr>
+          <p:cNvPr id="5" name="TextBox 4">
+            <a:extLst>
+              <a:ext uri="{FF2B5EF4-FFF2-40B4-BE49-F238E27FC236}">
+                <a16:creationId xmlns:a16="http://schemas.microsoft.com/office/drawing/2014/main" id="{DB35BD7B-61A9-548B-1B2C-12B72448E76F}"/>
+              </a:ext>
+            </a:extLst>
+          </p:cNvPr>
+          <p:cNvSpPr txBox="1"/>
+          <p:nvPr/>
+        </p:nvSpPr>
+        <p:spPr>
+          <a:xfrm>
+            <a:off x="942975" y="1676400"/>
+            <a:ext cx="5638800" cy="461665"/>
+          </a:xfrm>
+          <a:prstGeom prst="rect">
+            <a:avLst/>
+          </a:prstGeom>
+          <a:noFill/>
+        </p:spPr>
+        <p:txBody>
+          <a:bodyPr wrap="square" rtlCol="0">
+            <a:spAutoFit/>
+          </a:bodyPr>
+          <a:lstStyle/>
+          <a:p>
+            <a:r>
+              <a:rPr lang="en-US" sz="2400" dirty="0"/>
+              <a:t>Find the total population for each state.</a:t>
+            </a:r>
+          </a:p>
+        </p:txBody>
+      </p:sp>
+    </p:spTree>
+    <p:extLst>
+      <p:ext uri="{BB962C8B-B14F-4D97-AF65-F5344CB8AC3E}">
+        <p14:creationId xmlns:p14="http://schemas.microsoft.com/office/powerpoint/2010/main" val="3542310058"/>
+      </p:ext>
+    </p:extLst>
+  </p:cSld>
+  <p:clrMapOvr>
+    <a:masterClrMapping/>
+  </p:clrMapOvr>
+</p:sld>
+</file>
+
+<file path=ppt/slides/slide36.xml><?xml version="1.0" encoding="utf-8"?>
+<p:sld xmlns:a="http://schemas.openxmlformats.org/drawingml/2006/main" xmlns:r="http://schemas.openxmlformats.org/officeDocument/2006/relationships" xmlns:p="http://schemas.openxmlformats.org/presentationml/2006/main">
+  <p:cSld>
+    <p:spTree>
+      <p:nvGrpSpPr>
+        <p:cNvPr id="1" name=""/>
+        <p:cNvGrpSpPr/>
+        <p:nvPr/>
+      </p:nvGrpSpPr>
+      <p:grpSpPr>
+        <a:xfrm>
+          <a:off x="0" y="0"/>
+          <a:ext cx="0" cy="0"/>
+          <a:chOff x="0" y="0"/>
+          <a:chExt cx="0" cy="0"/>
+        </a:xfrm>
+      </p:grpSpPr>
+      <p:sp>
+        <p:nvSpPr>
+          <p:cNvPr id="3" name="Content Placeholder 2">
+            <a:extLst>
+              <a:ext uri="{FF2B5EF4-FFF2-40B4-BE49-F238E27FC236}">
+                <a16:creationId xmlns:a16="http://schemas.microsoft.com/office/drawing/2014/main" id="{1D975AF7-DF9A-351B-4E73-17442ADC18C4}"/>
+              </a:ext>
+            </a:extLst>
+          </p:cNvPr>
+          <p:cNvSpPr>
+            <a:spLocks noGrp="1"/>
+          </p:cNvSpPr>
+          <p:nvPr>
+            <p:ph idx="1"/>
+          </p:nvPr>
+        </p:nvSpPr>
+        <p:spPr>
+          <a:xfrm>
+            <a:off x="1438274" y="2131314"/>
+            <a:ext cx="9115425" cy="3634486"/>
+          </a:xfrm>
+        </p:spPr>
+        <p:txBody>
+          <a:bodyPr>
+            <a:normAutofit fontScale="92500" lnSpcReduction="10000"/>
+          </a:bodyPr>
+          <a:lstStyle/>
+          <a:p>
+            <a:pPr marL="0" indent="0">
+              <a:buNone/>
+            </a:pPr>
+            <a:r>
+              <a:rPr lang="en-US" dirty="0">
+                <a:solidFill>
+                  <a:srgbClr val="00B0F0"/>
+                </a:solidFill>
+              </a:rPr>
+              <a:t>SELECT</a:t>
+            </a:r>
+          </a:p>
+          <a:p>
+            <a:pPr marL="0" indent="0">
+              <a:buNone/>
+            </a:pPr>
+            <a:r>
+              <a:rPr lang="en-US" dirty="0">
+                <a:solidFill>
+                  <a:srgbClr val="00B0F0"/>
+                </a:solidFill>
+              </a:rPr>
+              <a:t>  </a:t>
+            </a:r>
+            <a:r>
+              <a:rPr lang="en-US" dirty="0" err="1">
+                <a:solidFill>
+                  <a:srgbClr val="00B0F0"/>
+                </a:solidFill>
+              </a:rPr>
+              <a:t>stusab,statea</a:t>
+            </a:r>
+            <a:r>
+              <a:rPr lang="en-US" dirty="0">
+                <a:solidFill>
+                  <a:srgbClr val="00B0F0"/>
+                </a:solidFill>
+              </a:rPr>
+              <a:t>,</a:t>
+            </a:r>
+          </a:p>
+          <a:p>
+            <a:pPr marL="0" indent="0">
+              <a:buNone/>
+            </a:pPr>
+            <a:r>
+              <a:rPr lang="en-US" dirty="0">
+                <a:solidFill>
+                  <a:srgbClr val="00B0F0"/>
+                </a:solidFill>
+              </a:rPr>
+              <a:t>  100.0 * Sum(</a:t>
+            </a:r>
+            <a:r>
+              <a:rPr lang="en-US" dirty="0" err="1">
+                <a:solidFill>
+                  <a:srgbClr val="00B0F0"/>
+                </a:solidFill>
+              </a:rPr>
+              <a:t>white_pop</a:t>
+            </a:r>
+            <a:r>
+              <a:rPr lang="en-US" dirty="0">
+                <a:solidFill>
+                  <a:srgbClr val="00B0F0"/>
+                </a:solidFill>
+              </a:rPr>
+              <a:t>)/Sum(</a:t>
+            </a:r>
+            <a:r>
+              <a:rPr lang="en-US" dirty="0" err="1">
+                <a:solidFill>
+                  <a:srgbClr val="00B0F0"/>
+                </a:solidFill>
+              </a:rPr>
+              <a:t>total_pop</a:t>
+            </a:r>
+            <a:r>
+              <a:rPr lang="en-US" dirty="0">
+                <a:solidFill>
+                  <a:srgbClr val="00B0F0"/>
+                </a:solidFill>
+              </a:rPr>
+              <a:t>) AS </a:t>
+            </a:r>
+            <a:r>
+              <a:rPr lang="en-US" dirty="0" err="1">
+                <a:solidFill>
+                  <a:srgbClr val="00B0F0"/>
+                </a:solidFill>
+              </a:rPr>
+              <a:t>white_pct</a:t>
+            </a:r>
+            <a:endParaRPr lang="en-US" dirty="0">
+              <a:solidFill>
+                <a:srgbClr val="00B0F0"/>
+              </a:solidFill>
+            </a:endParaRPr>
+          </a:p>
+          <a:p>
+            <a:pPr marL="0" indent="0">
+              <a:buNone/>
+            </a:pPr>
+            <a:r>
+              <a:rPr lang="en-US" dirty="0">
+                <a:solidFill>
+                  <a:srgbClr val="00B0F0"/>
+                </a:solidFill>
+              </a:rPr>
+              <a:t>FROM ch04.us_attribute</a:t>
+            </a:r>
+          </a:p>
+          <a:p>
+            <a:pPr marL="0" indent="0">
+              <a:buNone/>
+            </a:pPr>
+            <a:r>
+              <a:rPr lang="en-US" dirty="0">
+                <a:solidFill>
+                  <a:srgbClr val="00B0F0"/>
+                </a:solidFill>
+              </a:rPr>
+              <a:t>GROUP BY </a:t>
+            </a:r>
+            <a:r>
+              <a:rPr lang="en-US" dirty="0" err="1">
+                <a:solidFill>
+                  <a:srgbClr val="00B0F0"/>
+                </a:solidFill>
+              </a:rPr>
+              <a:t>statea,stusab</a:t>
+            </a:r>
+            <a:endParaRPr lang="en-US" dirty="0">
+              <a:solidFill>
+                <a:srgbClr val="00B0F0"/>
+              </a:solidFill>
+            </a:endParaRPr>
+          </a:p>
+          <a:p>
+            <a:pPr marL="0" indent="0">
+              <a:buNone/>
+            </a:pPr>
+            <a:r>
+              <a:rPr lang="en-US" dirty="0">
+                <a:solidFill>
+                  <a:srgbClr val="00B0F0"/>
+                </a:solidFill>
+              </a:rPr>
+              <a:t>ORDER BY </a:t>
+            </a:r>
+            <a:r>
+              <a:rPr lang="en-US" dirty="0" err="1">
+                <a:solidFill>
+                  <a:srgbClr val="00B0F0"/>
+                </a:solidFill>
+              </a:rPr>
+              <a:t>white_pct</a:t>
+            </a:r>
+            <a:r>
+              <a:rPr lang="en-US" dirty="0">
+                <a:solidFill>
+                  <a:srgbClr val="00B0F0"/>
+                </a:solidFill>
+              </a:rPr>
+              <a:t> DESC;</a:t>
+            </a:r>
+          </a:p>
+          <a:p>
+            <a:pPr marL="0" indent="0">
+              <a:buNone/>
+            </a:pPr>
+            <a:endParaRPr lang="en-US" dirty="0">
+              <a:solidFill>
+                <a:srgbClr val="00B0F0"/>
+              </a:solidFill>
+            </a:endParaRPr>
+          </a:p>
+          <a:p>
+            <a:pPr marL="0" indent="0">
+              <a:buNone/>
+            </a:pPr>
+            <a:r>
+              <a:rPr lang="en-US" b="1" dirty="0">
+                <a:solidFill>
+                  <a:schemeClr val="tx1"/>
+                </a:solidFill>
+              </a:rPr>
+              <a:t>Exercise: </a:t>
+            </a:r>
+          </a:p>
+          <a:p>
+            <a:pPr marL="0" indent="0">
+              <a:buNone/>
+            </a:pPr>
+            <a:r>
+              <a:rPr lang="en-US" dirty="0">
+                <a:solidFill>
+                  <a:schemeClr val="tx1"/>
+                </a:solidFill>
+              </a:rPr>
+              <a:t>Calculate the proportion of people with both an associate and a master’s degree as a percentage of the total population,  and sort the results in descending order.</a:t>
+            </a:r>
+          </a:p>
+        </p:txBody>
+      </p:sp>
+      <p:sp>
+        <p:nvSpPr>
+          <p:cNvPr id="4" name="TextBox 3">
+            <a:extLst>
+              <a:ext uri="{FF2B5EF4-FFF2-40B4-BE49-F238E27FC236}">
+                <a16:creationId xmlns:a16="http://schemas.microsoft.com/office/drawing/2014/main" id="{E6B36FC6-7BEC-7ACC-069F-89F9AF59D292}"/>
+              </a:ext>
+            </a:extLst>
+          </p:cNvPr>
+          <p:cNvSpPr txBox="1"/>
+          <p:nvPr/>
+        </p:nvSpPr>
+        <p:spPr>
+          <a:xfrm>
+            <a:off x="581192" y="964167"/>
+            <a:ext cx="9391651" cy="461665"/>
+          </a:xfrm>
+          <a:prstGeom prst="rect">
+            <a:avLst/>
+          </a:prstGeom>
+          <a:noFill/>
+        </p:spPr>
+        <p:txBody>
+          <a:bodyPr wrap="square" rtlCol="0">
+            <a:spAutoFit/>
+          </a:bodyPr>
+          <a:lstStyle/>
+          <a:p>
+            <a:r>
+              <a:rPr lang="en-US" sz="2400" dirty="0"/>
+              <a:t>For each census tract, what percentage of the population is white?</a:t>
+            </a:r>
+          </a:p>
+        </p:txBody>
+      </p:sp>
+    </p:spTree>
+    <p:extLst>
+      <p:ext uri="{BB962C8B-B14F-4D97-AF65-F5344CB8AC3E}">
+        <p14:creationId xmlns:p14="http://schemas.microsoft.com/office/powerpoint/2010/main" val="1866250544"/>
+      </p:ext>
+    </p:extLst>
+  </p:cSld>
+  <p:clrMapOvr>
+    <a:masterClrMapping/>
+  </p:clrMapOvr>
+</p:sld>
+</file>
+
+<file path=ppt/slides/slide37.xml><?xml version="1.0" encoding="utf-8"?>
+<p:sld xmlns:a="http://schemas.openxmlformats.org/drawingml/2006/main" xmlns:r="http://schemas.openxmlformats.org/officeDocument/2006/relationships" xmlns:p="http://schemas.openxmlformats.org/presentationml/2006/main">
+  <p:cSld>
+    <p:spTree>
+      <p:nvGrpSpPr>
+        <p:cNvPr id="1" name=""/>
+        <p:cNvGrpSpPr/>
+        <p:nvPr/>
+      </p:nvGrpSpPr>
+      <p:grpSpPr>
+        <a:xfrm>
+          <a:off x="0" y="0"/>
+          <a:ext cx="0" cy="0"/>
+          <a:chOff x="0" y="0"/>
+          <a:chExt cx="0" cy="0"/>
+        </a:xfrm>
+      </p:grpSpPr>
+      <p:sp>
+        <p:nvSpPr>
+          <p:cNvPr id="3" name="Content Placeholder 2">
+            <a:extLst>
+              <a:ext uri="{FF2B5EF4-FFF2-40B4-BE49-F238E27FC236}">
+                <a16:creationId xmlns:a16="http://schemas.microsoft.com/office/drawing/2014/main" id="{F14CD246-54A0-4524-96B8-FB4A92E0CE2D}"/>
+              </a:ext>
+            </a:extLst>
+          </p:cNvPr>
+          <p:cNvSpPr>
+            <a:spLocks noGrp="1"/>
+          </p:cNvSpPr>
+          <p:nvPr>
+            <p:ph idx="1"/>
+          </p:nvPr>
+        </p:nvSpPr>
+        <p:spPr>
+          <a:xfrm>
+            <a:off x="3857792" y="2340865"/>
+            <a:ext cx="5029033" cy="2021586"/>
+          </a:xfrm>
+        </p:spPr>
+        <p:txBody>
+          <a:bodyPr/>
+          <a:lstStyle/>
+          <a:p>
+            <a:pPr marL="0" indent="0">
+              <a:buNone/>
+            </a:pPr>
+            <a:r>
+              <a:rPr lang="en-US" dirty="0">
+                <a:solidFill>
+                  <a:srgbClr val="00B0F0"/>
+                </a:solidFill>
+              </a:rPr>
+              <a:t>SELECT </a:t>
+            </a:r>
+            <a:r>
+              <a:rPr lang="en-US" dirty="0" err="1">
+                <a:solidFill>
+                  <a:srgbClr val="00B0F0"/>
+                </a:solidFill>
+              </a:rPr>
+              <a:t>stusab</a:t>
+            </a:r>
+            <a:r>
+              <a:rPr lang="en-US" dirty="0">
+                <a:solidFill>
+                  <a:srgbClr val="00B0F0"/>
+                </a:solidFill>
+              </a:rPr>
+              <a:t>, AVG(</a:t>
+            </a:r>
+            <a:r>
+              <a:rPr lang="en-US" dirty="0" err="1">
+                <a:solidFill>
+                  <a:srgbClr val="00B0F0"/>
+                </a:solidFill>
+              </a:rPr>
+              <a:t>total_pop</a:t>
+            </a:r>
+            <a:r>
+              <a:rPr lang="en-US" dirty="0">
+                <a:solidFill>
+                  <a:srgbClr val="00B0F0"/>
+                </a:solidFill>
+              </a:rPr>
+              <a:t>) AS </a:t>
+            </a:r>
+            <a:r>
+              <a:rPr lang="en-US" dirty="0" err="1">
+                <a:solidFill>
+                  <a:srgbClr val="00B0F0"/>
+                </a:solidFill>
+              </a:rPr>
+              <a:t>avg_population</a:t>
+            </a:r>
+            <a:r>
+              <a:rPr lang="en-US" dirty="0">
+                <a:solidFill>
+                  <a:srgbClr val="00B0F0"/>
+                </a:solidFill>
+              </a:rPr>
+              <a:t> </a:t>
+            </a:r>
+          </a:p>
+          <a:p>
+            <a:pPr marL="0" indent="0">
+              <a:buNone/>
+            </a:pPr>
+            <a:r>
+              <a:rPr lang="en-US" dirty="0">
+                <a:solidFill>
+                  <a:srgbClr val="00B0F0"/>
+                </a:solidFill>
+              </a:rPr>
+              <a:t>FROM ch04.us_attribute </a:t>
+            </a:r>
+          </a:p>
+          <a:p>
+            <a:pPr marL="0" indent="0">
+              <a:buNone/>
+            </a:pPr>
+            <a:r>
+              <a:rPr lang="en-US" dirty="0">
+                <a:solidFill>
+                  <a:srgbClr val="00B0F0"/>
+                </a:solidFill>
+              </a:rPr>
+              <a:t>GROUP BY </a:t>
+            </a:r>
+            <a:r>
+              <a:rPr lang="en-US" dirty="0" err="1">
+                <a:solidFill>
+                  <a:srgbClr val="00B0F0"/>
+                </a:solidFill>
+              </a:rPr>
+              <a:t>stusab</a:t>
+            </a:r>
+            <a:r>
+              <a:rPr lang="en-US" dirty="0">
+                <a:solidFill>
+                  <a:srgbClr val="00B0F0"/>
+                </a:solidFill>
+              </a:rPr>
+              <a:t> </a:t>
+            </a:r>
+          </a:p>
+          <a:p>
+            <a:pPr marL="0" indent="0">
+              <a:buNone/>
+            </a:pPr>
+            <a:r>
+              <a:rPr lang="en-US" dirty="0">
+                <a:solidFill>
+                  <a:srgbClr val="00B0F0"/>
+                </a:solidFill>
+              </a:rPr>
+              <a:t>ORDER BY </a:t>
+            </a:r>
+            <a:r>
+              <a:rPr lang="en-US" dirty="0" err="1">
+                <a:solidFill>
+                  <a:srgbClr val="00B0F0"/>
+                </a:solidFill>
+              </a:rPr>
+              <a:t>avg_population</a:t>
+            </a:r>
+            <a:r>
+              <a:rPr lang="en-US" dirty="0">
+                <a:solidFill>
+                  <a:srgbClr val="00B0F0"/>
+                </a:solidFill>
+              </a:rPr>
+              <a:t> DESC;</a:t>
+            </a:r>
+          </a:p>
+        </p:txBody>
+      </p:sp>
+      <p:sp>
+        <p:nvSpPr>
+          <p:cNvPr id="4" name="Rectangle 1">
+            <a:extLst>
+              <a:ext uri="{FF2B5EF4-FFF2-40B4-BE49-F238E27FC236}">
+                <a16:creationId xmlns:a16="http://schemas.microsoft.com/office/drawing/2014/main" id="{43C5C95E-714C-9C62-EC89-FD33BEE41419}"/>
+              </a:ext>
+            </a:extLst>
+          </p:cNvPr>
+          <p:cNvSpPr>
+            <a:spLocks noGrp="1" noChangeArrowheads="1"/>
+          </p:cNvSpPr>
+          <p:nvPr>
+            <p:ph type="title"/>
+          </p:nvPr>
+        </p:nvSpPr>
+        <p:spPr bwMode="auto">
+          <a:xfrm>
+            <a:off x="581192" y="749156"/>
+            <a:ext cx="8045023" cy="523220"/>
+          </a:xfrm>
+          <a:prstGeom prst="rect">
+            <a:avLst/>
+          </a:prstGeom>
+          <a:noFill/>
+          <a:ln>
+            <a:noFill/>
+          </a:ln>
+          <a:effectLst/>
+          <a:extLst>
+            <a:ext uri="{909E8E84-426E-40DD-AFC4-6F175D3DCCD1}">
+              <a14:hiddenFill xmlns:a14="http://schemas.microsoft.com/office/drawing/2010/main">
+                <a:solidFill>
+                  <a:schemeClr val="accent1"/>
+                </a:solidFill>
+              </a14:hiddenFill>
+            </a:ext>
+            <a:ext uri="{91240B29-F687-4F45-9708-019B960494DF}">
+              <a14:hiddenLine xmlns:a14="http://schemas.microsoft.com/office/drawing/2010/main" w="9525">
+                <a:solidFill>
+                  <a:schemeClr val="tx1"/>
+                </a:solidFill>
+                <a:miter lim="800000"/>
+                <a:headEnd/>
+                <a:tailEnd/>
+              </a14:hiddenLine>
+            </a:ext>
+            <a:ext uri="{AF507438-7753-43E0-B8FC-AC1667EBCBE1}">
+              <a14:hiddenEffects xmlns:a14="http://schemas.microsoft.com/office/drawing/2010/main">
+                <a:effectLst>
+                  <a:outerShdw dist="35921" dir="2700000" algn="ctr" rotWithShape="0">
+                    <a:schemeClr val="bg2"/>
+                  </a:outerShdw>
+                </a:effectLst>
+              </a14:hiddenEffects>
+            </a:ext>
+          </a:extLst>
+        </p:spPr>
+        <p:txBody>
+          <a:bodyPr vert="horz" wrap="none" lIns="91440" tIns="45720" rIns="91440" bIns="45720" numCol="1" anchor="ctr" anchorCtr="0" compatLnSpc="1">
+            <a:prstTxWarp prst="textNoShape">
+              <a:avLst/>
+            </a:prstTxWarp>
+            <a:spAutoFit/>
+          </a:bodyPr>
+          <a:lstStyle/>
+          <a:p>
+            <a:pPr marL="0" marR="0" lvl="0" indent="0" algn="l" defTabSz="914400" rtl="0" eaLnBrk="0" fontAlgn="base" latinLnBrk="0" hangingPunct="0">
+              <a:lnSpc>
+                <a:spcPct val="100000"/>
+              </a:lnSpc>
+              <a:spcBef>
+                <a:spcPct val="0"/>
+              </a:spcBef>
+              <a:spcAft>
+                <a:spcPct val="0"/>
+              </a:spcAft>
+              <a:buClrTx/>
+              <a:buSzTx/>
+              <a:buFontTx/>
+              <a:buNone/>
+              <a:tabLst/>
+            </a:pPr>
+            <a:r>
+              <a:rPr lang="en-US" altLang="en-US" dirty="0"/>
+              <a:t>Find the Average Population of Counties (</a:t>
+            </a:r>
+            <a:r>
+              <a:rPr lang="en-US" altLang="en-US" dirty="0">
+                <a:solidFill>
+                  <a:srgbClr val="00B0F0"/>
+                </a:solidFill>
+              </a:rPr>
+              <a:t>AVG</a:t>
+            </a:r>
+            <a:r>
+              <a:rPr lang="en-US" altLang="en-US" dirty="0"/>
+              <a:t>) </a:t>
+            </a:r>
+          </a:p>
+        </p:txBody>
+      </p:sp>
+      <p:sp>
+        <p:nvSpPr>
+          <p:cNvPr id="5" name="TextBox 4">
+            <a:extLst>
+              <a:ext uri="{FF2B5EF4-FFF2-40B4-BE49-F238E27FC236}">
+                <a16:creationId xmlns:a16="http://schemas.microsoft.com/office/drawing/2014/main" id="{7A1DA462-320B-23AF-667F-9EFDF0C6A37B}"/>
+              </a:ext>
+            </a:extLst>
+          </p:cNvPr>
+          <p:cNvSpPr txBox="1"/>
+          <p:nvPr/>
+        </p:nvSpPr>
+        <p:spPr>
+          <a:xfrm>
+            <a:off x="857250" y="1504807"/>
+            <a:ext cx="8115300" cy="461665"/>
+          </a:xfrm>
+          <a:prstGeom prst="rect">
+            <a:avLst/>
+          </a:prstGeom>
+          <a:noFill/>
+        </p:spPr>
+        <p:txBody>
+          <a:bodyPr wrap="square" rtlCol="0">
+            <a:spAutoFit/>
+          </a:bodyPr>
+          <a:lstStyle/>
+          <a:p>
+            <a:r>
+              <a:rPr lang="en-US" sz="2400" dirty="0"/>
+              <a:t>Calculate the average population of all counties in each state.</a:t>
+            </a:r>
+          </a:p>
+        </p:txBody>
+      </p:sp>
+    </p:spTree>
+    <p:extLst>
+      <p:ext uri="{BB962C8B-B14F-4D97-AF65-F5344CB8AC3E}">
+        <p14:creationId xmlns:p14="http://schemas.microsoft.com/office/powerpoint/2010/main" val="1265915930"/>
+      </p:ext>
+    </p:extLst>
+  </p:cSld>
+  <p:clrMapOvr>
+    <a:masterClrMapping/>
+  </p:clrMapOvr>
+</p:sld>
+</file>
+
+<file path=ppt/slides/slide38.xml><?xml version="1.0" encoding="utf-8"?>
+<p:sld xmlns:a="http://schemas.openxmlformats.org/drawingml/2006/main" xmlns:r="http://schemas.openxmlformats.org/officeDocument/2006/relationships" xmlns:p="http://schemas.openxmlformats.org/presentationml/2006/main">
+  <p:cSld>
+    <p:spTree>
+      <p:nvGrpSpPr>
+        <p:cNvPr id="1" name=""/>
+        <p:cNvGrpSpPr/>
+        <p:nvPr/>
+      </p:nvGrpSpPr>
+      <p:grpSpPr>
+        <a:xfrm>
+          <a:off x="0" y="0"/>
+          <a:ext cx="0" cy="0"/>
+          <a:chOff x="0" y="0"/>
+          <a:chExt cx="0" cy="0"/>
+        </a:xfrm>
+      </p:grpSpPr>
+      <p:sp>
+        <p:nvSpPr>
+          <p:cNvPr id="2" name="Title 1">
+            <a:extLst>
+              <a:ext uri="{FF2B5EF4-FFF2-40B4-BE49-F238E27FC236}">
+                <a16:creationId xmlns:a16="http://schemas.microsoft.com/office/drawing/2014/main" id="{D3F31ABE-5AA3-7CB7-F872-5AAAD59113D5}"/>
               </a:ext>
             </a:extLst>
           </p:cNvPr>
@@ -14221,8 +16120,8 @@
         </p:nvSpPr>
         <p:spPr>
           <a:xfrm>
-            <a:off x="581025" y="701675"/>
-            <a:ext cx="11029950" cy="669925"/>
+            <a:off x="581192" y="702156"/>
+            <a:ext cx="11029616" cy="650394"/>
           </a:xfrm>
         </p:spPr>
         <p:txBody>
@@ -14241,23 +16140,207 @@
                   <a:srgbClr val="00B0F0"/>
                 </a:solidFill>
               </a:rPr>
-              <a:t>in </a:t>
-            </a:r>
-            <a:r>
-              <a:rPr lang="en-US" dirty="0">
+              <a:t>like</a:t>
+            </a:r>
+          </a:p>
+        </p:txBody>
+      </p:sp>
+      <p:sp>
+        <p:nvSpPr>
+          <p:cNvPr id="3" name="Content Placeholder 2">
+            <a:extLst>
+              <a:ext uri="{FF2B5EF4-FFF2-40B4-BE49-F238E27FC236}">
+                <a16:creationId xmlns:a16="http://schemas.microsoft.com/office/drawing/2014/main" id="{1BD7DBBC-C2AD-AAE9-FDA8-0216703C1B3B}"/>
+              </a:ext>
+            </a:extLst>
+          </p:cNvPr>
+          <p:cNvSpPr>
+            <a:spLocks noGrp="1"/>
+          </p:cNvSpPr>
+          <p:nvPr>
+            <p:ph idx="1"/>
+          </p:nvPr>
+        </p:nvSpPr>
+        <p:spPr>
+          <a:xfrm>
+            <a:off x="1428751" y="1984819"/>
+            <a:ext cx="8743950" cy="3253931"/>
+          </a:xfrm>
+        </p:spPr>
+        <p:txBody>
+          <a:bodyPr>
+            <a:normAutofit/>
+          </a:bodyPr>
+          <a:lstStyle/>
+          <a:p>
+            <a:pPr marL="0" indent="0">
+              <a:buNone/>
+            </a:pPr>
+            <a:r>
+              <a:rPr lang="en-US" sz="2400" dirty="0">
+                <a:solidFill>
+                  <a:srgbClr val="00B0F0"/>
+                </a:solidFill>
+              </a:rPr>
+              <a:t>SELECT </a:t>
+            </a:r>
+            <a:r>
+              <a:rPr lang="en-US" sz="2400" dirty="0" err="1">
+                <a:solidFill>
+                  <a:srgbClr val="00B0F0"/>
+                </a:solidFill>
+              </a:rPr>
+              <a:t>stusab</a:t>
+            </a:r>
+            <a:r>
+              <a:rPr lang="en-US" sz="2400" dirty="0">
+                <a:solidFill>
+                  <a:srgbClr val="00B0F0"/>
+                </a:solidFill>
+              </a:rPr>
+              <a:t>, </a:t>
+            </a:r>
+            <a:r>
+              <a:rPr lang="en-US" sz="2400" dirty="0" err="1">
+                <a:solidFill>
+                  <a:srgbClr val="00B0F0"/>
+                </a:solidFill>
+              </a:rPr>
+              <a:t>statea</a:t>
+            </a:r>
+            <a:r>
+              <a:rPr lang="en-US" sz="2400" dirty="0">
+                <a:solidFill>
+                  <a:srgbClr val="00B0F0"/>
+                </a:solidFill>
+              </a:rPr>
+              <a:t> </a:t>
+            </a:r>
+          </a:p>
+          <a:p>
+            <a:pPr marL="0" indent="0">
+              <a:buNone/>
+            </a:pPr>
+            <a:r>
+              <a:rPr lang="en-US" sz="2400" dirty="0">
+                <a:solidFill>
+                  <a:srgbClr val="00B0F0"/>
+                </a:solidFill>
+              </a:rPr>
+              <a:t>FROM ch04.us_attribute </a:t>
+            </a:r>
+          </a:p>
+          <a:p>
+            <a:pPr marL="0" indent="0">
+              <a:buNone/>
+            </a:pPr>
+            <a:r>
+              <a:rPr lang="en-US" sz="2400" dirty="0">
+                <a:solidFill>
+                  <a:srgbClr val="00B0F0"/>
+                </a:solidFill>
+              </a:rPr>
+              <a:t>WHERE </a:t>
+            </a:r>
+            <a:r>
+              <a:rPr lang="en-US" sz="2400" dirty="0" err="1">
+                <a:solidFill>
+                  <a:srgbClr val="00B0F0"/>
+                </a:solidFill>
+              </a:rPr>
+              <a:t>stusab</a:t>
+            </a:r>
+            <a:r>
+              <a:rPr lang="en-US" sz="2400" dirty="0">
+                <a:solidFill>
+                  <a:srgbClr val="00B0F0"/>
+                </a:solidFill>
+              </a:rPr>
+              <a:t> LIKE 'Mass%’;</a:t>
+            </a:r>
+          </a:p>
+          <a:p>
+            <a:pPr marL="0" indent="0">
+              <a:buNone/>
+            </a:pPr>
+            <a:endParaRPr lang="en-US" sz="2400" dirty="0">
+              <a:solidFill>
+                <a:srgbClr val="00B0F0"/>
+              </a:solidFill>
+            </a:endParaRPr>
+          </a:p>
+          <a:p>
+            <a:pPr marL="0" indent="0">
+              <a:buNone/>
+            </a:pPr>
+            <a:r>
+              <a:rPr lang="en-US" sz="2400" b="1" dirty="0">
                 <a:solidFill>
                   <a:schemeClr val="tx1"/>
                 </a:solidFill>
               </a:rPr>
-              <a:t>and</a:t>
-            </a:r>
-            <a:r>
-              <a:rPr lang="en-US" dirty="0">
-                <a:solidFill>
-                  <a:srgbClr val="00B0F0"/>
-                </a:solidFill>
-              </a:rPr>
-              <a:t> between</a:t>
+              <a:t>Exercise: </a:t>
+            </a:r>
+          </a:p>
+          <a:p>
+            <a:pPr marL="0" indent="0">
+              <a:buNone/>
+            </a:pPr>
+            <a:r>
+              <a:rPr lang="en-US" sz="2400" dirty="0">
+                <a:solidFill>
+                  <a:schemeClr val="tx1"/>
+                </a:solidFill>
+              </a:rPr>
+              <a:t>Calculate the </a:t>
+            </a:r>
+            <a:r>
+              <a:rPr lang="en-US" sz="2400" dirty="0" err="1">
+                <a:solidFill>
+                  <a:schemeClr val="tx1"/>
+                </a:solidFill>
+              </a:rPr>
+              <a:t>total_pop</a:t>
+            </a:r>
+            <a:r>
+              <a:rPr lang="en-US" sz="2400" dirty="0">
+                <a:solidFill>
+                  <a:schemeClr val="tx1"/>
+                </a:solidFill>
+              </a:rPr>
+              <a:t> for </a:t>
+            </a:r>
+            <a:r>
+              <a:rPr lang="en-US" sz="2400" dirty="0" err="1">
+                <a:solidFill>
+                  <a:schemeClr val="tx1"/>
+                </a:solidFill>
+              </a:rPr>
+              <a:t>stusab</a:t>
+            </a:r>
+            <a:r>
+              <a:rPr lang="en-US" sz="2400" dirty="0">
+                <a:solidFill>
+                  <a:schemeClr val="tx1"/>
+                </a:solidFill>
+              </a:rPr>
+              <a:t> WHERE </a:t>
+            </a:r>
+            <a:r>
+              <a:rPr lang="en-US" sz="2400" dirty="0" err="1">
+                <a:solidFill>
+                  <a:schemeClr val="tx1"/>
+                </a:solidFill>
+              </a:rPr>
+              <a:t>stusab</a:t>
+            </a:r>
+            <a:r>
+              <a:rPr lang="en-US" sz="2400" dirty="0">
+                <a:solidFill>
+                  <a:schemeClr val="tx1"/>
+                </a:solidFill>
+              </a:rPr>
+              <a:t> start with letter 'A'</a:t>
             </a:r>
           </a:p>
         </p:txBody>
@@ -14265,7 +16348,231 @@
     </p:spTree>
     <p:extLst>
       <p:ext uri="{BB962C8B-B14F-4D97-AF65-F5344CB8AC3E}">
-        <p14:creationId xmlns:p14="http://schemas.microsoft.com/office/powerpoint/2010/main" val="128510268"/>
+        <p14:creationId xmlns:p14="http://schemas.microsoft.com/office/powerpoint/2010/main" val="3737833558"/>
+      </p:ext>
+    </p:extLst>
+  </p:cSld>
+  <p:clrMapOvr>
+    <a:masterClrMapping/>
+  </p:clrMapOvr>
+</p:sld>
+</file>
+
+<file path=ppt/slides/slide39.xml><?xml version="1.0" encoding="utf-8"?>
+<p:sld xmlns:a="http://schemas.openxmlformats.org/drawingml/2006/main" xmlns:r="http://schemas.openxmlformats.org/officeDocument/2006/relationships" xmlns:p="http://schemas.openxmlformats.org/presentationml/2006/main">
+  <p:cSld>
+    <p:spTree>
+      <p:nvGrpSpPr>
+        <p:cNvPr id="1" name=""/>
+        <p:cNvGrpSpPr/>
+        <p:nvPr/>
+      </p:nvGrpSpPr>
+      <p:grpSpPr>
+        <a:xfrm>
+          <a:off x="0" y="0"/>
+          <a:ext cx="0" cy="0"/>
+          <a:chOff x="0" y="0"/>
+          <a:chExt cx="0" cy="0"/>
+        </a:xfrm>
+      </p:grpSpPr>
+      <p:sp>
+        <p:nvSpPr>
+          <p:cNvPr id="3" name="Content Placeholder 2">
+            <a:extLst>
+              <a:ext uri="{FF2B5EF4-FFF2-40B4-BE49-F238E27FC236}">
+                <a16:creationId xmlns:a16="http://schemas.microsoft.com/office/drawing/2014/main" id="{77B05FAE-9CF4-C81C-93C8-594E22A1C870}"/>
+              </a:ext>
+            </a:extLst>
+          </p:cNvPr>
+          <p:cNvSpPr>
+            <a:spLocks noGrp="1"/>
+          </p:cNvSpPr>
+          <p:nvPr>
+            <p:ph idx="1"/>
+          </p:nvPr>
+        </p:nvSpPr>
+        <p:spPr>
+          <a:xfrm>
+            <a:off x="581192" y="2340864"/>
+            <a:ext cx="11029615" cy="1821561"/>
+          </a:xfrm>
+        </p:spPr>
+        <p:txBody>
+          <a:bodyPr/>
+          <a:lstStyle/>
+          <a:p>
+            <a:pPr marL="0" indent="0">
+              <a:buNone/>
+            </a:pPr>
+            <a:r>
+              <a:rPr lang="en-US" b="0" i="0" dirty="0">
+                <a:solidFill>
+                  <a:srgbClr val="00B0F0"/>
+                </a:solidFill>
+                <a:effectLst/>
+                <a:latin typeface="Lora" pitchFamily="2" charset="0"/>
+              </a:rPr>
+              <a:t>LIKE ‘% Mc’</a:t>
+            </a:r>
+          </a:p>
+          <a:p>
+            <a:r>
+              <a:rPr lang="en-US" b="0" i="0" dirty="0">
+                <a:solidFill>
+                  <a:srgbClr val="373D3F"/>
+                </a:solidFill>
+                <a:effectLst/>
+                <a:latin typeface="Lora" pitchFamily="2" charset="0"/>
+              </a:rPr>
+              <a:t>LIKE ‘Mc%’ searches for all records that end with the letters “Mc”</a:t>
+            </a:r>
+          </a:p>
+          <a:p>
+            <a:pPr marL="0" indent="0">
+              <a:buNone/>
+            </a:pPr>
+            <a:r>
+              <a:rPr lang="en-US" dirty="0">
+                <a:solidFill>
+                  <a:srgbClr val="373D3F"/>
+                </a:solidFill>
+                <a:latin typeface="Lora" pitchFamily="2" charset="0"/>
+              </a:rPr>
+              <a:t>LIKE ‘</a:t>
+            </a:r>
+            <a:r>
+              <a:rPr lang="en-US" b="0" i="0" dirty="0">
+                <a:solidFill>
+                  <a:srgbClr val="373D3F"/>
+                </a:solidFill>
+                <a:effectLst/>
+                <a:latin typeface="Lora" pitchFamily="2" charset="0"/>
+              </a:rPr>
+              <a:t>%</a:t>
+            </a:r>
+            <a:r>
+              <a:rPr lang="en-US" b="0" i="0" dirty="0" err="1">
+                <a:solidFill>
+                  <a:srgbClr val="373D3F"/>
+                </a:solidFill>
+                <a:effectLst/>
+                <a:latin typeface="Lora" pitchFamily="2" charset="0"/>
+              </a:rPr>
+              <a:t>en</a:t>
+            </a:r>
+            <a:r>
+              <a:rPr lang="en-US" b="0" i="0" dirty="0">
+                <a:solidFill>
+                  <a:srgbClr val="373D3F"/>
+                </a:solidFill>
+                <a:effectLst/>
+                <a:latin typeface="Lora" pitchFamily="2" charset="0"/>
+              </a:rPr>
+              <a:t>%’ </a:t>
+            </a:r>
+          </a:p>
+          <a:p>
+            <a:r>
+              <a:rPr lang="en-US" b="0" i="0" dirty="0">
+                <a:solidFill>
+                  <a:srgbClr val="373D3F"/>
+                </a:solidFill>
+                <a:effectLst/>
+                <a:latin typeface="Lora" pitchFamily="2" charset="0"/>
+              </a:rPr>
+              <a:t>LIKE ‘%</a:t>
+            </a:r>
+            <a:r>
+              <a:rPr lang="en-US" b="0" i="0" dirty="0" err="1">
+                <a:solidFill>
+                  <a:srgbClr val="373D3F"/>
+                </a:solidFill>
+                <a:effectLst/>
+                <a:latin typeface="Lora" pitchFamily="2" charset="0"/>
+              </a:rPr>
+              <a:t>en</a:t>
+            </a:r>
+            <a:r>
+              <a:rPr lang="en-US" b="0" i="0" dirty="0">
+                <a:solidFill>
+                  <a:srgbClr val="373D3F"/>
+                </a:solidFill>
+                <a:effectLst/>
+                <a:latin typeface="Lora" pitchFamily="2" charset="0"/>
+              </a:rPr>
+              <a:t>%’ searches for all records that have the letters “</a:t>
+            </a:r>
+            <a:r>
+              <a:rPr lang="en-US" b="0" i="0" dirty="0" err="1">
+                <a:solidFill>
+                  <a:srgbClr val="373D3F"/>
+                </a:solidFill>
+                <a:effectLst/>
+                <a:latin typeface="Lora" pitchFamily="2" charset="0"/>
+              </a:rPr>
+              <a:t>en</a:t>
+            </a:r>
+            <a:r>
+              <a:rPr lang="en-US" b="0" i="0" dirty="0">
+                <a:solidFill>
+                  <a:srgbClr val="373D3F"/>
+                </a:solidFill>
+                <a:effectLst/>
+                <a:latin typeface="Lora" pitchFamily="2" charset="0"/>
+              </a:rPr>
+              <a:t>”</a:t>
+            </a:r>
+            <a:endParaRPr lang="en-US" dirty="0"/>
+          </a:p>
+        </p:txBody>
+      </p:sp>
+      <p:sp>
+        <p:nvSpPr>
+          <p:cNvPr id="4" name="Title 1">
+            <a:extLst>
+              <a:ext uri="{FF2B5EF4-FFF2-40B4-BE49-F238E27FC236}">
+                <a16:creationId xmlns:a16="http://schemas.microsoft.com/office/drawing/2014/main" id="{225CFE94-06C9-F81A-6FB9-6D760648C118}"/>
+              </a:ext>
+            </a:extLst>
+          </p:cNvPr>
+          <p:cNvSpPr>
+            <a:spLocks noGrp="1"/>
+          </p:cNvSpPr>
+          <p:nvPr>
+            <p:ph type="title"/>
+          </p:nvPr>
+        </p:nvSpPr>
+        <p:spPr>
+          <a:xfrm>
+            <a:off x="581025" y="701675"/>
+            <a:ext cx="11029950" cy="622300"/>
+          </a:xfrm>
+        </p:spPr>
+        <p:txBody>
+          <a:bodyPr>
+            <a:normAutofit/>
+          </a:bodyPr>
+          <a:lstStyle/>
+          <a:p>
+            <a:r>
+              <a:rPr lang="en-US" dirty="0"/>
+              <a:t>Pattern matching using </a:t>
+            </a:r>
+            <a:r>
+              <a:rPr lang="en-US" dirty="0">
+                <a:solidFill>
+                  <a:srgbClr val="00B0F0"/>
+                </a:solidFill>
+              </a:rPr>
+              <a:t>like</a:t>
+            </a:r>
+          </a:p>
+        </p:txBody>
+      </p:sp>
+    </p:spTree>
+    <p:extLst>
+      <p:ext uri="{BB962C8B-B14F-4D97-AF65-F5344CB8AC3E}">
+        <p14:creationId xmlns:p14="http://schemas.microsoft.com/office/powerpoint/2010/main" val="4023890135"/>
       </p:ext>
     </p:extLst>
   </p:cSld>
@@ -14371,6 +16678,2445 @@
     <p:extLst>
       <p:ext uri="{BB962C8B-B14F-4D97-AF65-F5344CB8AC3E}">
         <p14:creationId xmlns:p14="http://schemas.microsoft.com/office/powerpoint/2010/main" val="1527101426"/>
+      </p:ext>
+    </p:extLst>
+  </p:cSld>
+  <p:clrMapOvr>
+    <a:masterClrMapping/>
+  </p:clrMapOvr>
+</p:sld>
+</file>
+
+<file path=ppt/slides/slide40.xml><?xml version="1.0" encoding="utf-8"?>
+<p:sld xmlns:a="http://schemas.openxmlformats.org/drawingml/2006/main" xmlns:r="http://schemas.openxmlformats.org/officeDocument/2006/relationships" xmlns:p="http://schemas.openxmlformats.org/presentationml/2006/main">
+  <p:cSld>
+    <p:spTree>
+      <p:nvGrpSpPr>
+        <p:cNvPr id="1" name=""/>
+        <p:cNvGrpSpPr/>
+        <p:nvPr/>
+      </p:nvGrpSpPr>
+      <p:grpSpPr>
+        <a:xfrm>
+          <a:off x="0" y="0"/>
+          <a:ext cx="0" cy="0"/>
+          <a:chOff x="0" y="0"/>
+          <a:chExt cx="0" cy="0"/>
+        </a:xfrm>
+      </p:grpSpPr>
+      <p:sp>
+        <p:nvSpPr>
+          <p:cNvPr id="3" name="Content Placeholder 2">
+            <a:extLst>
+              <a:ext uri="{FF2B5EF4-FFF2-40B4-BE49-F238E27FC236}">
+                <a16:creationId xmlns:a16="http://schemas.microsoft.com/office/drawing/2014/main" id="{B6EC85C2-8091-701C-BB27-A126BA8E4FC7}"/>
+              </a:ext>
+            </a:extLst>
+          </p:cNvPr>
+          <p:cNvSpPr>
+            <a:spLocks noGrp="1"/>
+          </p:cNvSpPr>
+          <p:nvPr>
+            <p:ph idx="1"/>
+          </p:nvPr>
+        </p:nvSpPr>
+        <p:spPr>
+          <a:xfrm>
+            <a:off x="3610058" y="1712213"/>
+            <a:ext cx="5105233" cy="3783711"/>
+          </a:xfrm>
+        </p:spPr>
+        <p:txBody>
+          <a:bodyPr>
+            <a:normAutofit/>
+          </a:bodyPr>
+          <a:lstStyle/>
+          <a:p>
+            <a:pPr marL="0" indent="0">
+              <a:buNone/>
+            </a:pPr>
+            <a:r>
+              <a:rPr lang="en-US" dirty="0">
+                <a:solidFill>
+                  <a:srgbClr val="00B0F0"/>
+                </a:solidFill>
+              </a:rPr>
+              <a:t>SELECT </a:t>
+            </a:r>
+            <a:r>
+              <a:rPr lang="en-US" dirty="0" err="1">
+                <a:solidFill>
+                  <a:srgbClr val="00B0F0"/>
+                </a:solidFill>
+              </a:rPr>
+              <a:t>stusab</a:t>
+            </a:r>
+            <a:r>
+              <a:rPr lang="en-US" dirty="0">
+                <a:solidFill>
+                  <a:srgbClr val="00B0F0"/>
+                </a:solidFill>
+              </a:rPr>
+              <a:t>, </a:t>
+            </a:r>
+            <a:r>
+              <a:rPr lang="en-US" dirty="0" err="1">
+                <a:solidFill>
+                  <a:srgbClr val="00B0F0"/>
+                </a:solidFill>
+              </a:rPr>
+              <a:t>statea</a:t>
+            </a:r>
+            <a:r>
+              <a:rPr lang="en-US" dirty="0">
+                <a:solidFill>
+                  <a:srgbClr val="00B0F0"/>
+                </a:solidFill>
+              </a:rPr>
+              <a:t>, </a:t>
+            </a:r>
+            <a:r>
+              <a:rPr lang="en-US" dirty="0" err="1">
+                <a:solidFill>
+                  <a:srgbClr val="00B0F0"/>
+                </a:solidFill>
+              </a:rPr>
+              <a:t>total_pop</a:t>
+            </a:r>
+            <a:r>
+              <a:rPr lang="en-US" dirty="0">
+                <a:solidFill>
+                  <a:srgbClr val="00B0F0"/>
+                </a:solidFill>
+              </a:rPr>
+              <a:t> </a:t>
+            </a:r>
+          </a:p>
+          <a:p>
+            <a:pPr marL="0" indent="0">
+              <a:buNone/>
+            </a:pPr>
+            <a:r>
+              <a:rPr lang="en-US" dirty="0">
+                <a:solidFill>
+                  <a:srgbClr val="00B0F0"/>
+                </a:solidFill>
+              </a:rPr>
+              <a:t>FROM ch04.us_attribute </a:t>
+            </a:r>
+          </a:p>
+          <a:p>
+            <a:pPr marL="0" indent="0">
+              <a:buNone/>
+            </a:pPr>
+            <a:r>
+              <a:rPr lang="en-US" dirty="0">
+                <a:solidFill>
+                  <a:srgbClr val="00B0F0"/>
+                </a:solidFill>
+              </a:rPr>
+              <a:t>WHERE </a:t>
+            </a:r>
+            <a:r>
+              <a:rPr lang="en-US" dirty="0" err="1">
+                <a:solidFill>
+                  <a:srgbClr val="00B0F0"/>
+                </a:solidFill>
+              </a:rPr>
+              <a:t>stusab</a:t>
+            </a:r>
+            <a:r>
+              <a:rPr lang="en-US" dirty="0">
+                <a:solidFill>
+                  <a:srgbClr val="00B0F0"/>
+                </a:solidFill>
+              </a:rPr>
+              <a:t> IN ('Texas',  'Florida’);</a:t>
+            </a:r>
+          </a:p>
+          <a:p>
+            <a:pPr marL="0" indent="0">
+              <a:buNone/>
+            </a:pPr>
+            <a:endParaRPr lang="en-US" dirty="0">
+              <a:solidFill>
+                <a:srgbClr val="00B0F0"/>
+              </a:solidFill>
+            </a:endParaRPr>
+          </a:p>
+          <a:p>
+            <a:pPr marL="0" indent="0">
+              <a:buNone/>
+            </a:pPr>
+            <a:endParaRPr lang="en-US" dirty="0">
+              <a:solidFill>
+                <a:srgbClr val="00B0F0"/>
+              </a:solidFill>
+            </a:endParaRPr>
+          </a:p>
+          <a:p>
+            <a:pPr marL="0" indent="0">
+              <a:buNone/>
+            </a:pPr>
+            <a:r>
+              <a:rPr lang="en-US" dirty="0">
+                <a:solidFill>
+                  <a:srgbClr val="00B0F0"/>
+                </a:solidFill>
+              </a:rPr>
+              <a:t>SELECT </a:t>
+            </a:r>
+            <a:r>
+              <a:rPr lang="en-US" dirty="0" err="1">
+                <a:solidFill>
+                  <a:srgbClr val="00B0F0"/>
+                </a:solidFill>
+              </a:rPr>
+              <a:t>stusab</a:t>
+            </a:r>
+            <a:r>
+              <a:rPr lang="en-US" dirty="0">
+                <a:solidFill>
+                  <a:srgbClr val="00B0F0"/>
+                </a:solidFill>
+              </a:rPr>
+              <a:t>, </a:t>
+            </a:r>
+            <a:r>
+              <a:rPr lang="en-US" dirty="0" err="1">
+                <a:solidFill>
+                  <a:srgbClr val="00B0F0"/>
+                </a:solidFill>
+              </a:rPr>
+              <a:t>statea</a:t>
+            </a:r>
+            <a:r>
+              <a:rPr lang="en-US" dirty="0">
+                <a:solidFill>
+                  <a:srgbClr val="00B0F0"/>
+                </a:solidFill>
+              </a:rPr>
+              <a:t>, </a:t>
+            </a:r>
+            <a:r>
+              <a:rPr lang="en-US" dirty="0" err="1">
+                <a:solidFill>
+                  <a:srgbClr val="00B0F0"/>
+                </a:solidFill>
+              </a:rPr>
+              <a:t>total_pop</a:t>
+            </a:r>
+            <a:endParaRPr lang="en-US" dirty="0">
+              <a:solidFill>
+                <a:srgbClr val="00B0F0"/>
+              </a:solidFill>
+            </a:endParaRPr>
+          </a:p>
+          <a:p>
+            <a:pPr marL="0" indent="0">
+              <a:buNone/>
+            </a:pPr>
+            <a:r>
+              <a:rPr lang="en-US" dirty="0">
+                <a:solidFill>
+                  <a:srgbClr val="00B0F0"/>
+                </a:solidFill>
+              </a:rPr>
+              <a:t>FROM ch04.us_attribute</a:t>
+            </a:r>
+          </a:p>
+          <a:p>
+            <a:pPr marL="0" indent="0">
+              <a:buNone/>
+            </a:pPr>
+            <a:r>
+              <a:rPr lang="en-US" dirty="0">
+                <a:solidFill>
+                  <a:srgbClr val="00B0F0"/>
+                </a:solidFill>
+              </a:rPr>
+              <a:t>WHERE </a:t>
+            </a:r>
+            <a:r>
+              <a:rPr lang="en-US" dirty="0" err="1">
+                <a:solidFill>
+                  <a:srgbClr val="00B0F0"/>
+                </a:solidFill>
+              </a:rPr>
+              <a:t>total_pop</a:t>
+            </a:r>
+            <a:r>
+              <a:rPr lang="en-US" dirty="0">
+                <a:solidFill>
+                  <a:srgbClr val="00B0F0"/>
+                </a:solidFill>
+              </a:rPr>
+              <a:t> BETWEEN 10000 AND 20000;</a:t>
+            </a:r>
+          </a:p>
+        </p:txBody>
+      </p:sp>
+      <p:sp>
+        <p:nvSpPr>
+          <p:cNvPr id="4" name="Title 1">
+            <a:extLst>
+              <a:ext uri="{FF2B5EF4-FFF2-40B4-BE49-F238E27FC236}">
+                <a16:creationId xmlns:a16="http://schemas.microsoft.com/office/drawing/2014/main" id="{F93CD951-1185-12E7-1BF6-31C947A3B34D}"/>
+              </a:ext>
+            </a:extLst>
+          </p:cNvPr>
+          <p:cNvSpPr>
+            <a:spLocks noGrp="1"/>
+          </p:cNvSpPr>
+          <p:nvPr>
+            <p:ph type="title"/>
+          </p:nvPr>
+        </p:nvSpPr>
+        <p:spPr>
+          <a:xfrm>
+            <a:off x="581025" y="701675"/>
+            <a:ext cx="11029950" cy="669925"/>
+          </a:xfrm>
+        </p:spPr>
+        <p:txBody>
+          <a:bodyPr>
+            <a:normAutofit/>
+          </a:bodyPr>
+          <a:lstStyle/>
+          <a:p>
+            <a:r>
+              <a:rPr lang="en-US" dirty="0"/>
+              <a:t>Pattern matching using </a:t>
+            </a:r>
+            <a:r>
+              <a:rPr lang="en-US" dirty="0">
+                <a:solidFill>
+                  <a:srgbClr val="00B0F0"/>
+                </a:solidFill>
+              </a:rPr>
+              <a:t>in </a:t>
+            </a:r>
+            <a:r>
+              <a:rPr lang="en-US" dirty="0">
+                <a:solidFill>
+                  <a:schemeClr val="tx1"/>
+                </a:solidFill>
+              </a:rPr>
+              <a:t>and</a:t>
+            </a:r>
+            <a:r>
+              <a:rPr lang="en-US" dirty="0">
+                <a:solidFill>
+                  <a:srgbClr val="00B0F0"/>
+                </a:solidFill>
+              </a:rPr>
+              <a:t> between</a:t>
+            </a:r>
+          </a:p>
+        </p:txBody>
+      </p:sp>
+    </p:spTree>
+    <p:extLst>
+      <p:ext uri="{BB962C8B-B14F-4D97-AF65-F5344CB8AC3E}">
+        <p14:creationId xmlns:p14="http://schemas.microsoft.com/office/powerpoint/2010/main" val="128510268"/>
+      </p:ext>
+    </p:extLst>
+  </p:cSld>
+  <p:clrMapOvr>
+    <a:masterClrMapping/>
+  </p:clrMapOvr>
+</p:sld>
+</file>
+
+<file path=ppt/slides/slide41.xml><?xml version="1.0" encoding="utf-8"?>
+<p:sld xmlns:a="http://schemas.openxmlformats.org/drawingml/2006/main" xmlns:r="http://schemas.openxmlformats.org/officeDocument/2006/relationships" xmlns:p="http://schemas.openxmlformats.org/presentationml/2006/main">
+  <p:cSld>
+    <p:spTree>
+      <p:nvGrpSpPr>
+        <p:cNvPr id="1" name=""/>
+        <p:cNvGrpSpPr/>
+        <p:nvPr/>
+      </p:nvGrpSpPr>
+      <p:grpSpPr>
+        <a:xfrm>
+          <a:off x="0" y="0"/>
+          <a:ext cx="0" cy="0"/>
+          <a:chOff x="0" y="0"/>
+          <a:chExt cx="0" cy="0"/>
+        </a:xfrm>
+      </p:grpSpPr>
+      <p:sp>
+        <p:nvSpPr>
+          <p:cNvPr id="2" name="Title 1">
+            <a:extLst>
+              <a:ext uri="{FF2B5EF4-FFF2-40B4-BE49-F238E27FC236}">
+                <a16:creationId xmlns:a16="http://schemas.microsoft.com/office/drawing/2014/main" id="{12B4BF65-70AE-A994-C6F9-9CF82AD6FE32}"/>
+              </a:ext>
+            </a:extLst>
+          </p:cNvPr>
+          <p:cNvSpPr>
+            <a:spLocks noGrp="1"/>
+          </p:cNvSpPr>
+          <p:nvPr>
+            <p:ph type="title"/>
+          </p:nvPr>
+        </p:nvSpPr>
+        <p:spPr>
+          <a:xfrm>
+            <a:off x="581192" y="702157"/>
+            <a:ext cx="11029616" cy="574194"/>
+          </a:xfrm>
+        </p:spPr>
+        <p:txBody>
+          <a:bodyPr/>
+          <a:lstStyle/>
+          <a:p>
+            <a:r>
+              <a:rPr lang="en-US" dirty="0"/>
+              <a:t>CREATE A TABLE FROM EXISTING TABLE</a:t>
+            </a:r>
+          </a:p>
+        </p:txBody>
+      </p:sp>
+      <p:sp>
+        <p:nvSpPr>
+          <p:cNvPr id="3" name="Content Placeholder 2">
+            <a:extLst>
+              <a:ext uri="{FF2B5EF4-FFF2-40B4-BE49-F238E27FC236}">
+                <a16:creationId xmlns:a16="http://schemas.microsoft.com/office/drawing/2014/main" id="{085545FA-969A-ECE8-5505-1552DC0C9D84}"/>
+              </a:ext>
+            </a:extLst>
+          </p:cNvPr>
+          <p:cNvSpPr>
+            <a:spLocks noGrp="1"/>
+          </p:cNvSpPr>
+          <p:nvPr>
+            <p:ph idx="1"/>
+          </p:nvPr>
+        </p:nvSpPr>
+        <p:spPr>
+          <a:xfrm>
+            <a:off x="3638718" y="1611757"/>
+            <a:ext cx="4524208" cy="3634486"/>
+          </a:xfrm>
+        </p:spPr>
+        <p:txBody>
+          <a:bodyPr/>
+          <a:lstStyle/>
+          <a:p>
+            <a:pPr marL="0" indent="0">
+              <a:buNone/>
+            </a:pPr>
+            <a:r>
+              <a:rPr lang="en-US" dirty="0">
+                <a:solidFill>
+                  <a:srgbClr val="00B0F0"/>
+                </a:solidFill>
+              </a:rPr>
+              <a:t>CREATE TABLE ch04.MA AS</a:t>
+            </a:r>
+          </a:p>
+          <a:p>
+            <a:pPr marL="0" indent="0">
+              <a:buNone/>
+            </a:pPr>
+            <a:r>
+              <a:rPr lang="en-US" dirty="0">
+                <a:solidFill>
+                  <a:srgbClr val="00B0F0"/>
+                </a:solidFill>
+              </a:rPr>
+              <a:t>SELECT </a:t>
+            </a:r>
+            <a:r>
+              <a:rPr lang="en-US" dirty="0" err="1">
+                <a:solidFill>
+                  <a:srgbClr val="00B0F0"/>
+                </a:solidFill>
+              </a:rPr>
+              <a:t>geo_id</a:t>
+            </a:r>
+            <a:r>
+              <a:rPr lang="en-US" dirty="0">
+                <a:solidFill>
+                  <a:srgbClr val="00B0F0"/>
+                </a:solidFill>
+              </a:rPr>
+              <a:t>, </a:t>
+            </a:r>
+            <a:r>
+              <a:rPr lang="en-US" dirty="0" err="1">
+                <a:solidFill>
+                  <a:srgbClr val="00B0F0"/>
+                </a:solidFill>
+              </a:rPr>
+              <a:t>stusab,statea</a:t>
+            </a:r>
+            <a:r>
+              <a:rPr lang="en-US" dirty="0">
+                <a:solidFill>
+                  <a:srgbClr val="00B0F0"/>
+                </a:solidFill>
+              </a:rPr>
+              <a:t>, </a:t>
+            </a:r>
+            <a:r>
+              <a:rPr lang="en-US" dirty="0" err="1">
+                <a:solidFill>
+                  <a:srgbClr val="00B0F0"/>
+                </a:solidFill>
+              </a:rPr>
+              <a:t>total_pop</a:t>
+            </a:r>
+            <a:endParaRPr lang="en-US" dirty="0">
+              <a:solidFill>
+                <a:srgbClr val="00B0F0"/>
+              </a:solidFill>
+            </a:endParaRPr>
+          </a:p>
+          <a:p>
+            <a:pPr marL="0" indent="0">
+              <a:buNone/>
+            </a:pPr>
+            <a:r>
+              <a:rPr lang="en-US" dirty="0">
+                <a:solidFill>
+                  <a:srgbClr val="00B0F0"/>
+                </a:solidFill>
+              </a:rPr>
+              <a:t>FROM ch04.us_attribute</a:t>
+            </a:r>
+          </a:p>
+          <a:p>
+            <a:pPr marL="0" indent="0">
+              <a:buNone/>
+            </a:pPr>
+            <a:r>
+              <a:rPr lang="en-US" dirty="0">
+                <a:solidFill>
+                  <a:srgbClr val="00B0F0"/>
+                </a:solidFill>
+              </a:rPr>
+              <a:t>WHERE </a:t>
+            </a:r>
+            <a:r>
+              <a:rPr lang="en-US" dirty="0" err="1">
+                <a:solidFill>
+                  <a:srgbClr val="00B0F0"/>
+                </a:solidFill>
+              </a:rPr>
+              <a:t>gisjoin</a:t>
+            </a:r>
+            <a:r>
+              <a:rPr lang="en-US" dirty="0">
+                <a:solidFill>
+                  <a:srgbClr val="00B0F0"/>
+                </a:solidFill>
+              </a:rPr>
+              <a:t> IN ('MA');</a:t>
+            </a:r>
+          </a:p>
+        </p:txBody>
+      </p:sp>
+    </p:spTree>
+    <p:extLst>
+      <p:ext uri="{BB962C8B-B14F-4D97-AF65-F5344CB8AC3E}">
+        <p14:creationId xmlns:p14="http://schemas.microsoft.com/office/powerpoint/2010/main" val="817206691"/>
+      </p:ext>
+    </p:extLst>
+  </p:cSld>
+  <p:clrMapOvr>
+    <a:masterClrMapping/>
+  </p:clrMapOvr>
+</p:sld>
+</file>
+
+<file path=ppt/slides/slide42.xml><?xml version="1.0" encoding="utf-8"?>
+<p:sld xmlns:a="http://schemas.openxmlformats.org/drawingml/2006/main" xmlns:r="http://schemas.openxmlformats.org/officeDocument/2006/relationships" xmlns:p="http://schemas.openxmlformats.org/presentationml/2006/main">
+  <p:cSld>
+    <p:bg>
+      <p:bgPr>
+        <a:solidFill>
+          <a:schemeClr val="bg1"/>
+        </a:solidFill>
+        <a:effectLst/>
+      </p:bgPr>
+    </p:bg>
+    <p:spTree>
+      <p:nvGrpSpPr>
+        <p:cNvPr id="1" name="">
+          <a:extLst>
+            <a:ext uri="{FF2B5EF4-FFF2-40B4-BE49-F238E27FC236}">
+              <a16:creationId xmlns:a16="http://schemas.microsoft.com/office/drawing/2014/main" id="{51B09AFC-4753-0E0B-8AD8-D38454F8C4BF}"/>
+            </a:ext>
+          </a:extLst>
+        </p:cNvPr>
+        <p:cNvGrpSpPr/>
+        <p:nvPr/>
+      </p:nvGrpSpPr>
+      <p:grpSpPr>
+        <a:xfrm>
+          <a:off x="0" y="0"/>
+          <a:ext cx="0" cy="0"/>
+          <a:chOff x="0" y="0"/>
+          <a:chExt cx="0" cy="0"/>
+        </a:xfrm>
+      </p:grpSpPr>
+      <p:sp>
+        <p:nvSpPr>
+          <p:cNvPr id="36" name="Rectangle 35">
+            <a:extLst>
+              <a:ext uri="{FF2B5EF4-FFF2-40B4-BE49-F238E27FC236}">
+                <a16:creationId xmlns:a16="http://schemas.microsoft.com/office/drawing/2014/main" id="{072CFEAC-CFD9-0E00-C33E-C8DE7CB5C7AB}"/>
+              </a:ext>
+              <a:ext uri="{C183D7F6-B498-43B3-948B-1728B52AA6E4}">
+                <adec:decorative xmlns:adec="http://schemas.microsoft.com/office/drawing/2017/decorative" val="1"/>
+              </a:ext>
+            </a:extLst>
+          </p:cNvPr>
+          <p:cNvSpPr>
+            <a:spLocks noGrp="1" noRot="1" noChangeAspect="1" noMove="1" noResize="1" noEditPoints="1" noAdjustHandles="1" noChangeArrowheads="1" noChangeShapeType="1" noTextEdit="1"/>
+          </p:cNvSpPr>
+          <p:nvPr>
+            <p:extLst>
+              <p:ext uri="{386F3935-93C4-4BCD-93E2-E3B085C9AB24}">
+                <p16:designElem xmlns:p16="http://schemas.microsoft.com/office/powerpoint/2015/main" val="1"/>
+              </p:ext>
+            </p:extLst>
+          </p:nvPr>
+        </p:nvSpPr>
+        <p:spPr>
+          <a:xfrm>
+            <a:off x="446534" y="457200"/>
+            <a:ext cx="3703320" cy="94997"/>
+          </a:xfrm>
+          <a:prstGeom prst="rect">
+            <a:avLst/>
+          </a:prstGeom>
+          <a:solidFill>
+            <a:srgbClr val="465359"/>
+          </a:solidFill>
+          <a:ln>
+            <a:noFill/>
+          </a:ln>
+          <a:effectLst/>
+        </p:spPr>
+        <p:style>
+          <a:lnRef idx="1">
+            <a:schemeClr val="accent1"/>
+          </a:lnRef>
+          <a:fillRef idx="3">
+            <a:schemeClr val="accent1"/>
+          </a:fillRef>
+          <a:effectRef idx="2">
+            <a:schemeClr val="accent1"/>
+          </a:effectRef>
+          <a:fontRef idx="minor">
+            <a:schemeClr val="lt1"/>
+          </a:fontRef>
+        </p:style>
+        <p:txBody>
+          <a:bodyPr/>
+          <a:lstStyle/>
+          <a:p>
+            <a:pPr marL="0" marR="0" lvl="0" indent="0" algn="l" defTabSz="457200" rtl="0" eaLnBrk="1" fontAlgn="auto" latinLnBrk="0" hangingPunct="1">
+              <a:lnSpc>
+                <a:spcPct val="100000"/>
+              </a:lnSpc>
+              <a:spcBef>
+                <a:spcPts val="0"/>
+              </a:spcBef>
+              <a:spcAft>
+                <a:spcPts val="0"/>
+              </a:spcAft>
+              <a:buClrTx/>
+              <a:buSzTx/>
+              <a:buFontTx/>
+              <a:buNone/>
+              <a:tabLst/>
+              <a:defRPr/>
+            </a:pPr>
+            <a:endParaRPr kumimoji="0" lang="en-US" sz="1800" b="0" i="0" u="none" strike="noStrike" kern="1200" cap="none" spc="0" normalizeH="0" baseline="0" noProof="0">
+              <a:ln>
+                <a:noFill/>
+              </a:ln>
+              <a:solidFill>
+                <a:srgbClr val="FFFFFF"/>
+              </a:solidFill>
+              <a:effectLst/>
+              <a:uLnTx/>
+              <a:uFillTx/>
+              <a:latin typeface="Calibri"/>
+              <a:ea typeface="+mn-ea"/>
+              <a:cs typeface="+mn-cs"/>
+            </a:endParaRPr>
+          </a:p>
+        </p:txBody>
+      </p:sp>
+      <p:sp>
+        <p:nvSpPr>
+          <p:cNvPr id="38" name="Rectangle 37">
+            <a:extLst>
+              <a:ext uri="{FF2B5EF4-FFF2-40B4-BE49-F238E27FC236}">
+                <a16:creationId xmlns:a16="http://schemas.microsoft.com/office/drawing/2014/main" id="{548DEB9F-8785-6C38-6D24-8C02671665F8}"/>
+              </a:ext>
+              <a:ext uri="{C183D7F6-B498-43B3-948B-1728B52AA6E4}">
+                <adec:decorative xmlns:adec="http://schemas.microsoft.com/office/drawing/2017/decorative" val="1"/>
+              </a:ext>
+            </a:extLst>
+          </p:cNvPr>
+          <p:cNvSpPr>
+            <a:spLocks noGrp="1" noRot="1" noChangeAspect="1" noMove="1" noResize="1" noEditPoints="1" noAdjustHandles="1" noChangeArrowheads="1" noChangeShapeType="1" noTextEdit="1"/>
+          </p:cNvSpPr>
+          <p:nvPr>
+            <p:extLst>
+              <p:ext uri="{386F3935-93C4-4BCD-93E2-E3B085C9AB24}">
+                <p16:designElem xmlns:p16="http://schemas.microsoft.com/office/powerpoint/2015/main" val="1"/>
+              </p:ext>
+            </p:extLst>
+          </p:nvPr>
+        </p:nvSpPr>
+        <p:spPr>
+          <a:xfrm>
+            <a:off x="8042147" y="453643"/>
+            <a:ext cx="3703320" cy="98554"/>
+          </a:xfrm>
+          <a:prstGeom prst="rect">
+            <a:avLst/>
+          </a:prstGeom>
+          <a:solidFill>
+            <a:srgbClr val="969FA7"/>
+          </a:solidFill>
+          <a:ln>
+            <a:noFill/>
+          </a:ln>
+          <a:effectLst/>
+        </p:spPr>
+        <p:style>
+          <a:lnRef idx="1">
+            <a:schemeClr val="accent1"/>
+          </a:lnRef>
+          <a:fillRef idx="3">
+            <a:schemeClr val="accent1"/>
+          </a:fillRef>
+          <a:effectRef idx="2">
+            <a:schemeClr val="accent1"/>
+          </a:effectRef>
+          <a:fontRef idx="minor">
+            <a:schemeClr val="lt1"/>
+          </a:fontRef>
+        </p:style>
+        <p:txBody>
+          <a:bodyPr/>
+          <a:lstStyle/>
+          <a:p>
+            <a:pPr marL="0" marR="0" lvl="0" indent="0" algn="l" defTabSz="457200" rtl="0" eaLnBrk="1" fontAlgn="auto" latinLnBrk="0" hangingPunct="1">
+              <a:lnSpc>
+                <a:spcPct val="100000"/>
+              </a:lnSpc>
+              <a:spcBef>
+                <a:spcPts val="0"/>
+              </a:spcBef>
+              <a:spcAft>
+                <a:spcPts val="0"/>
+              </a:spcAft>
+              <a:buClrTx/>
+              <a:buSzTx/>
+              <a:buFontTx/>
+              <a:buNone/>
+              <a:tabLst/>
+              <a:defRPr/>
+            </a:pPr>
+            <a:endParaRPr kumimoji="0" lang="en-US" sz="1800" b="0" i="0" u="none" strike="noStrike" kern="1200" cap="none" spc="0" normalizeH="0" baseline="0" noProof="0">
+              <a:ln>
+                <a:noFill/>
+              </a:ln>
+              <a:solidFill>
+                <a:srgbClr val="FFFFFF"/>
+              </a:solidFill>
+              <a:effectLst/>
+              <a:uLnTx/>
+              <a:uFillTx/>
+              <a:latin typeface="Calibri"/>
+              <a:ea typeface="+mn-ea"/>
+              <a:cs typeface="+mn-cs"/>
+            </a:endParaRPr>
+          </a:p>
+        </p:txBody>
+      </p:sp>
+      <p:sp>
+        <p:nvSpPr>
+          <p:cNvPr id="40" name="Rectangle 39">
+            <a:extLst>
+              <a:ext uri="{FF2B5EF4-FFF2-40B4-BE49-F238E27FC236}">
+                <a16:creationId xmlns:a16="http://schemas.microsoft.com/office/drawing/2014/main" id="{08A8DD27-F27A-F551-5B1A-7DC2058D8378}"/>
+              </a:ext>
+              <a:ext uri="{C183D7F6-B498-43B3-948B-1728B52AA6E4}">
+                <adec:decorative xmlns:adec="http://schemas.microsoft.com/office/drawing/2017/decorative" val="1"/>
+              </a:ext>
+            </a:extLst>
+          </p:cNvPr>
+          <p:cNvSpPr>
+            <a:spLocks noGrp="1" noRot="1" noChangeAspect="1" noMove="1" noResize="1" noEditPoints="1" noAdjustHandles="1" noChangeArrowheads="1" noChangeShapeType="1" noTextEdit="1"/>
+          </p:cNvSpPr>
+          <p:nvPr>
+            <p:extLst>
+              <p:ext uri="{386F3935-93C4-4BCD-93E2-E3B085C9AB24}">
+                <p16:designElem xmlns:p16="http://schemas.microsoft.com/office/powerpoint/2015/main" val="1"/>
+              </p:ext>
+            </p:extLst>
+          </p:nvPr>
+        </p:nvSpPr>
+        <p:spPr>
+          <a:xfrm>
+            <a:off x="4241830" y="457200"/>
+            <a:ext cx="3703320" cy="91440"/>
+          </a:xfrm>
+          <a:prstGeom prst="rect">
+            <a:avLst/>
+          </a:prstGeom>
+          <a:solidFill>
+            <a:schemeClr val="accent1"/>
+          </a:solidFill>
+          <a:ln>
+            <a:noFill/>
+          </a:ln>
+          <a:effectLst/>
+        </p:spPr>
+        <p:style>
+          <a:lnRef idx="1">
+            <a:schemeClr val="accent1"/>
+          </a:lnRef>
+          <a:fillRef idx="3">
+            <a:schemeClr val="accent1"/>
+          </a:fillRef>
+          <a:effectRef idx="2">
+            <a:schemeClr val="accent1"/>
+          </a:effectRef>
+          <a:fontRef idx="minor">
+            <a:schemeClr val="lt1"/>
+          </a:fontRef>
+        </p:style>
+        <p:txBody>
+          <a:bodyPr/>
+          <a:lstStyle/>
+          <a:p>
+            <a:pPr marL="0" marR="0" lvl="0" indent="0" algn="l" defTabSz="457200" rtl="0" eaLnBrk="1" fontAlgn="auto" latinLnBrk="0" hangingPunct="1">
+              <a:lnSpc>
+                <a:spcPct val="100000"/>
+              </a:lnSpc>
+              <a:spcBef>
+                <a:spcPts val="0"/>
+              </a:spcBef>
+              <a:spcAft>
+                <a:spcPts val="0"/>
+              </a:spcAft>
+              <a:buClrTx/>
+              <a:buSzTx/>
+              <a:buFontTx/>
+              <a:buNone/>
+              <a:tabLst/>
+              <a:defRPr/>
+            </a:pPr>
+            <a:endParaRPr kumimoji="0" lang="en-US" sz="1800" b="0" i="0" u="none" strike="noStrike" kern="1200" cap="none" spc="0" normalizeH="0" baseline="0" noProof="0">
+              <a:ln>
+                <a:noFill/>
+              </a:ln>
+              <a:solidFill>
+                <a:srgbClr val="FFFFFF"/>
+              </a:solidFill>
+              <a:effectLst/>
+              <a:uLnTx/>
+              <a:uFillTx/>
+              <a:latin typeface="Calibri"/>
+              <a:ea typeface="+mn-ea"/>
+              <a:cs typeface="+mn-cs"/>
+            </a:endParaRPr>
+          </a:p>
+        </p:txBody>
+      </p:sp>
+      <p:sp>
+        <p:nvSpPr>
+          <p:cNvPr id="42" name="Rectangle 41">
+            <a:extLst>
+              <a:ext uri="{FF2B5EF4-FFF2-40B4-BE49-F238E27FC236}">
+                <a16:creationId xmlns:a16="http://schemas.microsoft.com/office/drawing/2014/main" id="{63F792A8-4D92-8926-8ECD-BEE2CC3B0841}"/>
+              </a:ext>
+              <a:ext uri="{C183D7F6-B498-43B3-948B-1728B52AA6E4}">
+                <adec:decorative xmlns:adec="http://schemas.microsoft.com/office/drawing/2017/decorative" val="1"/>
+              </a:ext>
+            </a:extLst>
+          </p:cNvPr>
+          <p:cNvSpPr>
+            <a:spLocks noGrp="1" noRot="1" noChangeAspect="1" noMove="1" noResize="1" noEditPoints="1" noAdjustHandles="1" noChangeArrowheads="1" noChangeShapeType="1" noTextEdit="1"/>
+          </p:cNvSpPr>
+          <p:nvPr>
+            <p:extLst>
+              <p:ext uri="{386F3935-93C4-4BCD-93E2-E3B085C9AB24}">
+                <p16:designElem xmlns:p16="http://schemas.microsoft.com/office/powerpoint/2015/main" val="1"/>
+              </p:ext>
+            </p:extLst>
+          </p:nvPr>
+        </p:nvSpPr>
+        <p:spPr>
+          <a:xfrm>
+            <a:off x="446534" y="3085764"/>
+            <a:ext cx="11298932" cy="3338149"/>
+          </a:xfrm>
+          <a:prstGeom prst="rect">
+            <a:avLst/>
+          </a:prstGeom>
+          <a:solidFill>
+            <a:srgbClr val="465359"/>
+          </a:solidFill>
+          <a:ln>
+            <a:noFill/>
+          </a:ln>
+          <a:effectLst/>
+        </p:spPr>
+        <p:style>
+          <a:lnRef idx="1">
+            <a:schemeClr val="accent1"/>
+          </a:lnRef>
+          <a:fillRef idx="3">
+            <a:schemeClr val="accent1"/>
+          </a:fillRef>
+          <a:effectRef idx="2">
+            <a:schemeClr val="accent1"/>
+          </a:effectRef>
+          <a:fontRef idx="minor">
+            <a:schemeClr val="lt1"/>
+          </a:fontRef>
+        </p:style>
+        <p:txBody>
+          <a:bodyPr/>
+          <a:lstStyle/>
+          <a:p>
+            <a:pPr marL="0" marR="0" lvl="0" indent="0" algn="l" defTabSz="457200" rtl="0" eaLnBrk="1" fontAlgn="auto" latinLnBrk="0" hangingPunct="1">
+              <a:lnSpc>
+                <a:spcPct val="100000"/>
+              </a:lnSpc>
+              <a:spcBef>
+                <a:spcPts val="0"/>
+              </a:spcBef>
+              <a:spcAft>
+                <a:spcPts val="0"/>
+              </a:spcAft>
+              <a:buClrTx/>
+              <a:buSzTx/>
+              <a:buFontTx/>
+              <a:buNone/>
+              <a:tabLst/>
+              <a:defRPr/>
+            </a:pPr>
+            <a:endParaRPr kumimoji="0" lang="en-US" sz="1800" b="0" i="0" u="none" strike="noStrike" kern="1200" cap="none" spc="0" normalizeH="0" baseline="0" noProof="0">
+              <a:ln>
+                <a:noFill/>
+              </a:ln>
+              <a:solidFill>
+                <a:srgbClr val="FFFFFF"/>
+              </a:solidFill>
+              <a:effectLst/>
+              <a:uLnTx/>
+              <a:uFillTx/>
+              <a:latin typeface="Calibri"/>
+              <a:ea typeface="+mn-ea"/>
+              <a:cs typeface="+mn-cs"/>
+            </a:endParaRPr>
+          </a:p>
+        </p:txBody>
+      </p:sp>
+      <p:sp useBgFill="1">
+        <p:nvSpPr>
+          <p:cNvPr id="44" name="Rectangle 43">
+            <a:extLst>
+              <a:ext uri="{FF2B5EF4-FFF2-40B4-BE49-F238E27FC236}">
+                <a16:creationId xmlns:a16="http://schemas.microsoft.com/office/drawing/2014/main" id="{E56D7E06-DA11-8F3B-4AF9-E3F4A5DDF79E}"/>
+              </a:ext>
+              <a:ext uri="{C183D7F6-B498-43B3-948B-1728B52AA6E4}">
+                <adec:decorative xmlns:adec="http://schemas.microsoft.com/office/drawing/2017/decorative" val="1"/>
+              </a:ext>
+            </a:extLst>
+          </p:cNvPr>
+          <p:cNvSpPr>
+            <a:spLocks noGrp="1" noRot="1" noChangeAspect="1" noMove="1" noResize="1" noEditPoints="1" noAdjustHandles="1" noChangeArrowheads="1" noChangeShapeType="1" noTextEdit="1"/>
+          </p:cNvSpPr>
+          <p:nvPr>
+            <p:extLst>
+              <p:ext uri="{386F3935-93C4-4BCD-93E2-E3B085C9AB24}">
+                <p16:designElem xmlns:p16="http://schemas.microsoft.com/office/powerpoint/2015/main" val="1"/>
+              </p:ext>
+            </p:extLst>
+          </p:nvPr>
+        </p:nvSpPr>
+        <p:spPr>
+          <a:xfrm>
+            <a:off x="0" y="0"/>
+            <a:ext cx="12192000" cy="6858000"/>
+          </a:xfrm>
+          <a:prstGeom prst="rect">
+            <a:avLst/>
+          </a:prstGeom>
+          <a:ln>
+            <a:noFill/>
+          </a:ln>
+        </p:spPr>
+        <p:style>
+          <a:lnRef idx="2">
+            <a:schemeClr val="accent1">
+              <a:shade val="50000"/>
+            </a:schemeClr>
+          </a:lnRef>
+          <a:fillRef idx="1">
+            <a:schemeClr val="accent1"/>
+          </a:fillRef>
+          <a:effectRef idx="0">
+            <a:schemeClr val="accent1"/>
+          </a:effectRef>
+          <a:fontRef idx="minor">
+            <a:schemeClr val="lt1"/>
+          </a:fontRef>
+        </p:style>
+        <p:txBody>
+          <a:bodyPr rtlCol="0" anchor="ctr"/>
+          <a:lstStyle/>
+          <a:p>
+            <a:pPr marL="0" marR="0" lvl="0" indent="0" algn="ctr" defTabSz="457200" rtl="0" eaLnBrk="1" fontAlgn="auto" latinLnBrk="0" hangingPunct="1">
+              <a:lnSpc>
+                <a:spcPct val="100000"/>
+              </a:lnSpc>
+              <a:spcBef>
+                <a:spcPts val="0"/>
+              </a:spcBef>
+              <a:spcAft>
+                <a:spcPts val="0"/>
+              </a:spcAft>
+              <a:buClrTx/>
+              <a:buSzTx/>
+              <a:buFontTx/>
+              <a:buNone/>
+              <a:tabLst/>
+              <a:defRPr/>
+            </a:pPr>
+            <a:endParaRPr kumimoji="0" lang="en-US" sz="1800" b="0" i="0" u="none" strike="noStrike" kern="1200" cap="none" spc="0" normalizeH="0" baseline="0" noProof="0">
+              <a:ln>
+                <a:noFill/>
+              </a:ln>
+              <a:solidFill>
+                <a:srgbClr val="FFFFFF"/>
+              </a:solidFill>
+              <a:effectLst/>
+              <a:uLnTx/>
+              <a:uFillTx/>
+              <a:latin typeface="Calibri"/>
+              <a:ea typeface="+mn-ea"/>
+              <a:cs typeface="+mn-cs"/>
+            </a:endParaRPr>
+          </a:p>
+        </p:txBody>
+      </p:sp>
+      <p:sp>
+        <p:nvSpPr>
+          <p:cNvPr id="46" name="Rectangle 45">
+            <a:extLst>
+              <a:ext uri="{FF2B5EF4-FFF2-40B4-BE49-F238E27FC236}">
+                <a16:creationId xmlns:a16="http://schemas.microsoft.com/office/drawing/2014/main" id="{B0855C5E-C3DA-3C60-8E73-1BEEC757868E}"/>
+              </a:ext>
+              <a:ext uri="{C183D7F6-B498-43B3-948B-1728B52AA6E4}">
+                <adec:decorative xmlns:adec="http://schemas.microsoft.com/office/drawing/2017/decorative" val="1"/>
+              </a:ext>
+            </a:extLst>
+          </p:cNvPr>
+          <p:cNvSpPr>
+            <a:spLocks noGrp="1" noRot="1" noChangeAspect="1" noMove="1" noResize="1" noEditPoints="1" noAdjustHandles="1" noChangeArrowheads="1" noChangeShapeType="1" noTextEdit="1"/>
+          </p:cNvSpPr>
+          <p:nvPr>
+            <p:extLst>
+              <p:ext uri="{386F3935-93C4-4BCD-93E2-E3B085C9AB24}">
+                <p16:designElem xmlns:p16="http://schemas.microsoft.com/office/powerpoint/2015/main" val="1"/>
+              </p:ext>
+            </p:extLst>
+          </p:nvPr>
+        </p:nvSpPr>
+        <p:spPr>
+          <a:xfrm>
+            <a:off x="509628" y="496959"/>
+            <a:ext cx="1106164" cy="5859735"/>
+          </a:xfrm>
+          <a:prstGeom prst="rect">
+            <a:avLst/>
+          </a:prstGeom>
+          <a:solidFill>
+            <a:srgbClr val="465359"/>
+          </a:solidFill>
+          <a:ln>
+            <a:noFill/>
+          </a:ln>
+          <a:effectLst/>
+        </p:spPr>
+        <p:style>
+          <a:lnRef idx="1">
+            <a:schemeClr val="accent1"/>
+          </a:lnRef>
+          <a:fillRef idx="3">
+            <a:schemeClr val="accent1"/>
+          </a:fillRef>
+          <a:effectRef idx="2">
+            <a:schemeClr val="accent1"/>
+          </a:effectRef>
+          <a:fontRef idx="minor">
+            <a:schemeClr val="lt1"/>
+          </a:fontRef>
+        </p:style>
+        <p:txBody>
+          <a:bodyPr/>
+          <a:lstStyle/>
+          <a:p>
+            <a:pPr marL="0" marR="0" lvl="0" indent="0" algn="l" defTabSz="457200" rtl="0" eaLnBrk="1" fontAlgn="auto" latinLnBrk="0" hangingPunct="1">
+              <a:lnSpc>
+                <a:spcPct val="100000"/>
+              </a:lnSpc>
+              <a:spcBef>
+                <a:spcPts val="0"/>
+              </a:spcBef>
+              <a:spcAft>
+                <a:spcPts val="0"/>
+              </a:spcAft>
+              <a:buClrTx/>
+              <a:buSzTx/>
+              <a:buFontTx/>
+              <a:buNone/>
+              <a:tabLst/>
+              <a:defRPr/>
+            </a:pPr>
+            <a:endParaRPr kumimoji="0" lang="en-US" sz="1800" b="0" i="0" u="none" strike="noStrike" kern="1200" cap="none" spc="0" normalizeH="0" baseline="0" noProof="0">
+              <a:ln>
+                <a:noFill/>
+              </a:ln>
+              <a:solidFill>
+                <a:srgbClr val="FFFFFF"/>
+              </a:solidFill>
+              <a:effectLst/>
+              <a:uLnTx/>
+              <a:uFillTx/>
+              <a:latin typeface="Calibri"/>
+              <a:ea typeface="+mn-ea"/>
+              <a:cs typeface="+mn-cs"/>
+            </a:endParaRPr>
+          </a:p>
+        </p:txBody>
+      </p:sp>
+      <p:sp>
+        <p:nvSpPr>
+          <p:cNvPr id="48" name="Rectangle 47">
+            <a:extLst>
+              <a:ext uri="{FF2B5EF4-FFF2-40B4-BE49-F238E27FC236}">
+                <a16:creationId xmlns:a16="http://schemas.microsoft.com/office/drawing/2014/main" id="{B31FD2CB-6C3B-D9BD-5A2F-DF15FD5C1A32}"/>
+              </a:ext>
+              <a:ext uri="{C183D7F6-B498-43B3-948B-1728B52AA6E4}">
+                <adec:decorative xmlns:adec="http://schemas.microsoft.com/office/drawing/2017/decorative" val="1"/>
+              </a:ext>
+            </a:extLst>
+          </p:cNvPr>
+          <p:cNvSpPr>
+            <a:spLocks noGrp="1" noRot="1" noChangeAspect="1" noMove="1" noResize="1" noEditPoints="1" noAdjustHandles="1" noChangeArrowheads="1" noChangeShapeType="1" noTextEdit="1"/>
+          </p:cNvSpPr>
+          <p:nvPr>
+            <p:extLst>
+              <p:ext uri="{386F3935-93C4-4BCD-93E2-E3B085C9AB24}">
+                <p16:designElem xmlns:p16="http://schemas.microsoft.com/office/powerpoint/2015/main" val="1"/>
+              </p:ext>
+            </p:extLst>
+          </p:nvPr>
+        </p:nvSpPr>
+        <p:spPr>
+          <a:xfrm>
+            <a:off x="1712856" y="496958"/>
+            <a:ext cx="9961047" cy="3678072"/>
+          </a:xfrm>
+          <a:prstGeom prst="rect">
+            <a:avLst/>
+          </a:prstGeom>
+          <a:solidFill>
+            <a:schemeClr val="accent1"/>
+          </a:solidFill>
+          <a:ln>
+            <a:noFill/>
+          </a:ln>
+          <a:effectLst/>
+        </p:spPr>
+        <p:style>
+          <a:lnRef idx="1">
+            <a:schemeClr val="accent1"/>
+          </a:lnRef>
+          <a:fillRef idx="3">
+            <a:schemeClr val="accent1"/>
+          </a:fillRef>
+          <a:effectRef idx="2">
+            <a:schemeClr val="accent1"/>
+          </a:effectRef>
+          <a:fontRef idx="minor">
+            <a:schemeClr val="lt1"/>
+          </a:fontRef>
+        </p:style>
+        <p:txBody>
+          <a:bodyPr/>
+          <a:lstStyle/>
+          <a:p>
+            <a:pPr marL="0" marR="0" lvl="0" indent="0" algn="l" defTabSz="457200" rtl="0" eaLnBrk="1" fontAlgn="auto" latinLnBrk="0" hangingPunct="1">
+              <a:lnSpc>
+                <a:spcPct val="100000"/>
+              </a:lnSpc>
+              <a:spcBef>
+                <a:spcPts val="0"/>
+              </a:spcBef>
+              <a:spcAft>
+                <a:spcPts val="0"/>
+              </a:spcAft>
+              <a:buClrTx/>
+              <a:buSzTx/>
+              <a:buFontTx/>
+              <a:buNone/>
+              <a:tabLst/>
+              <a:defRPr/>
+            </a:pPr>
+            <a:endParaRPr kumimoji="0" lang="en-US" sz="1800" b="0" i="0" u="none" strike="noStrike" kern="1200" cap="none" spc="0" normalizeH="0" baseline="0" noProof="0">
+              <a:ln>
+                <a:noFill/>
+              </a:ln>
+              <a:solidFill>
+                <a:srgbClr val="FFFFFF"/>
+              </a:solidFill>
+              <a:effectLst/>
+              <a:uLnTx/>
+              <a:uFillTx/>
+              <a:latin typeface="Calibri"/>
+              <a:ea typeface="+mn-ea"/>
+              <a:cs typeface="+mn-cs"/>
+            </a:endParaRPr>
+          </a:p>
+        </p:txBody>
+      </p:sp>
+      <p:sp>
+        <p:nvSpPr>
+          <p:cNvPr id="2" name="Title 1">
+            <a:extLst>
+              <a:ext uri="{FF2B5EF4-FFF2-40B4-BE49-F238E27FC236}">
+                <a16:creationId xmlns:a16="http://schemas.microsoft.com/office/drawing/2014/main" id="{123D3687-4C6B-871A-CEF5-B329FF6CBE62}"/>
+              </a:ext>
+            </a:extLst>
+          </p:cNvPr>
+          <p:cNvSpPr>
+            <a:spLocks noGrp="1"/>
+          </p:cNvSpPr>
+          <p:nvPr>
+            <p:ph type="title"/>
+          </p:nvPr>
+        </p:nvSpPr>
+        <p:spPr>
+          <a:xfrm>
+            <a:off x="1893715" y="708498"/>
+            <a:ext cx="7574507" cy="3330055"/>
+          </a:xfrm>
+        </p:spPr>
+        <p:txBody>
+          <a:bodyPr vert="horz" lIns="91440" tIns="45720" rIns="91440" bIns="45720" rtlCol="0" anchor="ctr">
+            <a:normAutofit/>
+          </a:bodyPr>
+          <a:lstStyle/>
+          <a:p>
+            <a:r>
+              <a:rPr lang="en-US" sz="6000" dirty="0">
+                <a:solidFill>
+                  <a:srgbClr val="FFFFFF"/>
+                </a:solidFill>
+              </a:rPr>
+              <a:t>4.7</a:t>
+            </a:r>
+            <a:r>
+              <a:rPr lang="en-US" sz="6000" b="0" kern="1200" cap="all" dirty="0">
+                <a:solidFill>
+                  <a:srgbClr val="FFFFFF"/>
+                </a:solidFill>
+                <a:latin typeface="+mj-lt"/>
+                <a:ea typeface="+mj-ea"/>
+                <a:cs typeface="+mj-cs"/>
+              </a:rPr>
+              <a:t> </a:t>
+            </a:r>
+            <a:br>
+              <a:rPr lang="en-US" sz="6000" b="0" kern="1200" cap="all" dirty="0">
+                <a:solidFill>
+                  <a:srgbClr val="FFFFFF"/>
+                </a:solidFill>
+                <a:latin typeface="+mj-lt"/>
+                <a:ea typeface="+mj-ea"/>
+                <a:cs typeface="+mj-cs"/>
+              </a:rPr>
+            </a:br>
+            <a:r>
+              <a:rPr lang="en-US" sz="6000" b="0" kern="1200" cap="all" dirty="0">
+                <a:solidFill>
+                  <a:srgbClr val="FFFFFF"/>
+                </a:solidFill>
+                <a:latin typeface="+mj-lt"/>
+                <a:ea typeface="+mj-ea"/>
+                <a:cs typeface="+mj-cs"/>
+              </a:rPr>
+              <a:t>data MANIPULATE LANGUAGE</a:t>
+            </a:r>
+          </a:p>
+        </p:txBody>
+      </p:sp>
+      <p:sp>
+        <p:nvSpPr>
+          <p:cNvPr id="50" name="Rectangle 49">
+            <a:extLst>
+              <a:ext uri="{FF2B5EF4-FFF2-40B4-BE49-F238E27FC236}">
+                <a16:creationId xmlns:a16="http://schemas.microsoft.com/office/drawing/2014/main" id="{6FA983C5-D395-A8CD-6649-936761F200E5}"/>
+              </a:ext>
+              <a:ext uri="{C183D7F6-B498-43B3-948B-1728B52AA6E4}">
+                <adec:decorative xmlns:adec="http://schemas.microsoft.com/office/drawing/2017/decorative" val="1"/>
+              </a:ext>
+            </a:extLst>
+          </p:cNvPr>
+          <p:cNvSpPr>
+            <a:spLocks noGrp="1" noRot="1" noChangeAspect="1" noMove="1" noResize="1" noEditPoints="1" noAdjustHandles="1" noChangeArrowheads="1" noChangeShapeType="1" noTextEdit="1"/>
+          </p:cNvSpPr>
+          <p:nvPr>
+            <p:extLst>
+              <p:ext uri="{386F3935-93C4-4BCD-93E2-E3B085C9AB24}">
+                <p16:designElem xmlns:p16="http://schemas.microsoft.com/office/powerpoint/2015/main" val="1"/>
+              </p:ext>
+            </p:extLst>
+          </p:nvPr>
+        </p:nvSpPr>
+        <p:spPr>
+          <a:xfrm>
+            <a:off x="1712789" y="4284212"/>
+            <a:ext cx="9961115" cy="2072481"/>
+          </a:xfrm>
+          <a:prstGeom prst="rect">
+            <a:avLst/>
+          </a:prstGeom>
+          <a:solidFill>
+            <a:srgbClr val="6C7781">
+              <a:alpha val="80000"/>
+            </a:srgbClr>
+          </a:solidFill>
+          <a:ln>
+            <a:noFill/>
+          </a:ln>
+          <a:effectLst/>
+        </p:spPr>
+        <p:style>
+          <a:lnRef idx="1">
+            <a:schemeClr val="accent1"/>
+          </a:lnRef>
+          <a:fillRef idx="3">
+            <a:schemeClr val="accent1"/>
+          </a:fillRef>
+          <a:effectRef idx="2">
+            <a:schemeClr val="accent1"/>
+          </a:effectRef>
+          <a:fontRef idx="minor">
+            <a:schemeClr val="lt1"/>
+          </a:fontRef>
+        </p:style>
+        <p:txBody>
+          <a:bodyPr/>
+          <a:lstStyle/>
+          <a:p>
+            <a:pPr marL="0" marR="0" lvl="0" indent="0" algn="l" defTabSz="457200" rtl="0" eaLnBrk="1" fontAlgn="auto" latinLnBrk="0" hangingPunct="1">
+              <a:lnSpc>
+                <a:spcPct val="100000"/>
+              </a:lnSpc>
+              <a:spcBef>
+                <a:spcPts val="0"/>
+              </a:spcBef>
+              <a:spcAft>
+                <a:spcPts val="0"/>
+              </a:spcAft>
+              <a:buClrTx/>
+              <a:buSzTx/>
+              <a:buFontTx/>
+              <a:buNone/>
+              <a:tabLst/>
+              <a:defRPr/>
+            </a:pPr>
+            <a:endParaRPr kumimoji="0" lang="en-US" sz="1800" b="0" i="0" u="none" strike="noStrike" kern="1200" cap="none" spc="0" normalizeH="0" baseline="0" noProof="0">
+              <a:ln>
+                <a:noFill/>
+              </a:ln>
+              <a:solidFill>
+                <a:srgbClr val="FFFFFF"/>
+              </a:solidFill>
+              <a:effectLst/>
+              <a:uLnTx/>
+              <a:uFillTx/>
+              <a:latin typeface="Calibri"/>
+              <a:ea typeface="+mn-ea"/>
+              <a:cs typeface="+mn-cs"/>
+            </a:endParaRPr>
+          </a:p>
+        </p:txBody>
+      </p:sp>
+    </p:spTree>
+    <p:extLst>
+      <p:ext uri="{BB962C8B-B14F-4D97-AF65-F5344CB8AC3E}">
+        <p14:creationId xmlns:p14="http://schemas.microsoft.com/office/powerpoint/2010/main" val="3094711722"/>
+      </p:ext>
+    </p:extLst>
+  </p:cSld>
+  <p:clrMapOvr>
+    <a:masterClrMapping/>
+  </p:clrMapOvr>
+  <p:timing>
+    <p:tnLst>
+      <p:par>
+        <p:cTn id="1" dur="indefinite" restart="never" nodeType="tmRoot">
+          <p:childTnLst>
+            <p:seq concurrent="1" nextAc="seek">
+              <p:cTn id="2" dur="indefinite" nodeType="mainSeq">
+                <p:childTnLst>
+                  <p:par>
+                    <p:cTn id="3" fill="hold">
+                      <p:stCondLst>
+                        <p:cond delay="indefinite"/>
+                        <p:cond evt="onBegin" delay="0">
+                          <p:tn val="2"/>
+                        </p:cond>
+                      </p:stCondLst>
+                      <p:childTnLst>
+                        <p:par>
+                          <p:cTn id="4" fill="hold">
+                            <p:stCondLst>
+                              <p:cond delay="0"/>
+                            </p:stCondLst>
+                            <p:childTnLst>
+                              <p:par>
+                                <p:cTn id="5" presetID="10" presetClass="entr" presetSubtype="0" fill="hold" grpId="0" nodeType="withEffect">
+                                  <p:stCondLst>
+                                    <p:cond delay="500"/>
+                                  </p:stCondLst>
+                                  <p:iterate type="wd">
+                                    <p:tmPct val="15000"/>
+                                  </p:iterate>
+                                  <p:childTnLst>
+                                    <p:set>
+                                      <p:cBhvr>
+                                        <p:cTn id="6" dur="1" fill="hold">
+                                          <p:stCondLst>
+                                            <p:cond delay="0"/>
+                                          </p:stCondLst>
+                                        </p:cTn>
+                                        <p:tgtEl>
+                                          <p:spTgt spid="2"/>
+                                        </p:tgtEl>
+                                        <p:attrNameLst>
+                                          <p:attrName>style.visibility</p:attrName>
+                                        </p:attrNameLst>
+                                      </p:cBhvr>
+                                      <p:to>
+                                        <p:strVal val="visible"/>
+                                      </p:to>
+                                    </p:set>
+                                    <p:animEffect transition="in" filter="fade">
+                                      <p:cBhvr>
+                                        <p:cTn id="7" dur="1000"/>
+                                        <p:tgtEl>
+                                          <p:spTgt spid="2"/>
+                                        </p:tgtEl>
+                                      </p:cBhvr>
+                                    </p:animEffect>
+                                  </p:childTnLst>
+                                </p:cTn>
+                              </p:par>
+                            </p:childTnLst>
+                          </p:cTn>
+                        </p:par>
+                      </p:childTnLst>
+                    </p:cTn>
+                  </p:par>
+                </p:childTnLst>
+              </p:cTn>
+              <p:prevCondLst>
+                <p:cond evt="onPrev" delay="0">
+                  <p:tgtEl>
+                    <p:sldTgt/>
+                  </p:tgtEl>
+                </p:cond>
+              </p:prevCondLst>
+              <p:nextCondLst>
+                <p:cond evt="onNext" delay="0">
+                  <p:tgtEl>
+                    <p:sldTgt/>
+                  </p:tgtEl>
+                </p:cond>
+              </p:nextCondLst>
+            </p:seq>
+          </p:childTnLst>
+        </p:cTn>
+      </p:par>
+    </p:tnLst>
+    <p:bldLst>
+      <p:bldP spid="2" grpId="0"/>
+    </p:bldLst>
+  </p:timing>
+</p:sld>
+</file>
+
+<file path=ppt/slides/slide43.xml><?xml version="1.0" encoding="utf-8"?>
+<p:sld xmlns:a="http://schemas.openxmlformats.org/drawingml/2006/main" xmlns:r="http://schemas.openxmlformats.org/officeDocument/2006/relationships" xmlns:p="http://schemas.openxmlformats.org/presentationml/2006/main">
+  <p:cSld>
+    <p:spTree>
+      <p:nvGrpSpPr>
+        <p:cNvPr id="1" name=""/>
+        <p:cNvGrpSpPr/>
+        <p:nvPr/>
+      </p:nvGrpSpPr>
+      <p:grpSpPr>
+        <a:xfrm>
+          <a:off x="0" y="0"/>
+          <a:ext cx="0" cy="0"/>
+          <a:chOff x="0" y="0"/>
+          <a:chExt cx="0" cy="0"/>
+        </a:xfrm>
+      </p:grpSpPr>
+      <p:sp>
+        <p:nvSpPr>
+          <p:cNvPr id="2" name="Title 1">
+            <a:extLst>
+              <a:ext uri="{FF2B5EF4-FFF2-40B4-BE49-F238E27FC236}">
+                <a16:creationId xmlns:a16="http://schemas.microsoft.com/office/drawing/2014/main" id="{7CA2EF7E-E34F-A266-ACEB-414264FC52EF}"/>
+              </a:ext>
+            </a:extLst>
+          </p:cNvPr>
+          <p:cNvSpPr>
+            <a:spLocks noGrp="1"/>
+          </p:cNvSpPr>
+          <p:nvPr>
+            <p:ph type="title"/>
+          </p:nvPr>
+        </p:nvSpPr>
+        <p:spPr>
+          <a:xfrm>
+            <a:off x="581192" y="702156"/>
+            <a:ext cx="11029616" cy="621819"/>
+          </a:xfrm>
+        </p:spPr>
+        <p:txBody>
+          <a:bodyPr/>
+          <a:lstStyle/>
+          <a:p>
+            <a:r>
+              <a:rPr lang="en-US" dirty="0">
+                <a:solidFill>
+                  <a:srgbClr val="00B0F0"/>
+                </a:solidFill>
+              </a:rPr>
+              <a:t>INSERT</a:t>
+            </a:r>
+            <a:r>
+              <a:rPr lang="en-US" dirty="0"/>
+              <a:t> STATEMENT</a:t>
+            </a:r>
+          </a:p>
+        </p:txBody>
+      </p:sp>
+      <p:sp>
+        <p:nvSpPr>
+          <p:cNvPr id="3" name="Content Placeholder 2">
+            <a:extLst>
+              <a:ext uri="{FF2B5EF4-FFF2-40B4-BE49-F238E27FC236}">
+                <a16:creationId xmlns:a16="http://schemas.microsoft.com/office/drawing/2014/main" id="{44A69220-7514-B9FC-2947-7A2F69F8D8EE}"/>
+              </a:ext>
+            </a:extLst>
+          </p:cNvPr>
+          <p:cNvSpPr>
+            <a:spLocks noGrp="1"/>
+          </p:cNvSpPr>
+          <p:nvPr>
+            <p:ph idx="1"/>
+          </p:nvPr>
+        </p:nvSpPr>
+        <p:spPr>
+          <a:xfrm>
+            <a:off x="581193" y="1588388"/>
+            <a:ext cx="11029615" cy="4126611"/>
+          </a:xfrm>
+        </p:spPr>
+        <p:txBody>
+          <a:bodyPr>
+            <a:normAutofit/>
+          </a:bodyPr>
+          <a:lstStyle/>
+          <a:p>
+            <a:pPr algn="l"/>
+            <a:r>
+              <a:rPr lang="en-US" sz="2000" b="0" i="0" dirty="0">
+                <a:solidFill>
+                  <a:srgbClr val="373D3F"/>
+                </a:solidFill>
+                <a:effectLst/>
+              </a:rPr>
+              <a:t>The </a:t>
+            </a:r>
+            <a:r>
+              <a:rPr lang="en-US" sz="2000" b="0" i="1" dirty="0">
+                <a:solidFill>
+                  <a:srgbClr val="373D3F"/>
+                </a:solidFill>
+                <a:effectLst/>
+              </a:rPr>
+              <a:t>INSERT statement</a:t>
+            </a:r>
+            <a:r>
+              <a:rPr lang="en-US" sz="2000" b="0" i="0" dirty="0">
+                <a:solidFill>
+                  <a:srgbClr val="373D3F"/>
+                </a:solidFill>
+                <a:effectLst/>
+              </a:rPr>
+              <a:t> adds rows to a table. In addition,</a:t>
+            </a:r>
+          </a:p>
+          <a:p>
+            <a:pPr marL="666900" lvl="1" indent="-342900">
+              <a:buFont typeface="+mj-lt"/>
+              <a:buAutoNum type="alphaLcParenR"/>
+            </a:pPr>
+            <a:r>
+              <a:rPr lang="en-US" sz="2000" b="0" i="0" dirty="0">
+                <a:solidFill>
+                  <a:srgbClr val="373D3F"/>
+                </a:solidFill>
+                <a:effectLst/>
+              </a:rPr>
+              <a:t>INSERT specifies the table or view that data will be inserted into.</a:t>
+            </a:r>
+          </a:p>
+          <a:p>
+            <a:pPr marL="666900" lvl="1" indent="-342900">
+              <a:buFont typeface="+mj-lt"/>
+              <a:buAutoNum type="alphaLcParenR"/>
+            </a:pPr>
+            <a:r>
+              <a:rPr lang="en-US" sz="2000" b="0" i="0" dirty="0" err="1">
+                <a:solidFill>
+                  <a:srgbClr val="373D3F"/>
+                </a:solidFill>
+                <a:effectLst/>
+              </a:rPr>
+              <a:t>Column_list</a:t>
+            </a:r>
+            <a:r>
+              <a:rPr lang="en-US" sz="2000" b="0" i="0" dirty="0">
+                <a:solidFill>
+                  <a:srgbClr val="373D3F"/>
+                </a:solidFill>
+                <a:effectLst/>
+              </a:rPr>
+              <a:t> lists columns that will be affected by the INSERT.</a:t>
+            </a:r>
+          </a:p>
+          <a:p>
+            <a:pPr marL="666900" lvl="1" indent="-342900">
+              <a:buFont typeface="+mj-lt"/>
+              <a:buAutoNum type="alphaLcParenR"/>
+            </a:pPr>
+            <a:r>
+              <a:rPr lang="en-US" sz="2000" b="0" i="0" dirty="0">
+                <a:solidFill>
+                  <a:srgbClr val="373D3F"/>
+                </a:solidFill>
+                <a:effectLst/>
+              </a:rPr>
+              <a:t>If a column is omitted, each value must be provided.</a:t>
+            </a:r>
+          </a:p>
+          <a:p>
+            <a:pPr marL="666900" lvl="1" indent="-342900">
+              <a:buFont typeface="+mj-lt"/>
+              <a:buAutoNum type="alphaLcParenR"/>
+            </a:pPr>
+            <a:r>
+              <a:rPr lang="en-US" sz="2000" b="0" i="0" dirty="0">
+                <a:solidFill>
+                  <a:srgbClr val="373D3F"/>
+                </a:solidFill>
+                <a:effectLst/>
+              </a:rPr>
+              <a:t>If you are including columns, they can be listed in any order.</a:t>
+            </a:r>
+          </a:p>
+          <a:p>
+            <a:pPr marL="666900" lvl="1" indent="-342900">
+              <a:buFont typeface="+mj-lt"/>
+              <a:buAutoNum type="alphaLcParenR"/>
+            </a:pPr>
+            <a:r>
+              <a:rPr lang="en-US" sz="2000" b="0" i="0" dirty="0">
+                <a:solidFill>
+                  <a:srgbClr val="373D3F"/>
+                </a:solidFill>
+                <a:effectLst/>
+              </a:rPr>
+              <a:t>VALUES specifies the data that you want to insert into the table. VALUES is required.</a:t>
+            </a:r>
+          </a:p>
+        </p:txBody>
+      </p:sp>
+    </p:spTree>
+    <p:extLst>
+      <p:ext uri="{BB962C8B-B14F-4D97-AF65-F5344CB8AC3E}">
+        <p14:creationId xmlns:p14="http://schemas.microsoft.com/office/powerpoint/2010/main" val="3878775535"/>
+      </p:ext>
+    </p:extLst>
+  </p:cSld>
+  <p:clrMapOvr>
+    <a:masterClrMapping/>
+  </p:clrMapOvr>
+</p:sld>
+</file>
+
+<file path=ppt/slides/slide44.xml><?xml version="1.0" encoding="utf-8"?>
+<p:sld xmlns:a="http://schemas.openxmlformats.org/drawingml/2006/main" xmlns:r="http://schemas.openxmlformats.org/officeDocument/2006/relationships" xmlns:p="http://schemas.openxmlformats.org/presentationml/2006/main">
+  <p:cSld>
+    <p:spTree>
+      <p:nvGrpSpPr>
+        <p:cNvPr id="1" name=""/>
+        <p:cNvGrpSpPr/>
+        <p:nvPr/>
+      </p:nvGrpSpPr>
+      <p:grpSpPr>
+        <a:xfrm>
+          <a:off x="0" y="0"/>
+          <a:ext cx="0" cy="0"/>
+          <a:chOff x="0" y="0"/>
+          <a:chExt cx="0" cy="0"/>
+        </a:xfrm>
+      </p:grpSpPr>
+      <p:sp>
+        <p:nvSpPr>
+          <p:cNvPr id="2" name="Title 1">
+            <a:extLst>
+              <a:ext uri="{FF2B5EF4-FFF2-40B4-BE49-F238E27FC236}">
+                <a16:creationId xmlns:a16="http://schemas.microsoft.com/office/drawing/2014/main" id="{28809F87-379F-FA7A-AE9B-00E3B9423EF5}"/>
+              </a:ext>
+            </a:extLst>
+          </p:cNvPr>
+          <p:cNvSpPr>
+            <a:spLocks noGrp="1"/>
+          </p:cNvSpPr>
+          <p:nvPr>
+            <p:ph type="title"/>
+          </p:nvPr>
+        </p:nvSpPr>
+        <p:spPr>
+          <a:xfrm>
+            <a:off x="581192" y="797406"/>
+            <a:ext cx="11029616" cy="564669"/>
+          </a:xfrm>
+        </p:spPr>
+        <p:txBody>
+          <a:bodyPr/>
+          <a:lstStyle/>
+          <a:p>
+            <a:r>
+              <a:rPr lang="en-US" dirty="0"/>
+              <a:t>SYNTAX FOR </a:t>
+            </a:r>
+            <a:r>
+              <a:rPr lang="en-US" dirty="0">
+                <a:solidFill>
+                  <a:srgbClr val="00B0F0"/>
+                </a:solidFill>
+              </a:rPr>
+              <a:t>INSERT </a:t>
+            </a:r>
+          </a:p>
+        </p:txBody>
+      </p:sp>
+      <p:sp>
+        <p:nvSpPr>
+          <p:cNvPr id="3" name="Content Placeholder 2">
+            <a:extLst>
+              <a:ext uri="{FF2B5EF4-FFF2-40B4-BE49-F238E27FC236}">
+                <a16:creationId xmlns:a16="http://schemas.microsoft.com/office/drawing/2014/main" id="{2E9C6ABA-47C2-A171-B710-1C101B65A97B}"/>
+              </a:ext>
+            </a:extLst>
+          </p:cNvPr>
+          <p:cNvSpPr>
+            <a:spLocks noGrp="1"/>
+          </p:cNvSpPr>
+          <p:nvPr>
+            <p:ph idx="1"/>
+          </p:nvPr>
+        </p:nvSpPr>
+        <p:spPr>
+          <a:xfrm>
+            <a:off x="2200443" y="1689544"/>
+            <a:ext cx="7305507" cy="3478912"/>
+          </a:xfrm>
+        </p:spPr>
+        <p:txBody>
+          <a:bodyPr/>
+          <a:lstStyle/>
+          <a:p>
+            <a:pPr marL="0" indent="0">
+              <a:buNone/>
+            </a:pPr>
+            <a:r>
+              <a:rPr lang="en-US" b="0" i="0" dirty="0">
+                <a:solidFill>
+                  <a:srgbClr val="00B0F0"/>
+                </a:solidFill>
+                <a:effectLst/>
+                <a:latin typeface="Lora" pitchFamily="2" charset="0"/>
+              </a:rPr>
+              <a:t>INSERT [INTO] </a:t>
+            </a:r>
+            <a:r>
+              <a:rPr lang="en-US" b="0" i="0" dirty="0" err="1">
+                <a:solidFill>
+                  <a:srgbClr val="00B0F0"/>
+                </a:solidFill>
+                <a:effectLst/>
+                <a:latin typeface="Lora" pitchFamily="2" charset="0"/>
+              </a:rPr>
+              <a:t>Table_name</a:t>
+            </a:r>
+            <a:r>
+              <a:rPr lang="en-US" b="0" i="0" dirty="0">
+                <a:solidFill>
+                  <a:srgbClr val="00B0F0"/>
+                </a:solidFill>
+                <a:effectLst/>
+                <a:latin typeface="Lora" pitchFamily="2" charset="0"/>
+              </a:rPr>
+              <a:t> | view name [</a:t>
+            </a:r>
+            <a:r>
+              <a:rPr lang="en-US" b="0" i="0" dirty="0" err="1">
+                <a:solidFill>
+                  <a:srgbClr val="00B0F0"/>
+                </a:solidFill>
+                <a:effectLst/>
+                <a:latin typeface="Lora" pitchFamily="2" charset="0"/>
+              </a:rPr>
+              <a:t>column_list</a:t>
+            </a:r>
+            <a:r>
+              <a:rPr lang="en-US" b="0" i="0" dirty="0">
+                <a:solidFill>
+                  <a:srgbClr val="00B0F0"/>
+                </a:solidFill>
+                <a:effectLst/>
+                <a:latin typeface="Lora" pitchFamily="2" charset="0"/>
+              </a:rPr>
+              <a:t>]</a:t>
+            </a:r>
+            <a:br>
+              <a:rPr lang="en-US" dirty="0">
+                <a:solidFill>
+                  <a:srgbClr val="00B0F0"/>
+                </a:solidFill>
+              </a:rPr>
+            </a:br>
+            <a:r>
+              <a:rPr lang="en-US" b="0" i="0" dirty="0">
+                <a:solidFill>
+                  <a:srgbClr val="00B0F0"/>
+                </a:solidFill>
+                <a:effectLst/>
+                <a:latin typeface="Lora" pitchFamily="2" charset="0"/>
+              </a:rPr>
+              <a:t>DEFAULT VALUES | </a:t>
+            </a:r>
+            <a:r>
+              <a:rPr lang="en-US" b="0" i="0" dirty="0" err="1">
+                <a:solidFill>
+                  <a:srgbClr val="00B0F0"/>
+                </a:solidFill>
+                <a:effectLst/>
+                <a:latin typeface="Lora" pitchFamily="2" charset="0"/>
+              </a:rPr>
+              <a:t>values_list</a:t>
+            </a:r>
+            <a:r>
+              <a:rPr lang="en-US" b="0" i="0" dirty="0">
+                <a:solidFill>
+                  <a:srgbClr val="00B0F0"/>
+                </a:solidFill>
+                <a:effectLst/>
+                <a:latin typeface="Lora" pitchFamily="2" charset="0"/>
+              </a:rPr>
+              <a:t> |</a:t>
+            </a:r>
+          </a:p>
+          <a:p>
+            <a:pPr marL="0" indent="0">
+              <a:buNone/>
+            </a:pPr>
+            <a:endParaRPr lang="en-US" dirty="0">
+              <a:solidFill>
+                <a:srgbClr val="00B0F0"/>
+              </a:solidFill>
+              <a:latin typeface="Lora" pitchFamily="2" charset="0"/>
+            </a:endParaRPr>
+          </a:p>
+          <a:p>
+            <a:pPr marL="0" indent="0">
+              <a:buNone/>
+            </a:pPr>
+            <a:r>
+              <a:rPr lang="en-US" sz="2000" b="1" dirty="0">
+                <a:solidFill>
+                  <a:schemeClr val="tx1"/>
+                </a:solidFill>
+              </a:rPr>
+              <a:t>Exercise: </a:t>
+            </a:r>
+          </a:p>
+          <a:p>
+            <a:pPr marL="0" indent="0">
+              <a:buNone/>
+            </a:pPr>
+            <a:endParaRPr lang="en-US" sz="2000" b="1" dirty="0">
+              <a:solidFill>
+                <a:schemeClr val="tx1"/>
+              </a:solidFill>
+            </a:endParaRPr>
+          </a:p>
+          <a:p>
+            <a:pPr marL="0" indent="0">
+              <a:buNone/>
+            </a:pPr>
+            <a:r>
+              <a:rPr lang="en-US" sz="2000" b="0" i="0" dirty="0">
+                <a:solidFill>
+                  <a:schemeClr val="tx1"/>
+                </a:solidFill>
+                <a:effectLst/>
+              </a:rPr>
+              <a:t>INSERT </a:t>
+            </a:r>
+            <a:r>
+              <a:rPr lang="en-US" sz="2000" dirty="0">
+                <a:solidFill>
+                  <a:schemeClr val="tx1"/>
+                </a:solidFill>
+              </a:rPr>
+              <a:t>value to column </a:t>
+            </a:r>
+            <a:r>
+              <a:rPr lang="en-US" sz="2000" dirty="0" err="1">
+                <a:solidFill>
+                  <a:schemeClr val="tx1"/>
+                </a:solidFill>
+              </a:rPr>
+              <a:t>geo_id,stusab</a:t>
+            </a:r>
+            <a:r>
+              <a:rPr lang="en-US" sz="2000" dirty="0">
+                <a:solidFill>
+                  <a:schemeClr val="tx1"/>
+                </a:solidFill>
+              </a:rPr>
+              <a:t>, master, professional</a:t>
+            </a:r>
+            <a:endParaRPr lang="en-US" sz="2000" b="0" i="0" dirty="0">
+              <a:solidFill>
+                <a:schemeClr val="tx1"/>
+              </a:solidFill>
+              <a:effectLst/>
+            </a:endParaRPr>
+          </a:p>
+        </p:txBody>
+      </p:sp>
+    </p:spTree>
+    <p:extLst>
+      <p:ext uri="{BB962C8B-B14F-4D97-AF65-F5344CB8AC3E}">
+        <p14:creationId xmlns:p14="http://schemas.microsoft.com/office/powerpoint/2010/main" val="4096402515"/>
+      </p:ext>
+    </p:extLst>
+  </p:cSld>
+  <p:clrMapOvr>
+    <a:masterClrMapping/>
+  </p:clrMapOvr>
+</p:sld>
+</file>
+
+<file path=ppt/slides/slide45.xml><?xml version="1.0" encoding="utf-8"?>
+<p:sld xmlns:a="http://schemas.openxmlformats.org/drawingml/2006/main" xmlns:r="http://schemas.openxmlformats.org/officeDocument/2006/relationships" xmlns:p="http://schemas.openxmlformats.org/presentationml/2006/main">
+  <p:cSld>
+    <p:spTree>
+      <p:nvGrpSpPr>
+        <p:cNvPr id="1" name=""/>
+        <p:cNvGrpSpPr/>
+        <p:nvPr/>
+      </p:nvGrpSpPr>
+      <p:grpSpPr>
+        <a:xfrm>
+          <a:off x="0" y="0"/>
+          <a:ext cx="0" cy="0"/>
+          <a:chOff x="0" y="0"/>
+          <a:chExt cx="0" cy="0"/>
+        </a:xfrm>
+      </p:grpSpPr>
+      <p:sp>
+        <p:nvSpPr>
+          <p:cNvPr id="2" name="Title 1">
+            <a:extLst>
+              <a:ext uri="{FF2B5EF4-FFF2-40B4-BE49-F238E27FC236}">
+                <a16:creationId xmlns:a16="http://schemas.microsoft.com/office/drawing/2014/main" id="{C75BBCF7-D6BA-0FB4-E53A-48845C30C28C}"/>
+              </a:ext>
+            </a:extLst>
+          </p:cNvPr>
+          <p:cNvSpPr>
+            <a:spLocks noGrp="1"/>
+          </p:cNvSpPr>
+          <p:nvPr>
+            <p:ph type="title"/>
+          </p:nvPr>
+        </p:nvSpPr>
+        <p:spPr>
+          <a:xfrm>
+            <a:off x="581192" y="702156"/>
+            <a:ext cx="11029616" cy="593244"/>
+          </a:xfrm>
+        </p:spPr>
+        <p:txBody>
+          <a:bodyPr/>
+          <a:lstStyle/>
+          <a:p>
+            <a:r>
+              <a:rPr lang="en-US" dirty="0"/>
+              <a:t>ADD NEW COLUMN: </a:t>
+            </a:r>
+            <a:r>
+              <a:rPr lang="en-US" dirty="0">
+                <a:solidFill>
+                  <a:srgbClr val="00B0F0"/>
+                </a:solidFill>
+              </a:rPr>
+              <a:t>ALTER</a:t>
+            </a:r>
+          </a:p>
+        </p:txBody>
+      </p:sp>
+      <p:sp>
+        <p:nvSpPr>
+          <p:cNvPr id="3" name="Content Placeholder 2">
+            <a:extLst>
+              <a:ext uri="{FF2B5EF4-FFF2-40B4-BE49-F238E27FC236}">
+                <a16:creationId xmlns:a16="http://schemas.microsoft.com/office/drawing/2014/main" id="{FD145DE2-A605-E9F6-9795-C5B8A0D5299B}"/>
+              </a:ext>
+            </a:extLst>
+          </p:cNvPr>
+          <p:cNvSpPr>
+            <a:spLocks noGrp="1"/>
+          </p:cNvSpPr>
+          <p:nvPr>
+            <p:ph idx="1"/>
+          </p:nvPr>
+        </p:nvSpPr>
+        <p:spPr>
+          <a:xfrm>
+            <a:off x="2905292" y="1864614"/>
+            <a:ext cx="4762333" cy="1812036"/>
+          </a:xfrm>
+        </p:spPr>
+        <p:txBody>
+          <a:bodyPr>
+            <a:normAutofit/>
+          </a:bodyPr>
+          <a:lstStyle/>
+          <a:p>
+            <a:pPr marL="0" indent="0">
+              <a:buNone/>
+            </a:pPr>
+            <a:r>
+              <a:rPr lang="en-US" sz="2000" b="1" dirty="0"/>
+              <a:t>SYNTAX:</a:t>
+            </a:r>
+          </a:p>
+          <a:p>
+            <a:pPr marL="0" indent="0">
+              <a:buNone/>
+            </a:pPr>
+            <a:r>
+              <a:rPr lang="en-US" sz="2000" dirty="0">
+                <a:solidFill>
+                  <a:srgbClr val="00B0F0"/>
+                </a:solidFill>
+              </a:rPr>
+              <a:t>ALTER TABLE </a:t>
+            </a:r>
+            <a:r>
+              <a:rPr lang="en-US" sz="2000" dirty="0" err="1">
+                <a:solidFill>
+                  <a:srgbClr val="00B0F0"/>
+                </a:solidFill>
+              </a:rPr>
+              <a:t>table_name</a:t>
+            </a:r>
+            <a:endParaRPr lang="en-US" sz="2000" dirty="0">
+              <a:solidFill>
+                <a:srgbClr val="00B0F0"/>
+              </a:solidFill>
+            </a:endParaRPr>
+          </a:p>
+          <a:p>
+            <a:pPr marL="0" indent="0">
+              <a:buNone/>
+            </a:pPr>
+            <a:r>
+              <a:rPr lang="en-US" sz="2000" dirty="0">
+                <a:solidFill>
+                  <a:srgbClr val="00B0F0"/>
+                </a:solidFill>
+              </a:rPr>
+              <a:t>ADD COLUMN </a:t>
+            </a:r>
+            <a:r>
+              <a:rPr lang="en-US" sz="2000" dirty="0" err="1">
+                <a:solidFill>
+                  <a:srgbClr val="00B0F0"/>
+                </a:solidFill>
+              </a:rPr>
+              <a:t>column_name</a:t>
+            </a:r>
+            <a:r>
+              <a:rPr lang="en-US" sz="2000" dirty="0">
+                <a:solidFill>
+                  <a:srgbClr val="00B0F0"/>
+                </a:solidFill>
+              </a:rPr>
+              <a:t> </a:t>
+            </a:r>
+            <a:r>
+              <a:rPr lang="en-US" sz="2000" dirty="0" err="1">
+                <a:solidFill>
+                  <a:srgbClr val="00B0F0"/>
+                </a:solidFill>
+              </a:rPr>
+              <a:t>data_type</a:t>
+            </a:r>
+            <a:r>
+              <a:rPr lang="en-US" sz="2000" dirty="0">
+                <a:solidFill>
+                  <a:srgbClr val="00B0F0"/>
+                </a:solidFill>
+              </a:rPr>
+              <a:t>;</a:t>
+            </a:r>
+          </a:p>
+        </p:txBody>
+      </p:sp>
+      <p:sp>
+        <p:nvSpPr>
+          <p:cNvPr id="4" name="TextBox 3">
+            <a:extLst>
+              <a:ext uri="{FF2B5EF4-FFF2-40B4-BE49-F238E27FC236}">
+                <a16:creationId xmlns:a16="http://schemas.microsoft.com/office/drawing/2014/main" id="{F731AAD4-9501-B6E9-E469-878FEB862334}"/>
+              </a:ext>
+            </a:extLst>
+          </p:cNvPr>
+          <p:cNvSpPr txBox="1"/>
+          <p:nvPr/>
+        </p:nvSpPr>
+        <p:spPr>
+          <a:xfrm>
+            <a:off x="2352675" y="3960114"/>
+            <a:ext cx="6286500" cy="1200329"/>
+          </a:xfrm>
+          <a:prstGeom prst="rect">
+            <a:avLst/>
+          </a:prstGeom>
+          <a:noFill/>
+        </p:spPr>
+        <p:txBody>
+          <a:bodyPr wrap="square" rtlCol="0">
+            <a:spAutoFit/>
+          </a:bodyPr>
+          <a:lstStyle/>
+          <a:p>
+            <a:r>
+              <a:rPr lang="en-US" sz="2400" dirty="0"/>
+              <a:t>Exercise:</a:t>
+            </a:r>
+          </a:p>
+          <a:p>
+            <a:endParaRPr lang="en-US" sz="2400" dirty="0"/>
+          </a:p>
+          <a:p>
+            <a:r>
+              <a:rPr lang="en-US" sz="2400" dirty="0"/>
+              <a:t>Insert a new column ‘Area’ to </a:t>
+            </a:r>
+            <a:r>
+              <a:rPr lang="en-US" sz="2400" dirty="0" err="1"/>
+              <a:t>us_attribute</a:t>
+            </a:r>
+            <a:r>
+              <a:rPr lang="en-US" sz="2400" dirty="0"/>
+              <a:t> table</a:t>
+            </a:r>
+          </a:p>
+        </p:txBody>
+      </p:sp>
+    </p:spTree>
+    <p:extLst>
+      <p:ext uri="{BB962C8B-B14F-4D97-AF65-F5344CB8AC3E}">
+        <p14:creationId xmlns:p14="http://schemas.microsoft.com/office/powerpoint/2010/main" val="609489252"/>
+      </p:ext>
+    </p:extLst>
+  </p:cSld>
+  <p:clrMapOvr>
+    <a:masterClrMapping/>
+  </p:clrMapOvr>
+</p:sld>
+</file>
+
+<file path=ppt/slides/slide46.xml><?xml version="1.0" encoding="utf-8"?>
+<p:sld xmlns:a="http://schemas.openxmlformats.org/drawingml/2006/main" xmlns:r="http://schemas.openxmlformats.org/officeDocument/2006/relationships" xmlns:p="http://schemas.openxmlformats.org/presentationml/2006/main">
+  <p:cSld>
+    <p:spTree>
+      <p:nvGrpSpPr>
+        <p:cNvPr id="1" name=""/>
+        <p:cNvGrpSpPr/>
+        <p:nvPr/>
+      </p:nvGrpSpPr>
+      <p:grpSpPr>
+        <a:xfrm>
+          <a:off x="0" y="0"/>
+          <a:ext cx="0" cy="0"/>
+          <a:chOff x="0" y="0"/>
+          <a:chExt cx="0" cy="0"/>
+        </a:xfrm>
+      </p:grpSpPr>
+      <p:sp>
+        <p:nvSpPr>
+          <p:cNvPr id="2" name="Title 1">
+            <a:extLst>
+              <a:ext uri="{FF2B5EF4-FFF2-40B4-BE49-F238E27FC236}">
+                <a16:creationId xmlns:a16="http://schemas.microsoft.com/office/drawing/2014/main" id="{0A5D9F5C-CA9C-A514-50B0-262F53F5909C}"/>
+              </a:ext>
+            </a:extLst>
+          </p:cNvPr>
+          <p:cNvSpPr>
+            <a:spLocks noGrp="1"/>
+          </p:cNvSpPr>
+          <p:nvPr>
+            <p:ph type="title"/>
+          </p:nvPr>
+        </p:nvSpPr>
+        <p:spPr>
+          <a:xfrm>
+            <a:off x="581192" y="702156"/>
+            <a:ext cx="11029616" cy="650394"/>
+          </a:xfrm>
+        </p:spPr>
+        <p:txBody>
+          <a:bodyPr/>
+          <a:lstStyle/>
+          <a:p>
+            <a:pPr algn="l"/>
+            <a:r>
+              <a:rPr lang="en-US" i="0" dirty="0">
+                <a:solidFill>
+                  <a:srgbClr val="00B0F0"/>
+                </a:solidFill>
+                <a:effectLst/>
+                <a:latin typeface="Cormorant Garamond"/>
+              </a:rPr>
+              <a:t>UPDATE</a:t>
+            </a:r>
+            <a:r>
+              <a:rPr lang="en-US" i="0" dirty="0">
+                <a:solidFill>
+                  <a:srgbClr val="373D3F"/>
+                </a:solidFill>
+                <a:effectLst/>
+                <a:latin typeface="Cormorant Garamond"/>
+              </a:rPr>
+              <a:t> statement</a:t>
+            </a:r>
+          </a:p>
+        </p:txBody>
+      </p:sp>
+      <p:sp>
+        <p:nvSpPr>
+          <p:cNvPr id="3" name="Content Placeholder 2">
+            <a:extLst>
+              <a:ext uri="{FF2B5EF4-FFF2-40B4-BE49-F238E27FC236}">
+                <a16:creationId xmlns:a16="http://schemas.microsoft.com/office/drawing/2014/main" id="{1B21710F-5910-2FF5-0322-11F590ADBB0B}"/>
+              </a:ext>
+            </a:extLst>
+          </p:cNvPr>
+          <p:cNvSpPr>
+            <a:spLocks noGrp="1"/>
+          </p:cNvSpPr>
+          <p:nvPr>
+            <p:ph idx="1"/>
+          </p:nvPr>
+        </p:nvSpPr>
+        <p:spPr>
+          <a:xfrm>
+            <a:off x="581193" y="1750313"/>
+            <a:ext cx="11029615" cy="1240537"/>
+          </a:xfrm>
+        </p:spPr>
+        <p:txBody>
+          <a:bodyPr>
+            <a:normAutofit/>
+          </a:bodyPr>
+          <a:lstStyle/>
+          <a:p>
+            <a:r>
+              <a:rPr lang="en-US" sz="2400" b="0" i="0" dirty="0">
+                <a:solidFill>
+                  <a:srgbClr val="373D3F"/>
+                </a:solidFill>
+                <a:effectLst/>
+              </a:rPr>
+              <a:t>The </a:t>
+            </a:r>
+            <a:r>
+              <a:rPr lang="en-US" sz="2400" b="0" i="1" dirty="0">
+                <a:solidFill>
+                  <a:srgbClr val="373D3F"/>
+                </a:solidFill>
+                <a:effectLst/>
+              </a:rPr>
+              <a:t>UPDATE statement</a:t>
+            </a:r>
+            <a:r>
+              <a:rPr lang="en-US" sz="2400" b="0" i="0" dirty="0">
+                <a:solidFill>
+                  <a:srgbClr val="373D3F"/>
+                </a:solidFill>
+                <a:effectLst/>
+              </a:rPr>
+              <a:t> changes data in existing rows either by adding new data or modifying existing data.</a:t>
+            </a:r>
+            <a:endParaRPr lang="en-US" sz="2200" dirty="0"/>
+          </a:p>
+        </p:txBody>
+      </p:sp>
+      <p:sp>
+        <p:nvSpPr>
+          <p:cNvPr id="5" name="TextBox 4">
+            <a:extLst>
+              <a:ext uri="{FF2B5EF4-FFF2-40B4-BE49-F238E27FC236}">
+                <a16:creationId xmlns:a16="http://schemas.microsoft.com/office/drawing/2014/main" id="{BA41ACE3-C660-9D7D-389B-1E30B350E4B9}"/>
+              </a:ext>
+            </a:extLst>
+          </p:cNvPr>
+          <p:cNvSpPr txBox="1"/>
+          <p:nvPr/>
+        </p:nvSpPr>
+        <p:spPr>
+          <a:xfrm>
+            <a:off x="3781425" y="3388613"/>
+            <a:ext cx="3781425" cy="1200329"/>
+          </a:xfrm>
+          <a:prstGeom prst="rect">
+            <a:avLst/>
+          </a:prstGeom>
+          <a:noFill/>
+        </p:spPr>
+        <p:txBody>
+          <a:bodyPr wrap="square">
+            <a:spAutoFit/>
+          </a:bodyPr>
+          <a:lstStyle/>
+          <a:p>
+            <a:r>
+              <a:rPr lang="en-US" sz="2400" dirty="0">
+                <a:solidFill>
+                  <a:srgbClr val="00B0F0"/>
+                </a:solidFill>
+              </a:rPr>
+              <a:t>UPDATE ch04.us_attribute</a:t>
+            </a:r>
+          </a:p>
+          <a:p>
+            <a:r>
+              <a:rPr lang="en-US" sz="2400" dirty="0">
+                <a:solidFill>
+                  <a:srgbClr val="00B0F0"/>
+                </a:solidFill>
+              </a:rPr>
+              <a:t>SET </a:t>
+            </a:r>
+            <a:r>
+              <a:rPr lang="en-US" sz="2400" dirty="0" err="1">
+                <a:solidFill>
+                  <a:srgbClr val="00B0F0"/>
+                </a:solidFill>
+              </a:rPr>
+              <a:t>gisjoin</a:t>
+            </a:r>
+            <a:r>
+              <a:rPr lang="en-US" sz="2400" dirty="0">
+                <a:solidFill>
+                  <a:srgbClr val="00B0F0"/>
+                </a:solidFill>
+              </a:rPr>
+              <a:t> = '</a:t>
+            </a:r>
+            <a:r>
+              <a:rPr lang="en-US" sz="2400" dirty="0" err="1">
+                <a:solidFill>
+                  <a:srgbClr val="00B0F0"/>
+                </a:solidFill>
+              </a:rPr>
+              <a:t>MA_state</a:t>
+            </a:r>
+            <a:r>
+              <a:rPr lang="en-US" sz="2400" dirty="0">
+                <a:solidFill>
+                  <a:srgbClr val="00B0F0"/>
+                </a:solidFill>
+              </a:rPr>
+              <a:t>'</a:t>
+            </a:r>
+          </a:p>
+          <a:p>
+            <a:r>
+              <a:rPr lang="en-US" sz="2400" dirty="0">
+                <a:solidFill>
+                  <a:srgbClr val="00B0F0"/>
+                </a:solidFill>
+              </a:rPr>
+              <a:t>WHERE </a:t>
+            </a:r>
+            <a:r>
+              <a:rPr lang="en-US" sz="2400" dirty="0" err="1">
+                <a:solidFill>
+                  <a:srgbClr val="00B0F0"/>
+                </a:solidFill>
+              </a:rPr>
+              <a:t>gisjoin</a:t>
+            </a:r>
+            <a:r>
+              <a:rPr lang="en-US" sz="2400" dirty="0">
+                <a:solidFill>
+                  <a:srgbClr val="00B0F0"/>
+                </a:solidFill>
+              </a:rPr>
+              <a:t> = 'MA';</a:t>
+            </a:r>
+          </a:p>
+        </p:txBody>
+      </p:sp>
+    </p:spTree>
+    <p:extLst>
+      <p:ext uri="{BB962C8B-B14F-4D97-AF65-F5344CB8AC3E}">
+        <p14:creationId xmlns:p14="http://schemas.microsoft.com/office/powerpoint/2010/main" val="2871320643"/>
       </p:ext>
     </p:extLst>
   </p:cSld>
